--- a/De Cuong/bao cao 22-10-2010.pptx
+++ b/De Cuong/bao cao 22-10-2010.pptx
@@ -4,12 +4,23 @@
   <p:sldMasterIdLst>
     <p:sldMasterId id="2147483648" r:id="rId1"/>
   </p:sldMasterIdLst>
+  <p:notesMasterIdLst>
+    <p:notesMasterId r:id="rId15"/>
+  </p:notesMasterIdLst>
   <p:sldIdLst>
     <p:sldId id="258" r:id="rId2"/>
     <p:sldId id="276" r:id="rId3"/>
     <p:sldId id="277" r:id="rId4"/>
-    <p:sldId id="288" r:id="rId5"/>
-    <p:sldId id="267" r:id="rId6"/>
+    <p:sldId id="291" r:id="rId5"/>
+    <p:sldId id="293" r:id="rId6"/>
+    <p:sldId id="294" r:id="rId7"/>
+    <p:sldId id="295" r:id="rId8"/>
+    <p:sldId id="296" r:id="rId9"/>
+    <p:sldId id="298" r:id="rId10"/>
+    <p:sldId id="288" r:id="rId11"/>
+    <p:sldId id="289" r:id="rId12"/>
+    <p:sldId id="290" r:id="rId13"/>
+    <p:sldId id="267" r:id="rId14"/>
   </p:sldIdLst>
   <p:sldSz cx="9144000" cy="6858000" type="screen4x3"/>
   <p:notesSz cx="6858000" cy="9144000"/>
@@ -139,6 +150,434 @@
     </a:lvl9pPr>
   </p:defaultTextStyle>
 </p:presentation>
+</file>
+
+<file path=ppt/notesMasters/notesMaster1.xml><?xml version="1.0" encoding="utf-8"?>
+<p:notesMaster xmlns:a="http://schemas.openxmlformats.org/drawingml/2006/main" xmlns:r="http://schemas.openxmlformats.org/officeDocument/2006/relationships" xmlns:p="http://schemas.openxmlformats.org/presentationml/2006/main">
+  <p:cSld>
+    <p:bg>
+      <p:bgRef idx="1001">
+        <a:schemeClr val="bg1"/>
+      </p:bgRef>
+    </p:bg>
+    <p:spTree>
+      <p:nvGrpSpPr>
+        <p:cNvPr id="1" name=""/>
+        <p:cNvGrpSpPr/>
+        <p:nvPr/>
+      </p:nvGrpSpPr>
+      <p:grpSpPr>
+        <a:xfrm>
+          <a:off x="0" y="0"/>
+          <a:ext cx="0" cy="0"/>
+          <a:chOff x="0" y="0"/>
+          <a:chExt cx="0" cy="0"/>
+        </a:xfrm>
+      </p:grpSpPr>
+      <p:sp>
+        <p:nvSpPr>
+          <p:cNvPr id="2" name="Header Placeholder 1"/>
+          <p:cNvSpPr>
+            <a:spLocks noGrp="1"/>
+          </p:cNvSpPr>
+          <p:nvPr>
+            <p:ph type="hdr" sz="quarter"/>
+          </p:nvPr>
+        </p:nvSpPr>
+        <p:spPr>
+          <a:xfrm>
+            <a:off x="0" y="0"/>
+            <a:ext cx="2971800" cy="457200"/>
+          </a:xfrm>
+          <a:prstGeom prst="rect">
+            <a:avLst/>
+          </a:prstGeom>
+        </p:spPr>
+        <p:txBody>
+          <a:bodyPr vert="horz" lIns="91440" tIns="45720" rIns="91440" bIns="45720" rtlCol="0"/>
+          <a:lstStyle>
+            <a:lvl1pPr algn="l">
+              <a:defRPr sz="1200"/>
+            </a:lvl1pPr>
+          </a:lstStyle>
+          <a:p>
+            <a:endParaRPr lang="en-US"/>
+          </a:p>
+        </p:txBody>
+      </p:sp>
+      <p:sp>
+        <p:nvSpPr>
+          <p:cNvPr id="3" name="Date Placeholder 2"/>
+          <p:cNvSpPr>
+            <a:spLocks noGrp="1"/>
+          </p:cNvSpPr>
+          <p:nvPr>
+            <p:ph type="dt" idx="1"/>
+          </p:nvPr>
+        </p:nvSpPr>
+        <p:spPr>
+          <a:xfrm>
+            <a:off x="3884613" y="0"/>
+            <a:ext cx="2971800" cy="457200"/>
+          </a:xfrm>
+          <a:prstGeom prst="rect">
+            <a:avLst/>
+          </a:prstGeom>
+        </p:spPr>
+        <p:txBody>
+          <a:bodyPr vert="horz" lIns="91440" tIns="45720" rIns="91440" bIns="45720" rtlCol="0"/>
+          <a:lstStyle>
+            <a:lvl1pPr algn="r">
+              <a:defRPr sz="1200"/>
+            </a:lvl1pPr>
+          </a:lstStyle>
+          <a:p>
+            <a:fld id="{3B14A4C4-CD5F-4363-9455-E1F0DAF53B53}" type="datetimeFigureOut">
+              <a:rPr lang="en-US" smtClean="0"/>
+              <a:t>10/22/2010</a:t>
+            </a:fld>
+            <a:endParaRPr lang="en-US"/>
+          </a:p>
+        </p:txBody>
+      </p:sp>
+      <p:sp>
+        <p:nvSpPr>
+          <p:cNvPr id="4" name="Slide Image Placeholder 3"/>
+          <p:cNvSpPr>
+            <a:spLocks noGrp="1" noRot="1" noChangeAspect="1"/>
+          </p:cNvSpPr>
+          <p:nvPr>
+            <p:ph type="sldImg" idx="2"/>
+          </p:nvPr>
+        </p:nvSpPr>
+        <p:spPr>
+          <a:xfrm>
+            <a:off x="1143000" y="685800"/>
+            <a:ext cx="4572000" cy="3429000"/>
+          </a:xfrm>
+          <a:prstGeom prst="rect">
+            <a:avLst/>
+          </a:prstGeom>
+          <a:noFill/>
+          <a:ln w="12700">
+            <a:solidFill>
+              <a:prstClr val="black"/>
+            </a:solidFill>
+          </a:ln>
+        </p:spPr>
+        <p:txBody>
+          <a:bodyPr vert="horz" lIns="91440" tIns="45720" rIns="91440" bIns="45720" rtlCol="0" anchor="ctr"/>
+          <a:lstStyle/>
+          <a:p>
+            <a:endParaRPr lang="en-US"/>
+          </a:p>
+        </p:txBody>
+      </p:sp>
+      <p:sp>
+        <p:nvSpPr>
+          <p:cNvPr id="5" name="Notes Placeholder 4"/>
+          <p:cNvSpPr>
+            <a:spLocks noGrp="1"/>
+          </p:cNvSpPr>
+          <p:nvPr>
+            <p:ph type="body" sz="quarter" idx="3"/>
+          </p:nvPr>
+        </p:nvSpPr>
+        <p:spPr>
+          <a:xfrm>
+            <a:off x="685800" y="4343400"/>
+            <a:ext cx="5486400" cy="4114800"/>
+          </a:xfrm>
+          <a:prstGeom prst="rect">
+            <a:avLst/>
+          </a:prstGeom>
+        </p:spPr>
+        <p:txBody>
+          <a:bodyPr vert="horz" lIns="91440" tIns="45720" rIns="91440" bIns="45720" rtlCol="0">
+            <a:normAutofit/>
+          </a:bodyPr>
+          <a:lstStyle/>
+          <a:p>
+            <a:pPr lvl="0"/>
+            <a:r>
+              <a:rPr lang="en-US" smtClean="0"/>
+              <a:t>Click to edit Master text styles</a:t>
+            </a:r>
+          </a:p>
+          <a:p>
+            <a:pPr lvl="1"/>
+            <a:r>
+              <a:rPr lang="en-US" smtClean="0"/>
+              <a:t>Second level</a:t>
+            </a:r>
+          </a:p>
+          <a:p>
+            <a:pPr lvl="2"/>
+            <a:r>
+              <a:rPr lang="en-US" smtClean="0"/>
+              <a:t>Third level</a:t>
+            </a:r>
+          </a:p>
+          <a:p>
+            <a:pPr lvl="3"/>
+            <a:r>
+              <a:rPr lang="en-US" smtClean="0"/>
+              <a:t>Fourth level</a:t>
+            </a:r>
+          </a:p>
+          <a:p>
+            <a:pPr lvl="4"/>
+            <a:r>
+              <a:rPr lang="en-US" smtClean="0"/>
+              <a:t>Fifth level</a:t>
+            </a:r>
+            <a:endParaRPr lang="en-US"/>
+          </a:p>
+        </p:txBody>
+      </p:sp>
+      <p:sp>
+        <p:nvSpPr>
+          <p:cNvPr id="6" name="Footer Placeholder 5"/>
+          <p:cNvSpPr>
+            <a:spLocks noGrp="1"/>
+          </p:cNvSpPr>
+          <p:nvPr>
+            <p:ph type="ftr" sz="quarter" idx="4"/>
+          </p:nvPr>
+        </p:nvSpPr>
+        <p:spPr>
+          <a:xfrm>
+            <a:off x="0" y="8685213"/>
+            <a:ext cx="2971800" cy="457200"/>
+          </a:xfrm>
+          <a:prstGeom prst="rect">
+            <a:avLst/>
+          </a:prstGeom>
+        </p:spPr>
+        <p:txBody>
+          <a:bodyPr vert="horz" lIns="91440" tIns="45720" rIns="91440" bIns="45720" rtlCol="0" anchor="b"/>
+          <a:lstStyle>
+            <a:lvl1pPr algn="l">
+              <a:defRPr sz="1200"/>
+            </a:lvl1pPr>
+          </a:lstStyle>
+          <a:p>
+            <a:endParaRPr lang="en-US"/>
+          </a:p>
+        </p:txBody>
+      </p:sp>
+      <p:sp>
+        <p:nvSpPr>
+          <p:cNvPr id="7" name="Slide Number Placeholder 6"/>
+          <p:cNvSpPr>
+            <a:spLocks noGrp="1"/>
+          </p:cNvSpPr>
+          <p:nvPr>
+            <p:ph type="sldNum" sz="quarter" idx="5"/>
+          </p:nvPr>
+        </p:nvSpPr>
+        <p:spPr>
+          <a:xfrm>
+            <a:off x="3884613" y="8685213"/>
+            <a:ext cx="2971800" cy="457200"/>
+          </a:xfrm>
+          <a:prstGeom prst="rect">
+            <a:avLst/>
+          </a:prstGeom>
+        </p:spPr>
+        <p:txBody>
+          <a:bodyPr vert="horz" lIns="91440" tIns="45720" rIns="91440" bIns="45720" rtlCol="0" anchor="b"/>
+          <a:lstStyle>
+            <a:lvl1pPr algn="r">
+              <a:defRPr sz="1200"/>
+            </a:lvl1pPr>
+          </a:lstStyle>
+          <a:p>
+            <a:fld id="{29E6FFFA-F13A-4C0F-A707-C1F94A1398F3}" type="slidenum">
+              <a:rPr lang="en-US" smtClean="0"/>
+              <a:t>‹#›</a:t>
+            </a:fld>
+            <a:endParaRPr lang="en-US"/>
+          </a:p>
+        </p:txBody>
+      </p:sp>
+    </p:spTree>
+  </p:cSld>
+  <p:clrMap bg1="lt1" tx1="dk1" bg2="lt2" tx2="dk2" accent1="accent1" accent2="accent2" accent3="accent3" accent4="accent4" accent5="accent5" accent6="accent6" hlink="hlink" folHlink="folHlink"/>
+  <p:notesStyle>
+    <a:lvl1pPr marL="0" algn="l" defTabSz="914400" rtl="0" eaLnBrk="1" latinLnBrk="0" hangingPunct="1">
+      <a:defRPr sz="1200" kern="1200">
+        <a:solidFill>
+          <a:schemeClr val="tx1"/>
+        </a:solidFill>
+        <a:latin typeface="+mn-lt"/>
+        <a:ea typeface="+mn-ea"/>
+        <a:cs typeface="+mn-cs"/>
+      </a:defRPr>
+    </a:lvl1pPr>
+    <a:lvl2pPr marL="457200" algn="l" defTabSz="914400" rtl="0" eaLnBrk="1" latinLnBrk="0" hangingPunct="1">
+      <a:defRPr sz="1200" kern="1200">
+        <a:solidFill>
+          <a:schemeClr val="tx1"/>
+        </a:solidFill>
+        <a:latin typeface="+mn-lt"/>
+        <a:ea typeface="+mn-ea"/>
+        <a:cs typeface="+mn-cs"/>
+      </a:defRPr>
+    </a:lvl2pPr>
+    <a:lvl3pPr marL="914400" algn="l" defTabSz="914400" rtl="0" eaLnBrk="1" latinLnBrk="0" hangingPunct="1">
+      <a:defRPr sz="1200" kern="1200">
+        <a:solidFill>
+          <a:schemeClr val="tx1"/>
+        </a:solidFill>
+        <a:latin typeface="+mn-lt"/>
+        <a:ea typeface="+mn-ea"/>
+        <a:cs typeface="+mn-cs"/>
+      </a:defRPr>
+    </a:lvl3pPr>
+    <a:lvl4pPr marL="1371600" algn="l" defTabSz="914400" rtl="0" eaLnBrk="1" latinLnBrk="0" hangingPunct="1">
+      <a:defRPr sz="1200" kern="1200">
+        <a:solidFill>
+          <a:schemeClr val="tx1"/>
+        </a:solidFill>
+        <a:latin typeface="+mn-lt"/>
+        <a:ea typeface="+mn-ea"/>
+        <a:cs typeface="+mn-cs"/>
+      </a:defRPr>
+    </a:lvl4pPr>
+    <a:lvl5pPr marL="1828800" algn="l" defTabSz="914400" rtl="0" eaLnBrk="1" latinLnBrk="0" hangingPunct="1">
+      <a:defRPr sz="1200" kern="1200">
+        <a:solidFill>
+          <a:schemeClr val="tx1"/>
+        </a:solidFill>
+        <a:latin typeface="+mn-lt"/>
+        <a:ea typeface="+mn-ea"/>
+        <a:cs typeface="+mn-cs"/>
+      </a:defRPr>
+    </a:lvl5pPr>
+    <a:lvl6pPr marL="2286000" algn="l" defTabSz="914400" rtl="0" eaLnBrk="1" latinLnBrk="0" hangingPunct="1">
+      <a:defRPr sz="1200" kern="1200">
+        <a:solidFill>
+          <a:schemeClr val="tx1"/>
+        </a:solidFill>
+        <a:latin typeface="+mn-lt"/>
+        <a:ea typeface="+mn-ea"/>
+        <a:cs typeface="+mn-cs"/>
+      </a:defRPr>
+    </a:lvl6pPr>
+    <a:lvl7pPr marL="2743200" algn="l" defTabSz="914400" rtl="0" eaLnBrk="1" latinLnBrk="0" hangingPunct="1">
+      <a:defRPr sz="1200" kern="1200">
+        <a:solidFill>
+          <a:schemeClr val="tx1"/>
+        </a:solidFill>
+        <a:latin typeface="+mn-lt"/>
+        <a:ea typeface="+mn-ea"/>
+        <a:cs typeface="+mn-cs"/>
+      </a:defRPr>
+    </a:lvl7pPr>
+    <a:lvl8pPr marL="3200400" algn="l" defTabSz="914400" rtl="0" eaLnBrk="1" latinLnBrk="0" hangingPunct="1">
+      <a:defRPr sz="1200" kern="1200">
+        <a:solidFill>
+          <a:schemeClr val="tx1"/>
+        </a:solidFill>
+        <a:latin typeface="+mn-lt"/>
+        <a:ea typeface="+mn-ea"/>
+        <a:cs typeface="+mn-cs"/>
+      </a:defRPr>
+    </a:lvl8pPr>
+    <a:lvl9pPr marL="3657600" algn="l" defTabSz="914400" rtl="0" eaLnBrk="1" latinLnBrk="0" hangingPunct="1">
+      <a:defRPr sz="1200" kern="1200">
+        <a:solidFill>
+          <a:schemeClr val="tx1"/>
+        </a:solidFill>
+        <a:latin typeface="+mn-lt"/>
+        <a:ea typeface="+mn-ea"/>
+        <a:cs typeface="+mn-cs"/>
+      </a:defRPr>
+    </a:lvl9pPr>
+  </p:notesStyle>
+</p:notesMaster>
+</file>
+
+<file path=ppt/notesSlides/notesSlide1.xml><?xml version="1.0" encoding="utf-8"?>
+<p:notes xmlns:a="http://schemas.openxmlformats.org/drawingml/2006/main" xmlns:r="http://schemas.openxmlformats.org/officeDocument/2006/relationships" xmlns:p="http://schemas.openxmlformats.org/presentationml/2006/main">
+  <p:cSld>
+    <p:spTree>
+      <p:nvGrpSpPr>
+        <p:cNvPr id="1" name=""/>
+        <p:cNvGrpSpPr/>
+        <p:nvPr/>
+      </p:nvGrpSpPr>
+      <p:grpSpPr>
+        <a:xfrm>
+          <a:off x="0" y="0"/>
+          <a:ext cx="0" cy="0"/>
+          <a:chOff x="0" y="0"/>
+          <a:chExt cx="0" cy="0"/>
+        </a:xfrm>
+      </p:grpSpPr>
+      <p:sp>
+        <p:nvSpPr>
+          <p:cNvPr id="2" name="Slide Image Placeholder 1"/>
+          <p:cNvSpPr>
+            <a:spLocks noGrp="1" noRot="1" noChangeAspect="1"/>
+          </p:cNvSpPr>
+          <p:nvPr>
+            <p:ph type="sldImg"/>
+          </p:nvPr>
+        </p:nvSpPr>
+        <p:spPr/>
+      </p:sp>
+      <p:sp>
+        <p:nvSpPr>
+          <p:cNvPr id="3" name="Notes Placeholder 2"/>
+          <p:cNvSpPr>
+            <a:spLocks noGrp="1"/>
+          </p:cNvSpPr>
+          <p:nvPr>
+            <p:ph type="body" idx="1"/>
+          </p:nvPr>
+        </p:nvSpPr>
+        <p:spPr/>
+        <p:txBody>
+          <a:bodyPr>
+            <a:normAutofit/>
+          </a:bodyPr>
+          <a:lstStyle/>
+          <a:p>
+            <a:endParaRPr lang="en-US" dirty="0"/>
+          </a:p>
+        </p:txBody>
+      </p:sp>
+      <p:sp>
+        <p:nvSpPr>
+          <p:cNvPr id="4" name="Slide Number Placeholder 3"/>
+          <p:cNvSpPr>
+            <a:spLocks noGrp="1"/>
+          </p:cNvSpPr>
+          <p:nvPr>
+            <p:ph type="sldNum" sz="quarter" idx="10"/>
+          </p:nvPr>
+        </p:nvSpPr>
+        <p:spPr/>
+        <p:txBody>
+          <a:bodyPr/>
+          <a:lstStyle/>
+          <a:p>
+            <a:fld id="{29E6FFFA-F13A-4C0F-A707-C1F94A1398F3}" type="slidenum">
+              <a:rPr lang="en-US" smtClean="0"/>
+              <a:t>3</a:t>
+            </a:fld>
+            <a:endParaRPr lang="en-US"/>
+          </a:p>
+        </p:txBody>
+      </p:sp>
+    </p:spTree>
+  </p:cSld>
+  <p:clrMapOvr>
+    <a:masterClrMapping/>
+  </p:clrMapOvr>
+</p:notes>
 </file>
 
 <file path=ppt/slideLayouts/slideLayout1.xml><?xml version="1.0" encoding="utf-8"?>
@@ -4336,10 +4775,6 @@
               <a:rPr lang="en-US" sz="3200" dirty="0" smtClean="0"/>
               <a:t>Chủ đề: </a:t>
             </a:r>
-            <a:r>
-              <a:rPr lang="en-US" sz="3200" dirty="0" smtClean="0"/>
-              <a:t/>
-            </a:r>
             <a:br>
               <a:rPr lang="en-US" sz="3200" dirty="0" smtClean="0"/>
             </a:br>
@@ -4709,6 +5144,476 @@
 </p:sld>
 </file>
 
+<file path=ppt/slides/slide10.xml><?xml version="1.0" encoding="utf-8"?>
+<p:sld xmlns:a="http://schemas.openxmlformats.org/drawingml/2006/main" xmlns:r="http://schemas.openxmlformats.org/officeDocument/2006/relationships" xmlns:p="http://schemas.openxmlformats.org/presentationml/2006/main">
+  <p:cSld>
+    <p:spTree>
+      <p:nvGrpSpPr>
+        <p:cNvPr id="1" name=""/>
+        <p:cNvGrpSpPr/>
+        <p:nvPr/>
+      </p:nvGrpSpPr>
+      <p:grpSpPr>
+        <a:xfrm>
+          <a:off x="0" y="0"/>
+          <a:ext cx="0" cy="0"/>
+          <a:chOff x="0" y="0"/>
+          <a:chExt cx="0" cy="0"/>
+        </a:xfrm>
+      </p:grpSpPr>
+      <p:sp>
+        <p:nvSpPr>
+          <p:cNvPr id="2" name="Title 1"/>
+          <p:cNvSpPr>
+            <a:spLocks noGrp="1"/>
+          </p:cNvSpPr>
+          <p:nvPr>
+            <p:ph type="title"/>
+          </p:nvPr>
+        </p:nvSpPr>
+        <p:spPr/>
+        <p:txBody>
+          <a:bodyPr/>
+          <a:lstStyle/>
+          <a:p>
+            <a:r>
+              <a:rPr lang="en-US" dirty="0" err="1" smtClean="0"/>
+              <a:t>Tham</a:t>
+            </a:r>
+            <a:r>
+              <a:rPr lang="en-US" dirty="0" smtClean="0"/>
+              <a:t> </a:t>
+            </a:r>
+            <a:r>
+              <a:rPr lang="en-US" smtClean="0"/>
+              <a:t>khảo</a:t>
+            </a:r>
+            <a:endParaRPr lang="en-US"/>
+          </a:p>
+        </p:txBody>
+      </p:sp>
+      <p:sp>
+        <p:nvSpPr>
+          <p:cNvPr id="3" name="Content Placeholder 2"/>
+          <p:cNvSpPr>
+            <a:spLocks noGrp="1"/>
+          </p:cNvSpPr>
+          <p:nvPr>
+            <p:ph idx="1"/>
+          </p:nvPr>
+        </p:nvSpPr>
+        <p:spPr/>
+        <p:txBody>
+          <a:bodyPr/>
+          <a:lstStyle/>
+          <a:p>
+            <a:r>
+              <a:rPr lang="en-US" dirty="0" smtClean="0"/>
+              <a:t>[1] </a:t>
+            </a:r>
+            <a:r>
+              <a:rPr lang="en-US" u="sng" dirty="0" smtClean="0">
+                <a:hlinkClick r:id="rId2"/>
+              </a:rPr>
+              <a:t>http://vi.wikipedia.org/wiki/X%E1%BB%AD_l%C3%BD_ng%C3%B4n_ng%E1%BB%AF_t%E1%BB%B1_nhi%C3%AAn</a:t>
+            </a:r>
+            <a:r>
+              <a:rPr lang="en-US" dirty="0" smtClean="0"/>
+              <a:t> </a:t>
+            </a:r>
+          </a:p>
+          <a:p>
+            <a:r>
+              <a:rPr lang="en-US" dirty="0" smtClean="0"/>
+              <a:t> [2] “A Question Answering System based on Conceptual Graph Formalism”, Wael Salloum , 2009.</a:t>
+            </a:r>
+          </a:p>
+          <a:p>
+            <a:r>
+              <a:rPr lang="en-US" dirty="0" smtClean="0"/>
+              <a:t>[3] “Automatic Question Pattern Generation for Ontology-based Question”, Shiyan Ou, Constantin Orasan, Dalila Mekhaldi and Laura Hasler, 2008.</a:t>
+            </a:r>
+          </a:p>
+          <a:p>
+            <a:endParaRPr lang="en-US" dirty="0"/>
+          </a:p>
+        </p:txBody>
+      </p:sp>
+    </p:spTree>
+  </p:cSld>
+  <p:clrMapOvr>
+    <a:masterClrMapping/>
+  </p:clrMapOvr>
+  <p:timing>
+    <p:tnLst>
+      <p:par>
+        <p:cTn id="1" dur="indefinite" restart="never" nodeType="tmRoot"/>
+      </p:par>
+    </p:tnLst>
+  </p:timing>
+</p:sld>
+</file>
+
+<file path=ppt/slides/slide11.xml><?xml version="1.0" encoding="utf-8"?>
+<p:sld xmlns:a="http://schemas.openxmlformats.org/drawingml/2006/main" xmlns:r="http://schemas.openxmlformats.org/officeDocument/2006/relationships" xmlns:p="http://schemas.openxmlformats.org/presentationml/2006/main">
+  <p:cSld>
+    <p:spTree>
+      <p:nvGrpSpPr>
+        <p:cNvPr id="1" name=""/>
+        <p:cNvGrpSpPr/>
+        <p:nvPr/>
+      </p:nvGrpSpPr>
+      <p:grpSpPr>
+        <a:xfrm>
+          <a:off x="0" y="0"/>
+          <a:ext cx="0" cy="0"/>
+          <a:chOff x="0" y="0"/>
+          <a:chExt cx="0" cy="0"/>
+        </a:xfrm>
+      </p:grpSpPr>
+      <p:sp>
+        <p:nvSpPr>
+          <p:cNvPr id="2" name="Title 1"/>
+          <p:cNvSpPr>
+            <a:spLocks noGrp="1"/>
+          </p:cNvSpPr>
+          <p:nvPr>
+            <p:ph type="title"/>
+          </p:nvPr>
+        </p:nvSpPr>
+        <p:spPr/>
+        <p:txBody>
+          <a:bodyPr/>
+          <a:lstStyle/>
+          <a:p>
+            <a:r>
+              <a:rPr lang="en-US" dirty="0" smtClean="0"/>
+              <a:t>Tham khảo</a:t>
+            </a:r>
+            <a:endParaRPr lang="en-US" dirty="0"/>
+          </a:p>
+        </p:txBody>
+      </p:sp>
+      <p:sp>
+        <p:nvSpPr>
+          <p:cNvPr id="3" name="Content Placeholder 2"/>
+          <p:cNvSpPr>
+            <a:spLocks noGrp="1"/>
+          </p:cNvSpPr>
+          <p:nvPr>
+            <p:ph idx="1"/>
+          </p:nvPr>
+        </p:nvSpPr>
+        <p:spPr/>
+        <p:txBody>
+          <a:bodyPr/>
+          <a:lstStyle/>
+          <a:p>
+            <a:r>
+              <a:rPr lang="en-US" dirty="0" smtClean="0"/>
+              <a:t>[4] “Xây dựng công cụ tìm kiếm tài liệu học tập bằng các truy vấn ngôn ngữ tự nhiên  trên kho học liệu mở tiếng Việt”, Lương Quý Tịnh Hà, 2009.</a:t>
+            </a:r>
+          </a:p>
+          <a:p>
+            <a:r>
+              <a:rPr lang="en-US" dirty="0" smtClean="0"/>
+              <a:t>[5] “ Dịch câu truy vấn có cấu trúc sang đồ thị ý niệm: cách tiếp cận ít phụ thuộc vào cú pháp”, Cao Duy Trường, 2008.</a:t>
+            </a:r>
+          </a:p>
+          <a:p>
+            <a:r>
+              <a:rPr lang="en-US" dirty="0" smtClean="0"/>
+              <a:t>[6] “An Ontology based Question Answering System on Software Test Document Domain”, Meltem Serhatli and Ferda N. Alpaslan, 2009.</a:t>
+            </a:r>
+          </a:p>
+          <a:p>
+            <a:endParaRPr lang="en-US" dirty="0"/>
+          </a:p>
+        </p:txBody>
+      </p:sp>
+    </p:spTree>
+  </p:cSld>
+  <p:clrMapOvr>
+    <a:masterClrMapping/>
+  </p:clrMapOvr>
+</p:sld>
+</file>
+
+<file path=ppt/slides/slide12.xml><?xml version="1.0" encoding="utf-8"?>
+<p:sld xmlns:a="http://schemas.openxmlformats.org/drawingml/2006/main" xmlns:r="http://schemas.openxmlformats.org/officeDocument/2006/relationships" xmlns:p="http://schemas.openxmlformats.org/presentationml/2006/main">
+  <p:cSld>
+    <p:spTree>
+      <p:nvGrpSpPr>
+        <p:cNvPr id="1" name=""/>
+        <p:cNvGrpSpPr/>
+        <p:nvPr/>
+      </p:nvGrpSpPr>
+      <p:grpSpPr>
+        <a:xfrm>
+          <a:off x="0" y="0"/>
+          <a:ext cx="0" cy="0"/>
+          <a:chOff x="0" y="0"/>
+          <a:chExt cx="0" cy="0"/>
+        </a:xfrm>
+      </p:grpSpPr>
+      <p:sp>
+        <p:nvSpPr>
+          <p:cNvPr id="2" name="Title 1"/>
+          <p:cNvSpPr>
+            <a:spLocks noGrp="1"/>
+          </p:cNvSpPr>
+          <p:nvPr>
+            <p:ph type="title"/>
+          </p:nvPr>
+        </p:nvSpPr>
+        <p:spPr/>
+        <p:txBody>
+          <a:bodyPr/>
+          <a:lstStyle/>
+          <a:p>
+            <a:r>
+              <a:rPr lang="en-US" dirty="0" smtClean="0"/>
+              <a:t>Tham khảo</a:t>
+            </a:r>
+            <a:endParaRPr lang="en-US" dirty="0"/>
+          </a:p>
+        </p:txBody>
+      </p:sp>
+      <p:sp>
+        <p:nvSpPr>
+          <p:cNvPr id="3" name="Content Placeholder 2"/>
+          <p:cNvSpPr>
+            <a:spLocks noGrp="1"/>
+          </p:cNvSpPr>
+          <p:nvPr>
+            <p:ph idx="1"/>
+          </p:nvPr>
+        </p:nvSpPr>
+        <p:spPr/>
+        <p:txBody>
+          <a:bodyPr/>
+          <a:lstStyle/>
+          <a:p>
+            <a:r>
+              <a:rPr lang="en-US" dirty="0" smtClean="0"/>
+              <a:t>[7] “Xây dựng hệ thống tra cứu thư viện điện tử bằng ngôn ngữ tự nhiên”, Đỗ Thị Thanh Tuyền, 2008.</a:t>
+            </a:r>
+          </a:p>
+          <a:p>
+            <a:r>
+              <a:rPr lang="en-US" dirty="0" smtClean="0"/>
+              <a:t>[8] </a:t>
+            </a:r>
+            <a:r>
+              <a:rPr lang="en-US" u="sng" dirty="0" smtClean="0">
+                <a:hlinkClick r:id="rId2"/>
+              </a:rPr>
+              <a:t>http://gate.ac.uk/</a:t>
+            </a:r>
+            <a:r>
+              <a:rPr lang="en-US" dirty="0" smtClean="0"/>
+              <a:t> </a:t>
+            </a:r>
+          </a:p>
+          <a:p>
+            <a:r>
+              <a:rPr lang="en-US" dirty="0" smtClean="0"/>
+              <a:t>[9] </a:t>
+            </a:r>
+            <a:r>
+              <a:rPr lang="en-US" u="sng" dirty="0" smtClean="0">
+                <a:hlinkClick r:id="rId3"/>
+              </a:rPr>
+              <a:t>http://en.wikipedia.org/wiki/Named_entity_recognition</a:t>
+            </a:r>
+            <a:endParaRPr lang="en-US" dirty="0" smtClean="0"/>
+          </a:p>
+          <a:p>
+            <a:r>
+              <a:rPr lang="en-US" dirty="0" smtClean="0"/>
+              <a:t>[10] </a:t>
+            </a:r>
+            <a:r>
+              <a:rPr lang="en-US" u="sng" dirty="0" smtClean="0">
+                <a:hlinkClick r:id="rId4"/>
+              </a:rPr>
+              <a:t>http://www.gutenberg.org/wiki/Main_Page</a:t>
+            </a:r>
+            <a:r>
+              <a:rPr lang="en-US" dirty="0" smtClean="0"/>
+              <a:t> </a:t>
+            </a:r>
+          </a:p>
+          <a:p>
+            <a:endParaRPr lang="en-US" dirty="0"/>
+          </a:p>
+        </p:txBody>
+      </p:sp>
+    </p:spTree>
+  </p:cSld>
+  <p:clrMapOvr>
+    <a:masterClrMapping/>
+  </p:clrMapOvr>
+</p:sld>
+</file>
+
+<file path=ppt/slides/slide13.xml><?xml version="1.0" encoding="utf-8"?>
+<p:sld xmlns:a="http://schemas.openxmlformats.org/drawingml/2006/main" xmlns:r="http://schemas.openxmlformats.org/officeDocument/2006/relationships" xmlns:p="http://schemas.openxmlformats.org/presentationml/2006/main">
+  <p:cSld>
+    <p:spTree>
+      <p:nvGrpSpPr>
+        <p:cNvPr id="1" name=""/>
+        <p:cNvGrpSpPr/>
+        <p:nvPr/>
+      </p:nvGrpSpPr>
+      <p:grpSpPr>
+        <a:xfrm>
+          <a:off x="0" y="0"/>
+          <a:ext cx="0" cy="0"/>
+          <a:chOff x="0" y="0"/>
+          <a:chExt cx="0" cy="0"/>
+        </a:xfrm>
+      </p:grpSpPr>
+      <p:sp>
+        <p:nvSpPr>
+          <p:cNvPr id="28678" name="Rectangle 6"/>
+          <p:cNvSpPr>
+            <a:spLocks noGrp="1" noChangeArrowheads="1"/>
+          </p:cNvSpPr>
+          <p:nvPr>
+            <p:ph type="subTitle" idx="1"/>
+          </p:nvPr>
+        </p:nvSpPr>
+        <p:spPr>
+          <a:xfrm>
+            <a:off x="4887913" y="3962400"/>
+            <a:ext cx="3792537" cy="304800"/>
+          </a:xfrm>
+        </p:spPr>
+        <p:txBody>
+          <a:bodyPr/>
+          <a:lstStyle/>
+          <a:p>
+            <a:pPr algn="ctr">
+              <a:lnSpc>
+                <a:spcPct val="80000"/>
+              </a:lnSpc>
+            </a:pPr>
+            <a:endParaRPr lang="en-US" sz="1600" dirty="0"/>
+          </a:p>
+        </p:txBody>
+      </p:sp>
+      <p:sp>
+        <p:nvSpPr>
+          <p:cNvPr id="28679" name="WordArt 7"/>
+          <p:cNvSpPr>
+            <a:spLocks noChangeArrowheads="1" noChangeShapeType="1" noTextEdit="1"/>
+          </p:cNvSpPr>
+          <p:nvPr/>
+        </p:nvSpPr>
+        <p:spPr bwMode="gray">
+          <a:xfrm>
+            <a:off x="4800600" y="3124200"/>
+            <a:ext cx="3810000" cy="609600"/>
+          </a:xfrm>
+          <a:prstGeom prst="rect">
+            <a:avLst/>
+          </a:prstGeom>
+        </p:spPr>
+        <p:txBody>
+          <a:bodyPr wrap="none" fromWordArt="1">
+            <a:prstTxWarp prst="textDeflate">
+              <a:avLst>
+                <a:gd name="adj" fmla="val 0"/>
+              </a:avLst>
+            </a:prstTxWarp>
+          </a:bodyPr>
+          <a:lstStyle/>
+          <a:p>
+            <a:pPr algn="ctr"/>
+            <a:r>
+              <a:rPr lang="en-US" sz="5400" b="1" kern="10" dirty="0" smtClean="0">
+                <a:ln w="28575">
+                  <a:solidFill>
+                    <a:schemeClr val="tx1"/>
+                  </a:solidFill>
+                  <a:round/>
+                  <a:headEnd/>
+                  <a:tailEnd/>
+                </a:ln>
+                <a:gradFill rotWithShape="1">
+                  <a:gsLst>
+                    <a:gs pos="0">
+                      <a:schemeClr val="bg1"/>
+                    </a:gs>
+                    <a:gs pos="100000">
+                      <a:schemeClr val="accent2"/>
+                    </a:gs>
+                  </a:gsLst>
+                  <a:lin ang="5400000" scaled="1"/>
+                </a:gradFill>
+                <a:effectLst>
+                  <a:outerShdw dist="107763" dir="2700000" algn="ctr" rotWithShape="0">
+                    <a:srgbClr val="000000">
+                      <a:alpha val="50000"/>
+                    </a:srgbClr>
+                  </a:outerShdw>
+                </a:effectLst>
+                <a:latin typeface="Verdana"/>
+                <a:ea typeface="Verdana"/>
+                <a:cs typeface="Verdana"/>
+              </a:rPr>
+              <a:t>Xin cám ơn!</a:t>
+            </a:r>
+            <a:endParaRPr lang="en-US" sz="5400" b="1" kern="10" dirty="0">
+              <a:ln w="28575">
+                <a:solidFill>
+                  <a:schemeClr val="tx1"/>
+                </a:solidFill>
+                <a:round/>
+                <a:headEnd/>
+                <a:tailEnd/>
+              </a:ln>
+              <a:gradFill rotWithShape="1">
+                <a:gsLst>
+                  <a:gs pos="0">
+                    <a:schemeClr val="bg1"/>
+                  </a:gs>
+                  <a:gs pos="100000">
+                    <a:schemeClr val="accent2"/>
+                  </a:gs>
+                </a:gsLst>
+                <a:lin ang="5400000" scaled="1"/>
+              </a:gradFill>
+              <a:effectLst>
+                <a:outerShdw dist="107763" dir="2700000" algn="ctr" rotWithShape="0">
+                  <a:srgbClr val="000000">
+                    <a:alpha val="50000"/>
+                  </a:srgbClr>
+                </a:outerShdw>
+              </a:effectLst>
+              <a:latin typeface="Verdana"/>
+              <a:ea typeface="Verdana"/>
+              <a:cs typeface="Verdana"/>
+            </a:endParaRPr>
+          </a:p>
+        </p:txBody>
+      </p:sp>
+    </p:spTree>
+  </p:cSld>
+  <p:clrMapOvr>
+    <a:masterClrMapping/>
+  </p:clrMapOvr>
+  <p:timing>
+    <p:tnLst>
+      <p:par>
+        <p:cTn id="1" dur="indefinite" restart="never" nodeType="tmRoot"/>
+      </p:par>
+    </p:tnLst>
+  </p:timing>
+</p:sld>
+</file>
+
 <file path=ppt/slides/slide2.xml><?xml version="1.0" encoding="utf-8"?>
 <p:sld xmlns:a="http://schemas.openxmlformats.org/drawingml/2006/main" xmlns:r="http://schemas.openxmlformats.org/officeDocument/2006/relationships" xmlns:p="http://schemas.openxmlformats.org/presentationml/2006/main">
   <p:cSld>
@@ -4807,23 +5712,7 @@
                   <a:schemeClr val="bg1"/>
                 </a:solidFill>
               </a:rPr>
-              <a:t>Các </a:t>
-            </a:r>
-            <a:r>
-              <a:rPr lang="en-US" sz="2400" b="1" dirty="0" smtClean="0">
-                <a:solidFill>
-                  <a:schemeClr val="bg1"/>
-                </a:solidFill>
-              </a:rPr>
-              <a:t>nghiên </a:t>
-            </a:r>
-            <a:r>
-              <a:rPr lang="en-US" sz="2400" b="1" dirty="0" smtClean="0">
-                <a:solidFill>
-                  <a:schemeClr val="bg1"/>
-                </a:solidFill>
-              </a:rPr>
-              <a:t>cứu liên quan</a:t>
+              <a:t>Các nghiên cứu liên quan</a:t>
             </a:r>
             <a:endParaRPr lang="en-US" sz="2400" b="1" dirty="0">
               <a:solidFill>
@@ -6499,6 +7388,42 @@
           <a:bodyPr/>
           <a:lstStyle/>
           <a:p>
+            <a:r>
+              <a:rPr lang="en-US" dirty="0" smtClean="0"/>
+              <a:t>Câu hỏi người dùng dưới dạng ngôn ngữ tự nhiên. Ngôn ngữ này máy không thể hiểu được</a:t>
+            </a:r>
+            <a:r>
+              <a:rPr lang="en-US" dirty="0" smtClean="0"/>
+              <a:t>.</a:t>
+            </a:r>
+          </a:p>
+          <a:p>
+            <a:r>
+              <a:rPr lang="en-US" dirty="0" smtClean="0"/>
+              <a:t>Xử lý ngôn ngữ tự nhiên được áp dụng cho nhiều bài toán: nhận dạng chữ viết, nhận dạng tiếng nói, dịch tự động, tìm kiếm thông </a:t>
+            </a:r>
+            <a:r>
+              <a:rPr lang="en-US" dirty="0" smtClean="0"/>
+              <a:t>tin [1].  </a:t>
+            </a:r>
+          </a:p>
+          <a:p>
+            <a:r>
+              <a:rPr lang="en-US" dirty="0" smtClean="0"/>
+              <a:t>Câu </a:t>
+            </a:r>
+            <a:r>
+              <a:rPr lang="en-US" dirty="0" smtClean="0"/>
+              <a:t>hỏi tự nhiên </a:t>
+            </a:r>
+            <a:r>
+              <a:rPr lang="en-US" dirty="0" smtClean="0"/>
+              <a:t>phải </a:t>
+            </a:r>
+            <a:r>
+              <a:rPr lang="en-US" dirty="0" smtClean="0"/>
+              <a:t>được biến đổi thành một dạng ngôn ngữ máy có thể hiểu được</a:t>
+            </a:r>
             <a:endParaRPr lang="en-US" dirty="0"/>
           </a:p>
         </p:txBody>
@@ -6551,18 +7476,10 @@
           <a:lstStyle/>
           <a:p>
             <a:r>
-              <a:rPr lang="en-US" dirty="0" err="1" smtClean="0"/>
-              <a:t>Tham</a:t>
-            </a:r>
-            <a:r>
               <a:rPr lang="en-US" dirty="0" smtClean="0"/>
-              <a:t> </a:t>
-            </a:r>
-            <a:r>
-              <a:rPr lang="en-US" smtClean="0"/>
-              <a:t>khảo</a:t>
-            </a:r>
-            <a:endParaRPr lang="en-US"/>
+              <a:t>Các nghiên cứu liên quan</a:t>
+            </a:r>
+            <a:endParaRPr lang="en-US" dirty="0"/>
           </a:p>
         </p:txBody>
       </p:sp>
@@ -6583,12 +7500,81 @@
           <a:p>
             <a:r>
               <a:rPr lang="en-US" dirty="0" smtClean="0"/>
-              <a:t>[1]</a:t>
-            </a:r>
-            <a:endParaRPr lang="en-US" dirty="0" smtClean="0"/>
-          </a:p>
-          <a:p>
+              <a:t>Phương </a:t>
+            </a:r>
+            <a:r>
+              <a:rPr lang="en-US" dirty="0" smtClean="0"/>
+              <a:t>pháp xây dựng đồ thị ý niệm của Wael Salloum [2], câu hỏi có thể được miêu tả dưới dạng đồ thị. Các nút của đồ thị được liên kết với nhau bởi mối quan hệ ngữ nghĩa.</a:t>
+            </a:r>
             <a:endParaRPr lang="en-US" dirty="0"/>
+          </a:p>
+        </p:txBody>
+      </p:sp>
+      <p:pic>
+        <p:nvPicPr>
+          <p:cNvPr id="4098" name="Picture 1"/>
+          <p:cNvPicPr>
+            <a:picLocks noChangeAspect="1" noChangeArrowheads="1"/>
+          </p:cNvPicPr>
+          <p:nvPr/>
+        </p:nvPicPr>
+        <p:blipFill>
+          <a:blip r:embed="rId2"/>
+          <a:srcRect/>
+          <a:stretch>
+            <a:fillRect/>
+          </a:stretch>
+        </p:blipFill>
+        <p:spPr bwMode="auto">
+          <a:xfrm>
+            <a:off x="457200" y="4267200"/>
+            <a:ext cx="8153400" cy="1524000"/>
+          </a:xfrm>
+          <a:prstGeom prst="rect">
+            <a:avLst/>
+          </a:prstGeom>
+          <a:noFill/>
+          <a:ln w="9525">
+            <a:noFill/>
+            <a:miter lim="800000"/>
+            <a:headEnd/>
+            <a:tailEnd/>
+          </a:ln>
+        </p:spPr>
+      </p:pic>
+      <p:sp>
+        <p:nvSpPr>
+          <p:cNvPr id="5" name="TextBox 4"/>
+          <p:cNvSpPr txBox="1"/>
+          <p:nvPr/>
+        </p:nvSpPr>
+        <p:spPr>
+          <a:xfrm>
+            <a:off x="1981200" y="5943600"/>
+            <a:ext cx="5791200" cy="369332"/>
+          </a:xfrm>
+          <a:prstGeom prst="rect">
+            <a:avLst/>
+          </a:prstGeom>
+          <a:noFill/>
+        </p:spPr>
+        <p:txBody>
+          <a:bodyPr wrap="square" rtlCol="0">
+            <a:spAutoFit/>
+          </a:bodyPr>
+          <a:lstStyle/>
+          <a:p>
+            <a:r>
+              <a:rPr lang="en-US" dirty="0" smtClean="0">
+                <a:latin typeface="Times New Roman" pitchFamily="18" charset="0"/>
+                <a:cs typeface="Times New Roman" pitchFamily="18" charset="0"/>
+              </a:rPr>
+              <a:t>Hình 1 – Ví dụ đồ thị khái niệm (Figure 2 tài liệu [2])</a:t>
+            </a:r>
+            <a:endParaRPr lang="en-US" dirty="0">
+              <a:latin typeface="Times New Roman" pitchFamily="18" charset="0"/>
+              <a:cs typeface="Times New Roman" pitchFamily="18" charset="0"/>
+            </a:endParaRPr>
           </a:p>
         </p:txBody>
       </p:sp>
@@ -6597,13 +7583,6 @@
   <p:clrMapOvr>
     <a:masterClrMapping/>
   </p:clrMapOvr>
-  <p:timing>
-    <p:tnLst>
-      <p:par>
-        <p:cTn id="1" dur="indefinite" restart="never" nodeType="tmRoot"/>
-      </p:par>
-    </p:tnLst>
-  </p:timing>
 </p:sld>
 </file>
 
@@ -6626,126 +7605,95 @@
       </p:grpSpPr>
       <p:sp>
         <p:nvSpPr>
-          <p:cNvPr id="28678" name="Rectangle 6"/>
-          <p:cNvSpPr>
-            <a:spLocks noGrp="1" noChangeArrowheads="1"/>
-          </p:cNvSpPr>
-          <p:nvPr>
-            <p:ph type="subTitle" idx="1"/>
-          </p:nvPr>
-        </p:nvSpPr>
-        <p:spPr>
-          <a:xfrm>
-            <a:off x="4887913" y="3962400"/>
-            <a:ext cx="3792537" cy="304800"/>
-          </a:xfrm>
-        </p:spPr>
+          <p:cNvPr id="2" name="Title 1"/>
+          <p:cNvSpPr>
+            <a:spLocks noGrp="1"/>
+          </p:cNvSpPr>
+          <p:nvPr>
+            <p:ph type="title"/>
+          </p:nvPr>
+        </p:nvSpPr>
+        <p:spPr/>
         <p:txBody>
           <a:bodyPr/>
           <a:lstStyle/>
           <a:p>
-            <a:pPr algn="ctr">
-              <a:lnSpc>
-                <a:spcPct val="80000"/>
-              </a:lnSpc>
-            </a:pPr>
-            <a:endParaRPr lang="en-US" sz="1600" dirty="0"/>
-          </a:p>
-        </p:txBody>
-      </p:sp>
-      <p:sp>
-        <p:nvSpPr>
-          <p:cNvPr id="28679" name="WordArt 7"/>
-          <p:cNvSpPr>
-            <a:spLocks noChangeArrowheads="1" noChangeShapeType="1" noTextEdit="1"/>
-          </p:cNvSpPr>
-          <p:nvPr/>
-        </p:nvSpPr>
-        <p:spPr bwMode="gray">
-          <a:xfrm>
-            <a:off x="4800600" y="3124200"/>
-            <a:ext cx="3810000" cy="609600"/>
-          </a:xfrm>
-          <a:prstGeom prst="rect">
-            <a:avLst/>
-          </a:prstGeom>
-        </p:spPr>
-        <p:txBody>
-          <a:bodyPr wrap="none" fromWordArt="1">
-            <a:prstTxWarp prst="textDeflate">
-              <a:avLst>
-                <a:gd name="adj" fmla="val 0"/>
-              </a:avLst>
-            </a:prstTxWarp>
-          </a:bodyPr>
+            <a:r>
+              <a:rPr lang="en-US" dirty="0" smtClean="0"/>
+              <a:t>Các nghiên cứu liên quan</a:t>
+            </a:r>
+            <a:endParaRPr lang="en-US" dirty="0"/>
+          </a:p>
+        </p:txBody>
+      </p:sp>
+      <p:sp>
+        <p:nvSpPr>
+          <p:cNvPr id="3" name="Content Placeholder 2"/>
+          <p:cNvSpPr>
+            <a:spLocks noGrp="1"/>
+          </p:cNvSpPr>
+          <p:nvPr>
+            <p:ph idx="1"/>
+          </p:nvPr>
+        </p:nvSpPr>
+        <p:spPr/>
+        <p:txBody>
+          <a:bodyPr/>
           <a:lstStyle/>
           <a:p>
-            <a:pPr algn="ctr"/>
-            <a:r>
-              <a:rPr lang="en-US" sz="5400" b="1" kern="10" dirty="0" smtClean="0">
-                <a:ln w="28575">
-                  <a:solidFill>
-                    <a:schemeClr val="tx1"/>
-                  </a:solidFill>
-                  <a:round/>
-                  <a:headEnd/>
-                  <a:tailEnd/>
-                </a:ln>
-                <a:gradFill rotWithShape="1">
-                  <a:gsLst>
-                    <a:gs pos="0">
-                      <a:schemeClr val="bg1"/>
-                    </a:gs>
-                    <a:gs pos="100000">
-                      <a:schemeClr val="accent2"/>
-                    </a:gs>
-                  </a:gsLst>
-                  <a:lin ang="5400000" scaled="1"/>
-                </a:gradFill>
-                <a:effectLst>
-                  <a:outerShdw dist="107763" dir="2700000" algn="ctr" rotWithShape="0">
-                    <a:srgbClr val="000000">
-                      <a:alpha val="50000"/>
-                    </a:srgbClr>
-                  </a:outerShdw>
-                </a:effectLst>
-                <a:latin typeface="Verdana"/>
-                <a:ea typeface="Verdana"/>
-                <a:cs typeface="Verdana"/>
-              </a:rPr>
-              <a:t>Xin cám ơn!</a:t>
-            </a:r>
-            <a:endParaRPr lang="en-US" sz="5400" b="1" kern="10" dirty="0">
-              <a:ln w="28575">
-                <a:solidFill>
-                  <a:schemeClr val="tx1"/>
-                </a:solidFill>
-                <a:round/>
-                <a:headEnd/>
-                <a:tailEnd/>
-              </a:ln>
-              <a:gradFill rotWithShape="1">
-                <a:gsLst>
-                  <a:gs pos="0">
-                    <a:schemeClr val="bg1"/>
-                  </a:gs>
-                  <a:gs pos="100000">
-                    <a:schemeClr val="accent2"/>
-                  </a:gs>
-                </a:gsLst>
-                <a:lin ang="5400000" scaled="1"/>
-              </a:gradFill>
-              <a:effectLst>
-                <a:outerShdw dist="107763" dir="2700000" algn="ctr" rotWithShape="0">
-                  <a:srgbClr val="000000">
-                    <a:alpha val="50000"/>
-                  </a:srgbClr>
-                </a:outerShdw>
-              </a:effectLst>
-              <a:latin typeface="Verdana"/>
-              <a:ea typeface="Verdana"/>
-              <a:cs typeface="Verdana"/>
-            </a:endParaRPr>
+            <a:r>
+              <a:rPr lang="en-US" dirty="0" smtClean="0"/>
+              <a:t>Phương </a:t>
+            </a:r>
+            <a:r>
+              <a:rPr lang="en-US" dirty="0" smtClean="0"/>
+              <a:t>pháp dịch câu truy vấn sang đồ thị ý niệm mà không dựa trên việc phân tích cú pháp </a:t>
+            </a:r>
+            <a:r>
+              <a:rPr lang="en-US" dirty="0" smtClean="0"/>
+              <a:t>câu [5], Cao Duy Trường.</a:t>
+            </a:r>
+          </a:p>
+          <a:p>
+            <a:r>
+              <a:rPr lang="en-US" dirty="0" smtClean="0"/>
+              <a:t>Xây </a:t>
+            </a:r>
+            <a:r>
+              <a:rPr lang="en-US" dirty="0" smtClean="0"/>
+              <a:t>dựng dựa trên việc nhận diện các thực thể đặt tên, không đặt tên và từ quan </a:t>
+            </a:r>
+            <a:r>
+              <a:rPr lang="en-US" dirty="0" smtClean="0"/>
+              <a:t>hệ.</a:t>
+            </a:r>
+          </a:p>
+          <a:p>
+            <a:r>
+              <a:rPr lang="en-US" dirty="0" smtClean="0"/>
+              <a:t>Công cụ </a:t>
+            </a:r>
+            <a:r>
+              <a:rPr lang="en-US" dirty="0" smtClean="0"/>
+              <a:t>sử </a:t>
+            </a:r>
+            <a:r>
+              <a:rPr lang="en-US" dirty="0" smtClean="0"/>
+              <a:t>dụng </a:t>
+            </a:r>
+            <a:r>
+              <a:rPr lang="en-US" dirty="0" smtClean="0"/>
+              <a:t>là GATE (Gazetteer,OCAT).</a:t>
+            </a:r>
+          </a:p>
+          <a:p>
+            <a:r>
+              <a:rPr lang="en-US" b="1" dirty="0" smtClean="0"/>
+              <a:t>Kiểm thử trên tập TREC 2002 và 2007</a:t>
+            </a:r>
+          </a:p>
+          <a:p>
+            <a:endParaRPr lang="en-US" dirty="0"/>
           </a:p>
         </p:txBody>
       </p:sp>
@@ -6754,13 +7702,478 @@
   <p:clrMapOvr>
     <a:masterClrMapping/>
   </p:clrMapOvr>
-  <p:timing>
-    <p:tnLst>
-      <p:par>
-        <p:cTn id="1" dur="indefinite" restart="never" nodeType="tmRoot"/>
-      </p:par>
-    </p:tnLst>
-  </p:timing>
+</p:sld>
+</file>
+
+<file path=ppt/slides/slide6.xml><?xml version="1.0" encoding="utf-8"?>
+<p:sld xmlns:a="http://schemas.openxmlformats.org/drawingml/2006/main" xmlns:r="http://schemas.openxmlformats.org/officeDocument/2006/relationships" xmlns:p="http://schemas.openxmlformats.org/presentationml/2006/main">
+  <p:cSld>
+    <p:spTree>
+      <p:nvGrpSpPr>
+        <p:cNvPr id="1" name=""/>
+        <p:cNvGrpSpPr/>
+        <p:nvPr/>
+      </p:nvGrpSpPr>
+      <p:grpSpPr>
+        <a:xfrm>
+          <a:off x="0" y="0"/>
+          <a:ext cx="0" cy="0"/>
+          <a:chOff x="0" y="0"/>
+          <a:chExt cx="0" cy="0"/>
+        </a:xfrm>
+      </p:grpSpPr>
+      <p:sp>
+        <p:nvSpPr>
+          <p:cNvPr id="2" name="Title 1"/>
+          <p:cNvSpPr>
+            <a:spLocks noGrp="1"/>
+          </p:cNvSpPr>
+          <p:nvPr>
+            <p:ph type="title"/>
+          </p:nvPr>
+        </p:nvSpPr>
+        <p:spPr/>
+        <p:txBody>
+          <a:bodyPr/>
+          <a:lstStyle/>
+          <a:p>
+            <a:r>
+              <a:rPr lang="en-US" dirty="0" smtClean="0"/>
+              <a:t>Các nghiên cứu liên quan</a:t>
+            </a:r>
+            <a:endParaRPr lang="en-US" dirty="0"/>
+          </a:p>
+        </p:txBody>
+      </p:sp>
+      <p:sp>
+        <p:nvSpPr>
+          <p:cNvPr id="3" name="Content Placeholder 2"/>
+          <p:cNvSpPr>
+            <a:spLocks noGrp="1"/>
+          </p:cNvSpPr>
+          <p:nvPr>
+            <p:ph idx="1"/>
+          </p:nvPr>
+        </p:nvSpPr>
+        <p:spPr/>
+        <p:txBody>
+          <a:bodyPr/>
+          <a:lstStyle/>
+          <a:p>
+            <a:r>
+              <a:rPr lang="en-US" dirty="0" smtClean="0"/>
+              <a:t>Hệ </a:t>
+            </a:r>
+            <a:r>
+              <a:rPr lang="en-US" dirty="0" smtClean="0"/>
+              <a:t>thống </a:t>
+            </a:r>
+            <a:r>
+              <a:rPr lang="en-US" dirty="0" smtClean="0"/>
+              <a:t>eLSSNL (</a:t>
+            </a:r>
+            <a:r>
+              <a:rPr lang="en-US" dirty="0" smtClean="0"/>
+              <a:t>eLibrary Searching System by Natural </a:t>
+            </a:r>
+            <a:r>
+              <a:rPr lang="en-US" dirty="0" smtClean="0"/>
+              <a:t>Language) [7].</a:t>
+            </a:r>
+          </a:p>
+          <a:p>
+            <a:r>
+              <a:rPr lang="en-US" dirty="0" smtClean="0"/>
+              <a:t>Từ câu </a:t>
+            </a:r>
+            <a:r>
+              <a:rPr lang="en-US" dirty="0" smtClean="0"/>
+              <a:t>truy vấn tự nhiên của người </a:t>
+            </a:r>
+            <a:r>
+              <a:rPr lang="en-US" dirty="0" smtClean="0"/>
+              <a:t>dùng, hệ thống nhận </a:t>
+            </a:r>
+            <a:r>
+              <a:rPr lang="en-US" dirty="0" smtClean="0"/>
+              <a:t>dạng các giá trị </a:t>
+            </a:r>
+            <a:r>
+              <a:rPr lang="en-US" dirty="0" smtClean="0"/>
+              <a:t>tương </a:t>
+            </a:r>
+            <a:r>
+              <a:rPr lang="vi-VN" dirty="0" smtClean="0"/>
+              <a:t>ứng với các thuộc tính của </a:t>
+            </a:r>
+            <a:r>
+              <a:rPr lang="en-US" dirty="0" smtClean="0"/>
+              <a:t>các </a:t>
+            </a:r>
+            <a:r>
+              <a:rPr lang="vi-VN" dirty="0" smtClean="0"/>
+              <a:t>bảng </a:t>
+            </a:r>
+            <a:r>
+              <a:rPr lang="vi-VN" dirty="0" smtClean="0"/>
+              <a:t>trong cơ sở d</a:t>
+            </a:r>
+            <a:r>
+              <a:rPr lang="en-US" dirty="0" smtClean="0"/>
+              <a:t>ữ</a:t>
+            </a:r>
+            <a:r>
+              <a:rPr lang="vi-VN" dirty="0" smtClean="0"/>
+              <a:t> </a:t>
+            </a:r>
+            <a:r>
+              <a:rPr lang="vi-VN" dirty="0" smtClean="0"/>
+              <a:t>liệu</a:t>
+            </a:r>
+            <a:r>
+              <a:rPr lang="en-US" dirty="0" smtClean="0"/>
+              <a:t>.</a:t>
+            </a:r>
+          </a:p>
+          <a:p>
+            <a:r>
+              <a:rPr lang="en-US" dirty="0" smtClean="0"/>
+              <a:t>H</a:t>
+            </a:r>
+            <a:r>
+              <a:rPr lang="vi-VN" dirty="0" smtClean="0"/>
+              <a:t>ệ </a:t>
+            </a:r>
+            <a:r>
+              <a:rPr lang="vi-VN" dirty="0" smtClean="0"/>
+              <a:t>thống này sử dụng dữ liệu </a:t>
+            </a:r>
+            <a:r>
+              <a:rPr lang="en-US" dirty="0" smtClean="0"/>
+              <a:t>miễn phí từ dự án</a:t>
+            </a:r>
+            <a:r>
+              <a:rPr lang="de-DE" dirty="0" smtClean="0"/>
+              <a:t> Gutenberg chứa thông tin của khoảng </a:t>
+            </a:r>
+            <a:r>
+              <a:rPr lang="en-US" dirty="0" smtClean="0"/>
+              <a:t>33,000 ebooks miễn phí. </a:t>
+            </a:r>
+            <a:r>
+              <a:rPr lang="en-US" dirty="0" smtClean="0"/>
+              <a:t>[10]</a:t>
+            </a:r>
+            <a:endParaRPr lang="en-US" dirty="0" smtClean="0"/>
+          </a:p>
+          <a:p>
+            <a:endParaRPr lang="en-US" dirty="0"/>
+          </a:p>
+        </p:txBody>
+      </p:sp>
+    </p:spTree>
+  </p:cSld>
+  <p:clrMapOvr>
+    <a:masterClrMapping/>
+  </p:clrMapOvr>
+</p:sld>
+</file>
+
+<file path=ppt/slides/slide7.xml><?xml version="1.0" encoding="utf-8"?>
+<p:sld xmlns:a="http://schemas.openxmlformats.org/drawingml/2006/main" xmlns:r="http://schemas.openxmlformats.org/officeDocument/2006/relationships" xmlns:p="http://schemas.openxmlformats.org/presentationml/2006/main">
+  <p:cSld>
+    <p:spTree>
+      <p:nvGrpSpPr>
+        <p:cNvPr id="1" name=""/>
+        <p:cNvGrpSpPr/>
+        <p:nvPr/>
+      </p:nvGrpSpPr>
+      <p:grpSpPr>
+        <a:xfrm>
+          <a:off x="0" y="0"/>
+          <a:ext cx="0" cy="0"/>
+          <a:chOff x="0" y="0"/>
+          <a:chExt cx="0" cy="0"/>
+        </a:xfrm>
+      </p:grpSpPr>
+      <p:sp>
+        <p:nvSpPr>
+          <p:cNvPr id="2" name="Title 1"/>
+          <p:cNvSpPr>
+            <a:spLocks noGrp="1"/>
+          </p:cNvSpPr>
+          <p:nvPr>
+            <p:ph type="title"/>
+          </p:nvPr>
+        </p:nvSpPr>
+        <p:spPr/>
+        <p:txBody>
+          <a:bodyPr/>
+          <a:lstStyle/>
+          <a:p>
+            <a:r>
+              <a:rPr lang="en-US" dirty="0" smtClean="0"/>
+              <a:t>Các nghiên cứu liên quan</a:t>
+            </a:r>
+            <a:endParaRPr lang="en-US" dirty="0"/>
+          </a:p>
+        </p:txBody>
+      </p:sp>
+      <p:sp>
+        <p:nvSpPr>
+          <p:cNvPr id="3" name="Content Placeholder 2"/>
+          <p:cNvSpPr>
+            <a:spLocks noGrp="1"/>
+          </p:cNvSpPr>
+          <p:nvPr>
+            <p:ph idx="1"/>
+          </p:nvPr>
+        </p:nvSpPr>
+        <p:spPr/>
+        <p:txBody>
+          <a:bodyPr/>
+          <a:lstStyle/>
+          <a:p>
+            <a:r>
+              <a:rPr lang="en-US" b="1" dirty="0" smtClean="0"/>
+              <a:t>Sử dụng các chỉ định từ và các quy tắc cho từng thuộc tính</a:t>
+            </a:r>
+          </a:p>
+          <a:p>
+            <a:r>
+              <a:rPr lang="en-US" dirty="0" smtClean="0"/>
+              <a:t>Ví dụ: </a:t>
+            </a:r>
+          </a:p>
+          <a:p>
+            <a:pPr>
+              <a:buNone/>
+            </a:pPr>
+            <a:r>
+              <a:rPr lang="en-US" i="1" dirty="0" smtClean="0"/>
+              <a:t>Nhận dạng giá trị cho thuộc tính Title/FriendlyTitle:</a:t>
+            </a:r>
+            <a:endParaRPr lang="en-US" dirty="0" smtClean="0"/>
+          </a:p>
+          <a:p>
+            <a:pPr>
+              <a:buNone/>
+            </a:pPr>
+            <a:r>
+              <a:rPr lang="en-US" dirty="0" smtClean="0"/>
+              <a:t>+  DOM(Title) hoặc  DOM(FriendlyTitle) (DOM(fileld): là miền giá trị của một thuộc tính (field) trong table BOOKS )</a:t>
+            </a:r>
+          </a:p>
+          <a:p>
+            <a:pPr>
+              <a:buNone/>
+            </a:pPr>
+            <a:r>
+              <a:rPr lang="en-US" dirty="0" smtClean="0"/>
+              <a:t>+ Đi kèm theo các chỉ định từ: title/heading</a:t>
+            </a:r>
+          </a:p>
+          <a:p>
+            <a:endParaRPr lang="en-US" dirty="0"/>
+          </a:p>
+        </p:txBody>
+      </p:sp>
+    </p:spTree>
+  </p:cSld>
+  <p:clrMapOvr>
+    <a:masterClrMapping/>
+  </p:clrMapOvr>
+</p:sld>
+</file>
+
+<file path=ppt/slides/slide8.xml><?xml version="1.0" encoding="utf-8"?>
+<p:sld xmlns:a="http://schemas.openxmlformats.org/drawingml/2006/main" xmlns:r="http://schemas.openxmlformats.org/officeDocument/2006/relationships" xmlns:p="http://schemas.openxmlformats.org/presentationml/2006/main">
+  <p:cSld>
+    <p:spTree>
+      <p:nvGrpSpPr>
+        <p:cNvPr id="1" name=""/>
+        <p:cNvGrpSpPr/>
+        <p:nvPr/>
+      </p:nvGrpSpPr>
+      <p:grpSpPr>
+        <a:xfrm>
+          <a:off x="0" y="0"/>
+          <a:ext cx="0" cy="0"/>
+          <a:chOff x="0" y="0"/>
+          <a:chExt cx="0" cy="0"/>
+        </a:xfrm>
+      </p:grpSpPr>
+      <p:sp>
+        <p:nvSpPr>
+          <p:cNvPr id="2" name="Title 1"/>
+          <p:cNvSpPr>
+            <a:spLocks noGrp="1"/>
+          </p:cNvSpPr>
+          <p:nvPr>
+            <p:ph type="title"/>
+          </p:nvPr>
+        </p:nvSpPr>
+        <p:spPr/>
+        <p:txBody>
+          <a:bodyPr/>
+          <a:lstStyle/>
+          <a:p>
+            <a:r>
+              <a:rPr lang="en-US" dirty="0" smtClean="0"/>
+              <a:t>Các bước đề xuất cho việc xử lý câu hỏi</a:t>
+            </a:r>
+            <a:endParaRPr lang="en-US" dirty="0"/>
+          </a:p>
+        </p:txBody>
+      </p:sp>
+      <p:sp>
+        <p:nvSpPr>
+          <p:cNvPr id="3" name="Content Placeholder 2"/>
+          <p:cNvSpPr>
+            <a:spLocks noGrp="1"/>
+          </p:cNvSpPr>
+          <p:nvPr>
+            <p:ph idx="1"/>
+          </p:nvPr>
+        </p:nvSpPr>
+        <p:spPr/>
+        <p:txBody>
+          <a:bodyPr/>
+          <a:lstStyle/>
+          <a:p>
+            <a:pPr marL="342900" lvl="1" indent="-342900">
+              <a:buClr>
+                <a:schemeClr val="tx2"/>
+              </a:buClr>
+              <a:buSzPct val="115000"/>
+            </a:pPr>
+            <a:r>
+              <a:rPr lang="en-US" b="1" dirty="0" smtClean="0"/>
+              <a:t>Xây dựng tập tin miêu tả ngữ nghĩa cho database và các mối quan hệ giữa các bảng.</a:t>
+            </a:r>
+          </a:p>
+          <a:p>
+            <a:endParaRPr lang="en-US" dirty="0"/>
+          </a:p>
+        </p:txBody>
+      </p:sp>
+      <p:pic>
+        <p:nvPicPr>
+          <p:cNvPr id="5123" name="Picture 7"/>
+          <p:cNvPicPr>
+            <a:picLocks noChangeAspect="1" noChangeArrowheads="1"/>
+          </p:cNvPicPr>
+          <p:nvPr/>
+        </p:nvPicPr>
+        <p:blipFill>
+          <a:blip r:embed="rId2"/>
+          <a:srcRect/>
+          <a:stretch>
+            <a:fillRect/>
+          </a:stretch>
+        </p:blipFill>
+        <p:spPr bwMode="auto">
+          <a:xfrm>
+            <a:off x="457200" y="2209800"/>
+            <a:ext cx="8153400" cy="4343400"/>
+          </a:xfrm>
+          <a:prstGeom prst="rect">
+            <a:avLst/>
+          </a:prstGeom>
+          <a:noFill/>
+          <a:ln w="9525">
+            <a:noFill/>
+            <a:miter lim="800000"/>
+            <a:headEnd/>
+            <a:tailEnd/>
+          </a:ln>
+        </p:spPr>
+      </p:pic>
+    </p:spTree>
+  </p:cSld>
+  <p:clrMapOvr>
+    <a:masterClrMapping/>
+  </p:clrMapOvr>
+</p:sld>
+</file>
+
+<file path=ppt/slides/slide9.xml><?xml version="1.0" encoding="utf-8"?>
+<p:sld xmlns:a="http://schemas.openxmlformats.org/drawingml/2006/main" xmlns:r="http://schemas.openxmlformats.org/officeDocument/2006/relationships" xmlns:p="http://schemas.openxmlformats.org/presentationml/2006/main">
+  <p:cSld>
+    <p:spTree>
+      <p:nvGrpSpPr>
+        <p:cNvPr id="1" name=""/>
+        <p:cNvGrpSpPr/>
+        <p:nvPr/>
+      </p:nvGrpSpPr>
+      <p:grpSpPr>
+        <a:xfrm>
+          <a:off x="0" y="0"/>
+          <a:ext cx="0" cy="0"/>
+          <a:chOff x="0" y="0"/>
+          <a:chExt cx="0" cy="0"/>
+        </a:xfrm>
+      </p:grpSpPr>
+      <p:sp>
+        <p:nvSpPr>
+          <p:cNvPr id="2" name="Title 1"/>
+          <p:cNvSpPr>
+            <a:spLocks noGrp="1"/>
+          </p:cNvSpPr>
+          <p:nvPr>
+            <p:ph type="title"/>
+          </p:nvPr>
+        </p:nvSpPr>
+        <p:spPr/>
+        <p:txBody>
+          <a:bodyPr/>
+          <a:lstStyle/>
+          <a:p>
+            <a:r>
+              <a:rPr lang="en-US" dirty="0" smtClean="0"/>
+              <a:t>Các bước đề xuất cho việc xử lý câu hỏi</a:t>
+            </a:r>
+            <a:endParaRPr lang="en-US" dirty="0"/>
+          </a:p>
+        </p:txBody>
+      </p:sp>
+      <p:pic>
+        <p:nvPicPr>
+          <p:cNvPr id="6146" name="Picture 2" descr="process steps"/>
+          <p:cNvPicPr>
+            <a:picLocks noChangeAspect="1" noChangeArrowheads="1"/>
+          </p:cNvPicPr>
+          <p:nvPr/>
+        </p:nvPicPr>
+        <p:blipFill>
+          <a:blip r:embed="rId2"/>
+          <a:srcRect/>
+          <a:stretch>
+            <a:fillRect/>
+          </a:stretch>
+        </p:blipFill>
+        <p:spPr bwMode="auto">
+          <a:xfrm>
+            <a:off x="1066800" y="1066800"/>
+            <a:ext cx="6858000" cy="5562600"/>
+          </a:xfrm>
+          <a:prstGeom prst="rect">
+            <a:avLst/>
+          </a:prstGeom>
+          <a:noFill/>
+          <a:ln w="9525">
+            <a:noFill/>
+            <a:miter lim="800000"/>
+            <a:headEnd/>
+            <a:tailEnd/>
+          </a:ln>
+        </p:spPr>
+      </p:pic>
+    </p:spTree>
+  </p:cSld>
+  <p:clrMapOvr>
+    <a:masterClrMapping/>
+  </p:clrMapOvr>
 </p:sld>
 </file>
 
@@ -7111,4 +8524,287 @@
     </a:extraClrScheme>
   </a:extraClrSchemeLst>
 </a:theme>
+</file>
+
+<file path=ppt/theme/theme2.xml><?xml version="1.0" encoding="utf-8"?>
+<a:theme xmlns:a="http://schemas.openxmlformats.org/drawingml/2006/main" name="Office Theme">
+  <a:themeElements>
+    <a:clrScheme name="Office">
+      <a:dk1>
+        <a:sysClr val="windowText" lastClr="000000"/>
+      </a:dk1>
+      <a:lt1>
+        <a:sysClr val="window" lastClr="FFFFFF"/>
+      </a:lt1>
+      <a:dk2>
+        <a:srgbClr val="1F497D"/>
+      </a:dk2>
+      <a:lt2>
+        <a:srgbClr val="EEECE1"/>
+      </a:lt2>
+      <a:accent1>
+        <a:srgbClr val="4F81BD"/>
+      </a:accent1>
+      <a:accent2>
+        <a:srgbClr val="C0504D"/>
+      </a:accent2>
+      <a:accent3>
+        <a:srgbClr val="9BBB59"/>
+      </a:accent3>
+      <a:accent4>
+        <a:srgbClr val="8064A2"/>
+      </a:accent4>
+      <a:accent5>
+        <a:srgbClr val="4BACC6"/>
+      </a:accent5>
+      <a:accent6>
+        <a:srgbClr val="F79646"/>
+      </a:accent6>
+      <a:hlink>
+        <a:srgbClr val="0000FF"/>
+      </a:hlink>
+      <a:folHlink>
+        <a:srgbClr val="800080"/>
+      </a:folHlink>
+    </a:clrScheme>
+    <a:fontScheme name="Office">
+      <a:majorFont>
+        <a:latin typeface="Calibri"/>
+        <a:ea typeface=""/>
+        <a:cs typeface=""/>
+        <a:font script="Jpan" typeface="ＭＳ Ｐゴシック"/>
+        <a:font script="Hang" typeface="맑은 고딕"/>
+        <a:font script="Hans" typeface="宋体"/>
+        <a:font script="Hant" typeface="新細明體"/>
+        <a:font script="Arab" typeface="Times New Roman"/>
+        <a:font script="Hebr" typeface="Times New Roman"/>
+        <a:font script="Thai" typeface="Angsana New"/>
+        <a:font script="Ethi" typeface="Nyala"/>
+        <a:font script="Beng" typeface="Vrinda"/>
+        <a:font script="Gujr" typeface="Shruti"/>
+        <a:font script="Khmr" typeface="MoolBoran"/>
+        <a:font script="Knda" typeface="Tunga"/>
+        <a:font script="Guru" typeface="Raavi"/>
+        <a:font script="Cans" typeface="Euphemia"/>
+        <a:font script="Cher" typeface="Plantagenet Cherokee"/>
+        <a:font script="Yiii" typeface="Microsoft Yi Baiti"/>
+        <a:font script="Tibt" typeface="Microsoft Himalaya"/>
+        <a:font script="Thaa" typeface="MV Boli"/>
+        <a:font script="Deva" typeface="Mangal"/>
+        <a:font script="Telu" typeface="Gautami"/>
+        <a:font script="Taml" typeface="Latha"/>
+        <a:font script="Syrc" typeface="Estrangelo Edessa"/>
+        <a:font script="Orya" typeface="Kalinga"/>
+        <a:font script="Mlym" typeface="Kartika"/>
+        <a:font script="Laoo" typeface="DokChampa"/>
+        <a:font script="Sinh" typeface="Iskoola Pota"/>
+        <a:font script="Mong" typeface="Mongolian Baiti"/>
+        <a:font script="Viet" typeface="Times New Roman"/>
+        <a:font script="Uigh" typeface="Microsoft Uighur"/>
+      </a:majorFont>
+      <a:minorFont>
+        <a:latin typeface="Calibri"/>
+        <a:ea typeface=""/>
+        <a:cs typeface=""/>
+        <a:font script="Jpan" typeface="ＭＳ Ｐゴシック"/>
+        <a:font script="Hang" typeface="맑은 고딕"/>
+        <a:font script="Hans" typeface="宋体"/>
+        <a:font script="Hant" typeface="新細明體"/>
+        <a:font script="Arab" typeface="Arial"/>
+        <a:font script="Hebr" typeface="Arial"/>
+        <a:font script="Thai" typeface="Cordia New"/>
+        <a:font script="Ethi" typeface="Nyala"/>
+        <a:font script="Beng" typeface="Vrinda"/>
+        <a:font script="Gujr" typeface="Shruti"/>
+        <a:font script="Khmr" typeface="DaunPenh"/>
+        <a:font script="Knda" typeface="Tunga"/>
+        <a:font script="Guru" typeface="Raavi"/>
+        <a:font script="Cans" typeface="Euphemia"/>
+        <a:font script="Cher" typeface="Plantagenet Cherokee"/>
+        <a:font script="Yiii" typeface="Microsoft Yi Baiti"/>
+        <a:font script="Tibt" typeface="Microsoft Himalaya"/>
+        <a:font script="Thaa" typeface="MV Boli"/>
+        <a:font script="Deva" typeface="Mangal"/>
+        <a:font script="Telu" typeface="Gautami"/>
+        <a:font script="Taml" typeface="Latha"/>
+        <a:font script="Syrc" typeface="Estrangelo Edessa"/>
+        <a:font script="Orya" typeface="Kalinga"/>
+        <a:font script="Mlym" typeface="Kartika"/>
+        <a:font script="Laoo" typeface="DokChampa"/>
+        <a:font script="Sinh" typeface="Iskoola Pota"/>
+        <a:font script="Mong" typeface="Mongolian Baiti"/>
+        <a:font script="Viet" typeface="Arial"/>
+        <a:font script="Uigh" typeface="Microsoft Uighur"/>
+      </a:minorFont>
+    </a:fontScheme>
+    <a:fmtScheme name="Office">
+      <a:fillStyleLst>
+        <a:solidFill>
+          <a:schemeClr val="phClr"/>
+        </a:solidFill>
+        <a:gradFill rotWithShape="1">
+          <a:gsLst>
+            <a:gs pos="0">
+              <a:schemeClr val="phClr">
+                <a:tint val="50000"/>
+                <a:satMod val="300000"/>
+              </a:schemeClr>
+            </a:gs>
+            <a:gs pos="35000">
+              <a:schemeClr val="phClr">
+                <a:tint val="37000"/>
+                <a:satMod val="300000"/>
+              </a:schemeClr>
+            </a:gs>
+            <a:gs pos="100000">
+              <a:schemeClr val="phClr">
+                <a:tint val="15000"/>
+                <a:satMod val="350000"/>
+              </a:schemeClr>
+            </a:gs>
+          </a:gsLst>
+          <a:lin ang="16200000" scaled="1"/>
+        </a:gradFill>
+        <a:gradFill rotWithShape="1">
+          <a:gsLst>
+            <a:gs pos="0">
+              <a:schemeClr val="phClr">
+                <a:shade val="51000"/>
+                <a:satMod val="130000"/>
+              </a:schemeClr>
+            </a:gs>
+            <a:gs pos="80000">
+              <a:schemeClr val="phClr">
+                <a:shade val="93000"/>
+                <a:satMod val="130000"/>
+              </a:schemeClr>
+            </a:gs>
+            <a:gs pos="100000">
+              <a:schemeClr val="phClr">
+                <a:shade val="94000"/>
+                <a:satMod val="135000"/>
+              </a:schemeClr>
+            </a:gs>
+          </a:gsLst>
+          <a:lin ang="16200000" scaled="0"/>
+        </a:gradFill>
+      </a:fillStyleLst>
+      <a:lnStyleLst>
+        <a:ln w="9525" cap="flat" cmpd="sng" algn="ctr">
+          <a:solidFill>
+            <a:schemeClr val="phClr">
+              <a:shade val="95000"/>
+              <a:satMod val="105000"/>
+            </a:schemeClr>
+          </a:solidFill>
+          <a:prstDash val="solid"/>
+        </a:ln>
+        <a:ln w="25400" cap="flat" cmpd="sng" algn="ctr">
+          <a:solidFill>
+            <a:schemeClr val="phClr"/>
+          </a:solidFill>
+          <a:prstDash val="solid"/>
+        </a:ln>
+        <a:ln w="38100" cap="flat" cmpd="sng" algn="ctr">
+          <a:solidFill>
+            <a:schemeClr val="phClr"/>
+          </a:solidFill>
+          <a:prstDash val="solid"/>
+        </a:ln>
+      </a:lnStyleLst>
+      <a:effectStyleLst>
+        <a:effectStyle>
+          <a:effectLst>
+            <a:outerShdw blurRad="40000" dist="20000" dir="5400000" rotWithShape="0">
+              <a:srgbClr val="000000">
+                <a:alpha val="38000"/>
+              </a:srgbClr>
+            </a:outerShdw>
+          </a:effectLst>
+        </a:effectStyle>
+        <a:effectStyle>
+          <a:effectLst>
+            <a:outerShdw blurRad="40000" dist="23000" dir="5400000" rotWithShape="0">
+              <a:srgbClr val="000000">
+                <a:alpha val="35000"/>
+              </a:srgbClr>
+            </a:outerShdw>
+          </a:effectLst>
+        </a:effectStyle>
+        <a:effectStyle>
+          <a:effectLst>
+            <a:outerShdw blurRad="40000" dist="23000" dir="5400000" rotWithShape="0">
+              <a:srgbClr val="000000">
+                <a:alpha val="35000"/>
+              </a:srgbClr>
+            </a:outerShdw>
+          </a:effectLst>
+          <a:scene3d>
+            <a:camera prst="orthographicFront">
+              <a:rot lat="0" lon="0" rev="0"/>
+            </a:camera>
+            <a:lightRig rig="threePt" dir="t">
+              <a:rot lat="0" lon="0" rev="1200000"/>
+            </a:lightRig>
+          </a:scene3d>
+          <a:sp3d>
+            <a:bevelT w="63500" h="25400"/>
+          </a:sp3d>
+        </a:effectStyle>
+      </a:effectStyleLst>
+      <a:bgFillStyleLst>
+        <a:solidFill>
+          <a:schemeClr val="phClr"/>
+        </a:solidFill>
+        <a:gradFill rotWithShape="1">
+          <a:gsLst>
+            <a:gs pos="0">
+              <a:schemeClr val="phClr">
+                <a:tint val="40000"/>
+                <a:satMod val="350000"/>
+              </a:schemeClr>
+            </a:gs>
+            <a:gs pos="40000">
+              <a:schemeClr val="phClr">
+                <a:tint val="45000"/>
+                <a:shade val="99000"/>
+                <a:satMod val="350000"/>
+              </a:schemeClr>
+            </a:gs>
+            <a:gs pos="100000">
+              <a:schemeClr val="phClr">
+                <a:shade val="20000"/>
+                <a:satMod val="255000"/>
+              </a:schemeClr>
+            </a:gs>
+          </a:gsLst>
+          <a:path path="circle">
+            <a:fillToRect l="50000" t="-80000" r="50000" b="180000"/>
+          </a:path>
+        </a:gradFill>
+        <a:gradFill rotWithShape="1">
+          <a:gsLst>
+            <a:gs pos="0">
+              <a:schemeClr val="phClr">
+                <a:tint val="80000"/>
+                <a:satMod val="300000"/>
+              </a:schemeClr>
+            </a:gs>
+            <a:gs pos="100000">
+              <a:schemeClr val="phClr">
+                <a:shade val="30000"/>
+                <a:satMod val="200000"/>
+              </a:schemeClr>
+            </a:gs>
+          </a:gsLst>
+          <a:path path="circle">
+            <a:fillToRect l="50000" t="50000" r="50000" b="50000"/>
+          </a:path>
+        </a:gradFill>
+      </a:bgFillStyleLst>
+    </a:fmtScheme>
+  </a:themeElements>
+  <a:objectDefaults/>
+  <a:extraClrSchemeLst/>
+</a:theme>
 </file>
--- a/De Cuong/bao cao 22-10-2010.pptx
+++ b/De Cuong/bao cao 22-10-2010.pptx
@@ -5,7 +5,7 @@
     <p:sldMasterId id="2147483648" r:id="rId1"/>
   </p:sldMasterIdLst>
   <p:notesMasterIdLst>
-    <p:notesMasterId r:id="rId15"/>
+    <p:notesMasterId r:id="rId26"/>
   </p:notesMasterIdLst>
   <p:sldIdLst>
     <p:sldId id="258" r:id="rId2"/>
@@ -17,10 +17,21 @@
     <p:sldId id="295" r:id="rId8"/>
     <p:sldId id="296" r:id="rId9"/>
     <p:sldId id="298" r:id="rId10"/>
-    <p:sldId id="288" r:id="rId11"/>
-    <p:sldId id="289" r:id="rId12"/>
-    <p:sldId id="290" r:id="rId13"/>
-    <p:sldId id="267" r:id="rId14"/>
+    <p:sldId id="299" r:id="rId11"/>
+    <p:sldId id="300" r:id="rId12"/>
+    <p:sldId id="305" r:id="rId13"/>
+    <p:sldId id="301" r:id="rId14"/>
+    <p:sldId id="306" r:id="rId15"/>
+    <p:sldId id="307" r:id="rId16"/>
+    <p:sldId id="308" r:id="rId17"/>
+    <p:sldId id="302" r:id="rId18"/>
+    <p:sldId id="303" r:id="rId19"/>
+    <p:sldId id="309" r:id="rId20"/>
+    <p:sldId id="310" r:id="rId21"/>
+    <p:sldId id="311" r:id="rId22"/>
+    <p:sldId id="288" r:id="rId23"/>
+    <p:sldId id="289" r:id="rId24"/>
+    <p:sldId id="267" r:id="rId25"/>
   </p:sldIdLst>
   <p:sldSz cx="9144000" cy="6858000" type="screen4x3"/>
   <p:notesSz cx="6858000" cy="9144000"/>
@@ -234,7 +245,8 @@
           <a:p>
             <a:fld id="{3B14A4C4-CD5F-4363-9455-E1F0DAF53B53}" type="datetimeFigureOut">
               <a:rPr lang="en-US" smtClean="0"/>
-              <a:t>10/22/2010</a:t>
+              <a:pPr/>
+              <a:t>10/24/2010</a:t>
             </a:fld>
             <a:endParaRPr lang="en-US"/>
           </a:p>
@@ -395,6 +407,7 @@
           <a:p>
             <a:fld id="{29E6FFFA-F13A-4C0F-A707-C1F94A1398F3}" type="slidenum">
               <a:rPr lang="en-US" smtClean="0"/>
+              <a:pPr/>
               <a:t>‹#›</a:t>
             </a:fld>
             <a:endParaRPr lang="en-US"/>
@@ -566,6 +579,7 @@
           <a:p>
             <a:fld id="{29E6FFFA-F13A-4C0F-A707-C1F94A1398F3}" type="slidenum">
               <a:rPr lang="en-US" smtClean="0"/>
+              <a:pPr/>
               <a:t>3</a:t>
             </a:fld>
             <a:endParaRPr lang="en-US"/>
@@ -5177,18 +5191,10 @@
           <a:lstStyle/>
           <a:p>
             <a:r>
-              <a:rPr lang="en-US" dirty="0" err="1" smtClean="0"/>
-              <a:t>Tham</a:t>
-            </a:r>
-            <a:r>
               <a:rPr lang="en-US" dirty="0" smtClean="0"/>
-              <a:t> </a:t>
-            </a:r>
-            <a:r>
-              <a:rPr lang="en-US" smtClean="0"/>
-              <a:t>khảo</a:t>
-            </a:r>
-            <a:endParaRPr lang="en-US"/>
+              <a:t>Các bước đề xuất cho việc xử lý câu hỏi</a:t>
+            </a:r>
+            <a:endParaRPr lang="en-US" dirty="0"/>
           </a:p>
         </p:txBody>
       </p:sp>
@@ -5209,32 +5215,36 @@
           <a:p>
             <a:r>
               <a:rPr lang="en-US" dirty="0" smtClean="0"/>
-              <a:t>[1] </a:t>
-            </a:r>
-            <a:r>
-              <a:rPr lang="en-US" u="sng" dirty="0" smtClean="0">
-                <a:hlinkClick r:id="rId2"/>
-              </a:rPr>
-              <a:t>http://vi.wikipedia.org/wiki/X%E1%BB%AD_l%C3%BD_ng%C3%B4n_ng%E1%BB%AF_t%E1%BB%B1_nhi%C3%AAn</a:t>
-            </a:r>
+              <a:t>B1: Tiền xử lý</a:t>
+            </a:r>
+          </a:p>
+          <a:p>
+            <a:pPr lvl="1"/>
             <a:r>
               <a:rPr lang="en-US" dirty="0" smtClean="0"/>
-              <a:t> </a:t>
-            </a:r>
-          </a:p>
-          <a:p>
+              <a:t>Định dạng lại lại thực thể đặt tên [9] và gán nhãn mới cho thực thể đặt tên. Trong quá trình tách từ, việc này giúp tránh tách các từ nằm trong thực thể đặt tên.</a:t>
+            </a:r>
+          </a:p>
+          <a:p>
+            <a:pPr lvl="1"/>
             <a:r>
               <a:rPr lang="en-US" dirty="0" smtClean="0"/>
-              <a:t> [2] “A Question Answering System based on Conceptual Graph Formalism”, Wael Salloum , 2009.</a:t>
-            </a:r>
-          </a:p>
-          <a:p>
+              <a:t>Gán nhãn từ loại ( sử dụng công cụ OpenNLP)</a:t>
+            </a:r>
+          </a:p>
+          <a:p>
+            <a:pPr lvl="1"/>
             <a:r>
               <a:rPr lang="en-US" dirty="0" smtClean="0"/>
-              <a:t>[3] “Automatic Question Pattern Generation for Ontology-based Question”, Shiyan Ou, Constantin Orasan, Dalila Mekhaldi and Laura Hasler, 2008.</a:t>
-            </a:r>
-          </a:p>
-          <a:p>
+              <a:t>Gom nhóm các cụm động từ (ví dụ: has written, was written, ...). Đưa từ về dạng nguyên mẫu (stemming)</a:t>
+            </a:r>
+          </a:p>
+          <a:p>
+            <a:pPr lvl="1"/>
+            <a:r>
+              <a:rPr lang="en-US" dirty="0" smtClean="0"/>
+              <a:t>Loại bỏ bớt các mạo từ sau : the, a, an.</a:t>
+            </a:r>
             <a:endParaRPr lang="en-US" dirty="0"/>
           </a:p>
         </p:txBody>
@@ -5244,13 +5254,6 @@
   <p:clrMapOvr>
     <a:masterClrMapping/>
   </p:clrMapOvr>
-  <p:timing>
-    <p:tnLst>
-      <p:par>
-        <p:cTn id="1" dur="indefinite" restart="never" nodeType="tmRoot"/>
-      </p:par>
-    </p:tnLst>
-  </p:timing>
 </p:sld>
 </file>
 
@@ -5288,7 +5291,7 @@
           <a:p>
             <a:r>
               <a:rPr lang="en-US" dirty="0" smtClean="0"/>
-              <a:t>Tham khảo</a:t>
+              <a:t>Các bước đề xuất cho việc xử lý câu hỏi</a:t>
             </a:r>
             <a:endParaRPr lang="en-US" dirty="0"/>
           </a:p>
@@ -5311,22 +5314,44 @@
           <a:p>
             <a:r>
               <a:rPr lang="en-US" dirty="0" smtClean="0"/>
-              <a:t>[4] “Xây dựng công cụ tìm kiếm tài liệu học tập bằng các truy vấn ngôn ngữ tự nhiên  trên kho học liệu mở tiếng Việt”, Lương Quý Tịnh Hà, 2009.</a:t>
-            </a:r>
-          </a:p>
-          <a:p>
+              <a:t>B2: Liệt kê các bộ ba quan hệ về từ</a:t>
+            </a:r>
+          </a:p>
+          <a:p>
+            <a:pPr lvl="1"/>
             <a:r>
               <a:rPr lang="en-US" dirty="0" smtClean="0"/>
-              <a:t>[5] “ Dịch câu truy vấn có cấu trúc sang đồ thị ý niệm: cách tiếp cận ít phụ thuộc vào cú pháp”, Cao Duy Trường, 2008.</a:t>
-            </a:r>
-          </a:p>
-          <a:p>
+              <a:t>Theo cách tạo đồ thị ý niệm của Wael Salloum, một số dạng mẫu của câu được xác định trong quá trình hình thành đồ thị. Những mẫu này dựa trên cây cú pháp của câu sau khi được phân tích. </a:t>
+            </a:r>
+          </a:p>
+          <a:p>
+            <a:pPr lvl="1">
+              <a:buNone/>
+            </a:pPr>
             <a:r>
               <a:rPr lang="en-US" dirty="0" smtClean="0"/>
-              <a:t>[6] “An Ontology based Question Answering System on Software Test Document Domain”, Meltem Serhatli and Ferda N. Alpaslan, 2009.</a:t>
-            </a:r>
-          </a:p>
-          <a:p>
+              <a:t>Ví dụ: “</a:t>
+            </a:r>
+            <a:r>
+              <a:rPr lang="en-US" i="1" dirty="0" smtClean="0"/>
+              <a:t>The human liver secretes the bile</a:t>
+            </a:r>
+            <a:r>
+              <a:rPr lang="en-US" dirty="0" smtClean="0"/>
+              <a:t>” thì có mẫu NP-VP-NP (Noun Phrase - Verb Pharse – Noun Pharse) tương ứng với </a:t>
+            </a:r>
+          </a:p>
+          <a:p>
+            <a:pPr lvl="1">
+              <a:buNone/>
+            </a:pPr>
+            <a:r>
+              <a:rPr lang="en-US" dirty="0" smtClean="0"/>
+              <a:t>(The(DT) human(ADJ) liver(NN)) (NP)- (secretes(VBZ))(VP) - (the(DT) bile (NN))(NP)</a:t>
+            </a:r>
+          </a:p>
+          <a:p>
+            <a:pPr lvl="1"/>
             <a:endParaRPr lang="en-US" dirty="0"/>
           </a:p>
         </p:txBody>
@@ -5373,7 +5398,7 @@
           <a:p>
             <a:r>
               <a:rPr lang="en-US" dirty="0" smtClean="0"/>
-              <a:t>Tham khảo</a:t>
+              <a:t>Các bước đề xuất cho việc xử lý câu hỏi</a:t>
             </a:r>
             <a:endParaRPr lang="en-US" dirty="0"/>
           </a:p>
@@ -5396,55 +5421,79 @@
           <a:p>
             <a:r>
               <a:rPr lang="en-US" dirty="0" smtClean="0"/>
-              <a:t>[7] “Xây dựng hệ thống tra cứu thư viện điện tử bằng ngôn ngữ tự nhiên”, Đỗ Thị Thanh Tuyền, 2008.</a:t>
-            </a:r>
-          </a:p>
-          <a:p>
+              <a:t>B2: Liệt kê các bộ ba quan hệ về từ</a:t>
+            </a:r>
+          </a:p>
+          <a:p>
+            <a:pPr>
+              <a:buNone/>
+            </a:pPr>
             <a:r>
               <a:rPr lang="en-US" dirty="0" smtClean="0"/>
-              <a:t>[8] </a:t>
-            </a:r>
-            <a:r>
-              <a:rPr lang="en-US" u="sng" dirty="0" smtClean="0">
-                <a:hlinkClick r:id="rId2"/>
+              <a:t>Ở đây ta cũng liệt kê bộ ba theo một số quy tắc từ lọai như sau:</a:t>
+            </a:r>
+            <a:endParaRPr lang="en-US" sz="2400" dirty="0" smtClean="0"/>
+          </a:p>
+          <a:p>
+            <a:r>
+              <a:rPr lang="en-US" dirty="0" smtClean="0"/>
+              <a:t>WP + VBP + NN </a:t>
+            </a:r>
+            <a:r>
+              <a:rPr lang="en-US" dirty="0" smtClean="0">
+                <a:sym typeface="Wingdings"/>
               </a:rPr>
-              <a:t>http://gate.ac.uk/</a:t>
+              <a:t></a:t>
             </a:r>
             <a:r>
               <a:rPr lang="en-US" dirty="0" smtClean="0"/>
-              <a:t> </a:t>
-            </a:r>
+              <a:t> &lt;WP,VBP, NN&gt;</a:t>
+            </a:r>
+            <a:endParaRPr lang="en-US" sz="2400" dirty="0" smtClean="0"/>
           </a:p>
           <a:p>
             <a:r>
               <a:rPr lang="en-US" dirty="0" smtClean="0"/>
-              <a:t>[9] </a:t>
-            </a:r>
-            <a:r>
-              <a:rPr lang="en-US" u="sng" dirty="0" smtClean="0">
-                <a:hlinkClick r:id="rId3"/>
+              <a:t>WP+VBZ + VBP + NN </a:t>
+            </a:r>
+            <a:r>
+              <a:rPr lang="en-US" dirty="0" smtClean="0">
+                <a:sym typeface="Wingdings"/>
               </a:rPr>
-              <a:t>http://en.wikipedia.org/wiki/Named_entity_recognition</a:t>
-            </a:r>
+              <a:t></a:t>
+            </a:r>
+            <a:r>
+              <a:rPr lang="en-US" dirty="0" smtClean="0"/>
+              <a:t> &lt;WP,VBZ + VBP,NN&gt;</a:t>
+            </a:r>
+          </a:p>
+          <a:p>
+            <a:r>
+              <a:rPr lang="en-US" dirty="0" smtClean="0"/>
+              <a:t>NN + of + NN </a:t>
+            </a:r>
+            <a:r>
+              <a:rPr lang="en-US" dirty="0" smtClean="0">
+                <a:sym typeface="Wingdings"/>
+              </a:rPr>
+              <a:t></a:t>
+            </a:r>
+            <a:r>
+              <a:rPr lang="en-US" dirty="0" smtClean="0"/>
+              <a:t> &lt;NN ,has, NN&gt;</a:t>
+            </a:r>
+          </a:p>
+          <a:p>
+            <a:r>
+              <a:rPr lang="en-US" dirty="0" smtClean="0"/>
+              <a:t>...</a:t>
+            </a:r>
+          </a:p>
+          <a:p>
             <a:endParaRPr lang="en-US" dirty="0" smtClean="0"/>
           </a:p>
           <a:p>
-            <a:r>
-              <a:rPr lang="en-US" dirty="0" smtClean="0"/>
-              <a:t>[10] </a:t>
-            </a:r>
-            <a:r>
-              <a:rPr lang="en-US" u="sng" dirty="0" smtClean="0">
-                <a:hlinkClick r:id="rId4"/>
-              </a:rPr>
-              <a:t>http://www.gutenberg.org/wiki/Main_Page</a:t>
-            </a:r>
-            <a:r>
-              <a:rPr lang="en-US" dirty="0" smtClean="0"/>
-              <a:t> </a:t>
-            </a:r>
-          </a:p>
-          <a:p>
+            <a:pPr lvl="1"/>
             <a:endParaRPr lang="en-US" dirty="0"/>
           </a:p>
         </p:txBody>
@@ -5476,126 +5525,64 @@
       </p:grpSpPr>
       <p:sp>
         <p:nvSpPr>
-          <p:cNvPr id="28678" name="Rectangle 6"/>
-          <p:cNvSpPr>
-            <a:spLocks noGrp="1" noChangeArrowheads="1"/>
-          </p:cNvSpPr>
-          <p:nvPr>
-            <p:ph type="subTitle" idx="1"/>
-          </p:nvPr>
-        </p:nvSpPr>
-        <p:spPr>
-          <a:xfrm>
-            <a:off x="4887913" y="3962400"/>
-            <a:ext cx="3792537" cy="304800"/>
-          </a:xfrm>
-        </p:spPr>
+          <p:cNvPr id="2" name="Title 1"/>
+          <p:cNvSpPr>
+            <a:spLocks noGrp="1"/>
+          </p:cNvSpPr>
+          <p:nvPr>
+            <p:ph type="title"/>
+          </p:nvPr>
+        </p:nvSpPr>
+        <p:spPr/>
         <p:txBody>
           <a:bodyPr/>
           <a:lstStyle/>
           <a:p>
-            <a:pPr algn="ctr">
-              <a:lnSpc>
-                <a:spcPct val="80000"/>
-              </a:lnSpc>
-            </a:pPr>
-            <a:endParaRPr lang="en-US" sz="1600" dirty="0"/>
-          </a:p>
-        </p:txBody>
-      </p:sp>
-      <p:sp>
-        <p:nvSpPr>
-          <p:cNvPr id="28679" name="WordArt 7"/>
-          <p:cNvSpPr>
-            <a:spLocks noChangeArrowheads="1" noChangeShapeType="1" noTextEdit="1"/>
-          </p:cNvSpPr>
-          <p:nvPr/>
-        </p:nvSpPr>
-        <p:spPr bwMode="gray">
-          <a:xfrm>
-            <a:off x="4800600" y="3124200"/>
-            <a:ext cx="3810000" cy="609600"/>
-          </a:xfrm>
-          <a:prstGeom prst="rect">
-            <a:avLst/>
-          </a:prstGeom>
-        </p:spPr>
-        <p:txBody>
-          <a:bodyPr wrap="none" fromWordArt="1">
-            <a:prstTxWarp prst="textDeflate">
-              <a:avLst>
-                <a:gd name="adj" fmla="val 0"/>
-              </a:avLst>
-            </a:prstTxWarp>
-          </a:bodyPr>
+            <a:r>
+              <a:rPr lang="en-US" dirty="0" smtClean="0"/>
+              <a:t>Các bước đề xuất cho việc xử lý câu hỏi</a:t>
+            </a:r>
+            <a:endParaRPr lang="en-US" dirty="0"/>
+          </a:p>
+        </p:txBody>
+      </p:sp>
+      <p:sp>
+        <p:nvSpPr>
+          <p:cNvPr id="3" name="Content Placeholder 2"/>
+          <p:cNvSpPr>
+            <a:spLocks noGrp="1"/>
+          </p:cNvSpPr>
+          <p:nvPr>
+            <p:ph idx="1"/>
+          </p:nvPr>
+        </p:nvSpPr>
+        <p:spPr/>
+        <p:txBody>
+          <a:bodyPr/>
           <a:lstStyle/>
           <a:p>
-            <a:pPr algn="ctr"/>
-            <a:r>
-              <a:rPr lang="en-US" sz="5400" b="1" kern="10" dirty="0" smtClean="0">
-                <a:ln w="28575">
-                  <a:solidFill>
-                    <a:schemeClr val="tx1"/>
-                  </a:solidFill>
-                  <a:round/>
-                  <a:headEnd/>
-                  <a:tailEnd/>
-                </a:ln>
-                <a:gradFill rotWithShape="1">
-                  <a:gsLst>
-                    <a:gs pos="0">
-                      <a:schemeClr val="bg1"/>
-                    </a:gs>
-                    <a:gs pos="100000">
-                      <a:schemeClr val="accent2"/>
-                    </a:gs>
-                  </a:gsLst>
-                  <a:lin ang="5400000" scaled="1"/>
-                </a:gradFill>
-                <a:effectLst>
-                  <a:outerShdw dist="107763" dir="2700000" algn="ctr" rotWithShape="0">
-                    <a:srgbClr val="000000">
-                      <a:alpha val="50000"/>
-                    </a:srgbClr>
-                  </a:outerShdw>
-                </a:effectLst>
-                <a:latin typeface="Verdana"/>
-                <a:ea typeface="Verdana"/>
-                <a:cs typeface="Verdana"/>
-              </a:rPr>
-              <a:t>Xin cám ơn!</a:t>
-            </a:r>
-            <a:endParaRPr lang="en-US" sz="5400" b="1" kern="10" dirty="0">
-              <a:ln w="28575">
-                <a:solidFill>
-                  <a:schemeClr val="tx1"/>
-                </a:solidFill>
-                <a:round/>
-                <a:headEnd/>
-                <a:tailEnd/>
-              </a:ln>
-              <a:gradFill rotWithShape="1">
-                <a:gsLst>
-                  <a:gs pos="0">
-                    <a:schemeClr val="bg1"/>
-                  </a:gs>
-                  <a:gs pos="100000">
-                    <a:schemeClr val="accent2"/>
-                  </a:gs>
-                </a:gsLst>
-                <a:lin ang="5400000" scaled="1"/>
-              </a:gradFill>
-              <a:effectLst>
-                <a:outerShdw dist="107763" dir="2700000" algn="ctr" rotWithShape="0">
-                  <a:srgbClr val="000000">
-                    <a:alpha val="50000"/>
-                  </a:srgbClr>
-                </a:outerShdw>
-              </a:effectLst>
-              <a:latin typeface="Verdana"/>
-              <a:ea typeface="Verdana"/>
-              <a:cs typeface="Verdana"/>
-            </a:endParaRPr>
+            <a:r>
+              <a:rPr lang="en-US" dirty="0" smtClean="0"/>
+              <a:t>B3: Nhận diện thực thể</a:t>
+            </a:r>
+          </a:p>
+          <a:p>
+            <a:pPr lvl="1"/>
+            <a:r>
+              <a:rPr lang="en-US" dirty="0" smtClean="0"/>
+              <a:t>Dựa vào từ quan hệ trong bộ ba được liệt kê ở bước trên =&gt; đem tra vào các từ quan hệ được liệt kê cho mỗi thuộc tính ở tập tin cấu hình ngữ nghĩa nêu ở mục trên.</a:t>
+            </a:r>
+          </a:p>
+          <a:p>
+            <a:pPr lvl="1"/>
+            <a:r>
+              <a:rPr lang="en-US" dirty="0" smtClean="0"/>
+              <a:t>Nếu tồn tại nhiều kết quả ở thao tác trên, ta ánh xạ giá trị trong bộ ba vào miền giá trị thuộc tính. Nếu giá trị không thuộc miền giá trị của thuộc tính =&gt; loại bỏ kết quả.</a:t>
+            </a:r>
+          </a:p>
+          <a:p>
+            <a:pPr lvl="1"/>
+            <a:endParaRPr lang="en-US" dirty="0"/>
           </a:p>
         </p:txBody>
       </p:sp>
@@ -5604,13 +5591,756 @@
   <p:clrMapOvr>
     <a:masterClrMapping/>
   </p:clrMapOvr>
-  <p:timing>
-    <p:tnLst>
-      <p:par>
-        <p:cTn id="1" dur="indefinite" restart="never" nodeType="tmRoot"/>
-      </p:par>
-    </p:tnLst>
-  </p:timing>
+</p:sld>
+</file>
+
+<file path=ppt/slides/slide14.xml><?xml version="1.0" encoding="utf-8"?>
+<p:sld xmlns:a="http://schemas.openxmlformats.org/drawingml/2006/main" xmlns:r="http://schemas.openxmlformats.org/officeDocument/2006/relationships" xmlns:p="http://schemas.openxmlformats.org/presentationml/2006/main">
+  <p:cSld>
+    <p:spTree>
+      <p:nvGrpSpPr>
+        <p:cNvPr id="1" name=""/>
+        <p:cNvGrpSpPr/>
+        <p:nvPr/>
+      </p:nvGrpSpPr>
+      <p:grpSpPr>
+        <a:xfrm>
+          <a:off x="0" y="0"/>
+          <a:ext cx="0" cy="0"/>
+          <a:chOff x="0" y="0"/>
+          <a:chExt cx="0" cy="0"/>
+        </a:xfrm>
+      </p:grpSpPr>
+      <p:sp>
+        <p:nvSpPr>
+          <p:cNvPr id="2" name="Title 1"/>
+          <p:cNvSpPr>
+            <a:spLocks noGrp="1"/>
+          </p:cNvSpPr>
+          <p:nvPr>
+            <p:ph type="title"/>
+          </p:nvPr>
+        </p:nvSpPr>
+        <p:spPr/>
+        <p:txBody>
+          <a:bodyPr/>
+          <a:lstStyle/>
+          <a:p>
+            <a:r>
+              <a:rPr lang="en-US" dirty="0" smtClean="0"/>
+              <a:t>Các bước đề xuất cho việc xử lý câu hỏi</a:t>
+            </a:r>
+            <a:endParaRPr lang="en-US" dirty="0"/>
+          </a:p>
+        </p:txBody>
+      </p:sp>
+      <p:sp>
+        <p:nvSpPr>
+          <p:cNvPr id="3" name="Content Placeholder 2"/>
+          <p:cNvSpPr>
+            <a:spLocks noGrp="1"/>
+          </p:cNvSpPr>
+          <p:nvPr>
+            <p:ph idx="1"/>
+          </p:nvPr>
+        </p:nvSpPr>
+        <p:spPr/>
+        <p:txBody>
+          <a:bodyPr/>
+          <a:lstStyle/>
+          <a:p>
+            <a:r>
+              <a:rPr lang="en-US" dirty="0" smtClean="0"/>
+              <a:t>B3: Nhận diện thực thể</a:t>
+            </a:r>
+          </a:p>
+          <a:p>
+            <a:pPr lvl="1"/>
+            <a:r>
+              <a:rPr lang="en-US" dirty="0" smtClean="0"/>
+              <a:t>Dựa vào từ quan hệ trong bộ ba được liệt kê ở bước trên =&gt; đem tra vào các từ quan hệ được liệt kê cho mỗi thuộc tính ở tập tin cấu hình ngữ nghĩa nêu ở mục trên.</a:t>
+            </a:r>
+          </a:p>
+          <a:p>
+            <a:pPr lvl="1"/>
+            <a:r>
+              <a:rPr lang="en-US" dirty="0" smtClean="0"/>
+              <a:t>Nếu tồn tại nhiều kết quả ở thao tác trên, ta ánh xạ giá trị trong bộ ba vào miền giá trị thuộc tính. Nếu giá trị không thuộc miền giá trị của thuộc tính =&gt; loại bỏ kết quả.</a:t>
+            </a:r>
+          </a:p>
+          <a:p>
+            <a:pPr lvl="1"/>
+            <a:endParaRPr lang="en-US" dirty="0"/>
+          </a:p>
+        </p:txBody>
+      </p:sp>
+    </p:spTree>
+  </p:cSld>
+  <p:clrMapOvr>
+    <a:masterClrMapping/>
+  </p:clrMapOvr>
+</p:sld>
+</file>
+
+<file path=ppt/slides/slide15.xml><?xml version="1.0" encoding="utf-8"?>
+<p:sld xmlns:a="http://schemas.openxmlformats.org/drawingml/2006/main" xmlns:r="http://schemas.openxmlformats.org/officeDocument/2006/relationships" xmlns:p="http://schemas.openxmlformats.org/presentationml/2006/main">
+  <p:cSld>
+    <p:spTree>
+      <p:nvGrpSpPr>
+        <p:cNvPr id="1" name=""/>
+        <p:cNvGrpSpPr/>
+        <p:nvPr/>
+      </p:nvGrpSpPr>
+      <p:grpSpPr>
+        <a:xfrm>
+          <a:off x="0" y="0"/>
+          <a:ext cx="0" cy="0"/>
+          <a:chOff x="0" y="0"/>
+          <a:chExt cx="0" cy="0"/>
+        </a:xfrm>
+      </p:grpSpPr>
+      <p:sp>
+        <p:nvSpPr>
+          <p:cNvPr id="2" name="Title 1"/>
+          <p:cNvSpPr>
+            <a:spLocks noGrp="1"/>
+          </p:cNvSpPr>
+          <p:nvPr>
+            <p:ph type="title"/>
+          </p:nvPr>
+        </p:nvSpPr>
+        <p:spPr/>
+        <p:txBody>
+          <a:bodyPr/>
+          <a:lstStyle/>
+          <a:p>
+            <a:r>
+              <a:rPr lang="en-US" dirty="0" smtClean="0"/>
+              <a:t>Các bước đề xuất cho việc xử lý câu hỏi</a:t>
+            </a:r>
+            <a:endParaRPr lang="en-US" dirty="0"/>
+          </a:p>
+        </p:txBody>
+      </p:sp>
+      <p:sp>
+        <p:nvSpPr>
+          <p:cNvPr id="3" name="Content Placeholder 2"/>
+          <p:cNvSpPr>
+            <a:spLocks noGrp="1"/>
+          </p:cNvSpPr>
+          <p:nvPr>
+            <p:ph idx="1"/>
+          </p:nvPr>
+        </p:nvSpPr>
+        <p:spPr/>
+        <p:txBody>
+          <a:bodyPr/>
+          <a:lstStyle/>
+          <a:p>
+            <a:r>
+              <a:rPr lang="en-US" dirty="0" smtClean="0"/>
+              <a:t>B3: Nhận diện thực thể</a:t>
+            </a:r>
+          </a:p>
+          <a:p>
+            <a:pPr lvl="1">
+              <a:buNone/>
+            </a:pPr>
+            <a:r>
+              <a:rPr lang="en-US" dirty="0" smtClean="0"/>
+              <a:t>Ví dụ: </a:t>
+            </a:r>
+          </a:p>
+          <a:p>
+            <a:pPr lvl="1">
+              <a:buNone/>
+            </a:pPr>
+            <a:r>
+              <a:rPr lang="en-US" dirty="0" smtClean="0"/>
+              <a:t>Who is the publisher of “Software Egineering”</a:t>
+            </a:r>
+          </a:p>
+          <a:p>
+            <a:pPr lvl="1">
+              <a:buNone/>
+            </a:pPr>
+            <a:r>
+              <a:rPr lang="en-US" dirty="0" smtClean="0"/>
+              <a:t>dựa vào quan hệ “of”. Ta tìm được 2 bộ ba tồn tại từ quan hệ trên</a:t>
+            </a:r>
+          </a:p>
+          <a:p>
+            <a:pPr lvl="1">
+              <a:buNone/>
+            </a:pPr>
+            <a:r>
+              <a:rPr lang="en-US" dirty="0" smtClean="0"/>
+              <a:t>&lt;Publication ,has , publisher&gt;</a:t>
+            </a:r>
+          </a:p>
+          <a:p>
+            <a:pPr lvl="1">
+              <a:buNone/>
+            </a:pPr>
+            <a:r>
+              <a:rPr lang="en-US" dirty="0" smtClean="0"/>
+              <a:t>&lt;Publication, has, source&gt;</a:t>
+            </a:r>
+          </a:p>
+          <a:p>
+            <a:pPr lvl="1">
+              <a:buNone/>
+            </a:pPr>
+            <a:r>
+              <a:rPr lang="en-US" dirty="0" smtClean="0"/>
+              <a:t>&lt;Publication, has, title&gt;</a:t>
+            </a:r>
+          </a:p>
+          <a:p>
+            <a:pPr lvl="1">
+              <a:buNone/>
+            </a:pPr>
+            <a:r>
+              <a:rPr lang="en-US" dirty="0" smtClean="0"/>
+              <a:t>Ta sẽ loại bỏ 2 bộ ba đầu, do giá trị “Software Engineering” thuộc miền giá trị của title.</a:t>
+            </a:r>
+          </a:p>
+        </p:txBody>
+      </p:sp>
+    </p:spTree>
+  </p:cSld>
+  <p:clrMapOvr>
+    <a:masterClrMapping/>
+  </p:clrMapOvr>
+</p:sld>
+</file>
+
+<file path=ppt/slides/slide16.xml><?xml version="1.0" encoding="utf-8"?>
+<p:sld xmlns:a="http://schemas.openxmlformats.org/drawingml/2006/main" xmlns:r="http://schemas.openxmlformats.org/officeDocument/2006/relationships" xmlns:p="http://schemas.openxmlformats.org/presentationml/2006/main">
+  <p:cSld>
+    <p:spTree>
+      <p:nvGrpSpPr>
+        <p:cNvPr id="1" name=""/>
+        <p:cNvGrpSpPr/>
+        <p:nvPr/>
+      </p:nvGrpSpPr>
+      <p:grpSpPr>
+        <a:xfrm>
+          <a:off x="0" y="0"/>
+          <a:ext cx="0" cy="0"/>
+          <a:chOff x="0" y="0"/>
+          <a:chExt cx="0" cy="0"/>
+        </a:xfrm>
+      </p:grpSpPr>
+      <p:sp>
+        <p:nvSpPr>
+          <p:cNvPr id="2" name="Title 1"/>
+          <p:cNvSpPr>
+            <a:spLocks noGrp="1"/>
+          </p:cNvSpPr>
+          <p:nvPr>
+            <p:ph type="title"/>
+          </p:nvPr>
+        </p:nvSpPr>
+        <p:spPr/>
+        <p:txBody>
+          <a:bodyPr/>
+          <a:lstStyle/>
+          <a:p>
+            <a:r>
+              <a:rPr lang="en-US" dirty="0" smtClean="0"/>
+              <a:t>Các bước đề xuất cho việc xử lý câu hỏi</a:t>
+            </a:r>
+            <a:endParaRPr lang="en-US" dirty="0"/>
+          </a:p>
+        </p:txBody>
+      </p:sp>
+      <p:sp>
+        <p:nvSpPr>
+          <p:cNvPr id="3" name="Content Placeholder 2"/>
+          <p:cNvSpPr>
+            <a:spLocks noGrp="1"/>
+          </p:cNvSpPr>
+          <p:nvPr>
+            <p:ph idx="1"/>
+          </p:nvPr>
+        </p:nvSpPr>
+        <p:spPr/>
+        <p:txBody>
+          <a:bodyPr/>
+          <a:lstStyle/>
+          <a:p>
+            <a:r>
+              <a:rPr lang="en-US" dirty="0" smtClean="0"/>
+              <a:t>B3: Nhận diện thực thể</a:t>
+            </a:r>
+          </a:p>
+          <a:p>
+            <a:pPr lvl="1"/>
+            <a:r>
+              <a:rPr lang="en-US" b="1" dirty="0" smtClean="0"/>
+              <a:t>Nhận diện lớp của câu hỏi:</a:t>
+            </a:r>
+            <a:endParaRPr lang="en-US" sz="2000" dirty="0" smtClean="0"/>
+          </a:p>
+          <a:p>
+            <a:pPr lvl="1"/>
+            <a:r>
+              <a:rPr lang="en-US" dirty="0" smtClean="0"/>
+              <a:t>Với câu hỏi xuất hiện các từ hỏi như Who, What, When, Where, … thì ta áp dụng một số cách nhận diện theo tài liệu [5]. Nếu không, mặc định phân lớp là các đối tượng bài báo.</a:t>
+            </a:r>
+          </a:p>
+          <a:p>
+            <a:pPr lvl="1"/>
+            <a:r>
+              <a:rPr lang="en-US" sz="2400" dirty="0" smtClean="0"/>
+              <a:t>Ví dụ :</a:t>
+            </a:r>
+          </a:p>
+          <a:p>
+            <a:r>
+              <a:rPr lang="en-US" sz="2400" dirty="0" smtClean="0"/>
+              <a:t>+ </a:t>
+            </a:r>
+            <a:r>
+              <a:rPr lang="en-US" sz="2400" i="1" dirty="0" smtClean="0"/>
+              <a:t>What+ Noun +….?</a:t>
+            </a:r>
+            <a:r>
+              <a:rPr lang="en-US" sz="2400" dirty="0" smtClean="0"/>
+              <a:t> Thì lớp câu hỏi chinh là danh từ.</a:t>
+            </a:r>
+          </a:p>
+          <a:p>
+            <a:r>
+              <a:rPr lang="en-US" sz="2400" dirty="0" smtClean="0"/>
+              <a:t>+ </a:t>
+            </a:r>
+            <a:r>
+              <a:rPr lang="en-US" sz="2400" i="1" dirty="0" smtClean="0"/>
+              <a:t>Who is Noun+…? </a:t>
+            </a:r>
+            <a:r>
+              <a:rPr lang="en-US" sz="2400" dirty="0" smtClean="0"/>
+              <a:t>Thì lớp của câu hỏi chính là danh từ</a:t>
+            </a:r>
+          </a:p>
+          <a:p>
+            <a:pPr lvl="1"/>
+            <a:endParaRPr lang="en-US" sz="2000" dirty="0" smtClean="0"/>
+          </a:p>
+          <a:p>
+            <a:pPr lvl="1"/>
+            <a:endParaRPr lang="en-US" dirty="0" smtClean="0"/>
+          </a:p>
+          <a:p>
+            <a:pPr lvl="1">
+              <a:buNone/>
+            </a:pPr>
+            <a:r>
+              <a:rPr lang="en-US" dirty="0" smtClean="0"/>
+              <a:t>	</a:t>
+            </a:r>
+          </a:p>
+        </p:txBody>
+      </p:sp>
+    </p:spTree>
+  </p:cSld>
+  <p:clrMapOvr>
+    <a:masterClrMapping/>
+  </p:clrMapOvr>
+</p:sld>
+</file>
+
+<file path=ppt/slides/slide17.xml><?xml version="1.0" encoding="utf-8"?>
+<p:sld xmlns:a="http://schemas.openxmlformats.org/drawingml/2006/main" xmlns:r="http://schemas.openxmlformats.org/officeDocument/2006/relationships" xmlns:p="http://schemas.openxmlformats.org/presentationml/2006/main">
+  <p:cSld>
+    <p:spTree>
+      <p:nvGrpSpPr>
+        <p:cNvPr id="1" name=""/>
+        <p:cNvGrpSpPr/>
+        <p:nvPr/>
+      </p:nvGrpSpPr>
+      <p:grpSpPr>
+        <a:xfrm>
+          <a:off x="0" y="0"/>
+          <a:ext cx="0" cy="0"/>
+          <a:chOff x="0" y="0"/>
+          <a:chExt cx="0" cy="0"/>
+        </a:xfrm>
+      </p:grpSpPr>
+      <p:sp>
+        <p:nvSpPr>
+          <p:cNvPr id="2" name="Title 1"/>
+          <p:cNvSpPr>
+            <a:spLocks noGrp="1"/>
+          </p:cNvSpPr>
+          <p:nvPr>
+            <p:ph type="title"/>
+          </p:nvPr>
+        </p:nvSpPr>
+        <p:spPr/>
+        <p:txBody>
+          <a:bodyPr/>
+          <a:lstStyle/>
+          <a:p>
+            <a:r>
+              <a:rPr lang="en-US" dirty="0" smtClean="0"/>
+              <a:t>Các bước đề xuất cho việc xử lý câu hỏi</a:t>
+            </a:r>
+            <a:endParaRPr lang="en-US" dirty="0"/>
+          </a:p>
+        </p:txBody>
+      </p:sp>
+      <p:sp>
+        <p:nvSpPr>
+          <p:cNvPr id="3" name="Content Placeholder 2"/>
+          <p:cNvSpPr>
+            <a:spLocks noGrp="1"/>
+          </p:cNvSpPr>
+          <p:nvPr>
+            <p:ph idx="1"/>
+          </p:nvPr>
+        </p:nvSpPr>
+        <p:spPr/>
+        <p:txBody>
+          <a:bodyPr/>
+          <a:lstStyle/>
+          <a:p>
+            <a:r>
+              <a:rPr lang="en-US" dirty="0" smtClean="0"/>
+              <a:t>B4: Nhận diện quan hệ ẩn</a:t>
+            </a:r>
+          </a:p>
+          <a:p>
+            <a:pPr lvl="1"/>
+            <a:r>
+              <a:rPr lang="en-US" dirty="0" smtClean="0"/>
+              <a:t>Như trong nghiên cứu của tác giả Cao Duy Trường, trong quá trình hình thành đồ thị ý niệm, có một số quan hệ ẩn chưa được xác định. Lý do là người dùng không nhập vào từ quan hệ.</a:t>
+            </a:r>
+          </a:p>
+          <a:p>
+            <a:pPr lvl="1">
+              <a:buNone/>
+            </a:pPr>
+            <a:r>
+              <a:rPr lang="en-US" dirty="0" smtClean="0"/>
+              <a:t>Ví dụ: “Which books were published by ACM, 2009 ?” thì từ quan hệ “in” để chỉ năm công bố không được đề cập tới.</a:t>
+            </a:r>
+          </a:p>
+          <a:p>
+            <a:pPr lvl="1">
+              <a:buNone/>
+            </a:pPr>
+            <a:r>
+              <a:rPr lang="en-US" dirty="0" smtClean="0"/>
+              <a:t>Con số 2009 phải được hiểu là năm mà nhà xuất bản ACM phát hành các cuốn sách đó.</a:t>
+            </a:r>
+          </a:p>
+          <a:p>
+            <a:pPr lvl="1">
+              <a:buNone/>
+            </a:pPr>
+            <a:endParaRPr lang="en-US" dirty="0" smtClean="0"/>
+          </a:p>
+          <a:p>
+            <a:pPr lvl="1"/>
+            <a:endParaRPr lang="en-US" dirty="0"/>
+          </a:p>
+        </p:txBody>
+      </p:sp>
+    </p:spTree>
+  </p:cSld>
+  <p:clrMapOvr>
+    <a:masterClrMapping/>
+  </p:clrMapOvr>
+</p:sld>
+</file>
+
+<file path=ppt/slides/slide18.xml><?xml version="1.0" encoding="utf-8"?>
+<p:sld xmlns:a="http://schemas.openxmlformats.org/drawingml/2006/main" xmlns:r="http://schemas.openxmlformats.org/officeDocument/2006/relationships" xmlns:p="http://schemas.openxmlformats.org/presentationml/2006/main">
+  <p:cSld>
+    <p:spTree>
+      <p:nvGrpSpPr>
+        <p:cNvPr id="1" name=""/>
+        <p:cNvGrpSpPr/>
+        <p:nvPr/>
+      </p:nvGrpSpPr>
+      <p:grpSpPr>
+        <a:xfrm>
+          <a:off x="0" y="0"/>
+          <a:ext cx="0" cy="0"/>
+          <a:chOff x="0" y="0"/>
+          <a:chExt cx="0" cy="0"/>
+        </a:xfrm>
+      </p:grpSpPr>
+      <p:sp>
+        <p:nvSpPr>
+          <p:cNvPr id="2" name="Title 1"/>
+          <p:cNvSpPr>
+            <a:spLocks noGrp="1"/>
+          </p:cNvSpPr>
+          <p:nvPr>
+            <p:ph type="title"/>
+          </p:nvPr>
+        </p:nvSpPr>
+        <p:spPr/>
+        <p:txBody>
+          <a:bodyPr/>
+          <a:lstStyle/>
+          <a:p>
+            <a:r>
+              <a:rPr lang="en-US" dirty="0" smtClean="0"/>
+              <a:t>Các bước đề xuất cho việc xử lý câu hỏi</a:t>
+            </a:r>
+            <a:endParaRPr lang="en-US" dirty="0"/>
+          </a:p>
+        </p:txBody>
+      </p:sp>
+      <p:sp>
+        <p:nvSpPr>
+          <p:cNvPr id="3" name="Content Placeholder 2"/>
+          <p:cNvSpPr>
+            <a:spLocks noGrp="1"/>
+          </p:cNvSpPr>
+          <p:nvPr>
+            <p:ph idx="1"/>
+          </p:nvPr>
+        </p:nvSpPr>
+        <p:spPr/>
+        <p:txBody>
+          <a:bodyPr/>
+          <a:lstStyle/>
+          <a:p>
+            <a:r>
+              <a:rPr lang="en-US" dirty="0" smtClean="0"/>
+              <a:t>B5: Sinh câu truy vấn</a:t>
+            </a:r>
+          </a:p>
+          <a:p>
+            <a:pPr lvl="1"/>
+            <a:r>
+              <a:rPr lang="en-US" dirty="0" smtClean="0"/>
+              <a:t>Xác định đối tượng truy vấn</a:t>
+            </a:r>
+          </a:p>
+          <a:p>
+            <a:pPr lvl="1"/>
+            <a:r>
+              <a:rPr lang="en-US" dirty="0" smtClean="0"/>
+              <a:t>Xác định nguồn truy vấn</a:t>
+            </a:r>
+          </a:p>
+          <a:p>
+            <a:pPr lvl="1"/>
+            <a:r>
+              <a:rPr lang="en-US" dirty="0" smtClean="0"/>
+              <a:t>Xác định điều kiện truy vấn</a:t>
+            </a:r>
+          </a:p>
+          <a:p>
+            <a:pPr lvl="1"/>
+            <a:endParaRPr lang="en-US" dirty="0"/>
+          </a:p>
+        </p:txBody>
+      </p:sp>
+      <p:sp>
+        <p:nvSpPr>
+          <p:cNvPr id="11265" name="Rectangle 1"/>
+          <p:cNvSpPr>
+            <a:spLocks noChangeArrowheads="1"/>
+          </p:cNvSpPr>
+          <p:nvPr/>
+        </p:nvSpPr>
+        <p:spPr bwMode="auto">
+          <a:xfrm>
+            <a:off x="0" y="0"/>
+            <a:ext cx="9144000" cy="457200"/>
+          </a:xfrm>
+          <a:prstGeom prst="rect">
+            <a:avLst/>
+          </a:prstGeom>
+          <a:noFill/>
+          <a:ln w="9525">
+            <a:noFill/>
+            <a:miter lim="800000"/>
+            <a:headEnd/>
+            <a:tailEnd/>
+          </a:ln>
+          <a:effectLst/>
+        </p:spPr>
+        <p:txBody>
+          <a:bodyPr vert="horz" wrap="none" lIns="91440" tIns="45720" rIns="91440" bIns="45720" numCol="1" anchor="ctr" anchorCtr="0" compatLnSpc="1">
+            <a:prstTxWarp prst="textNoShape">
+              <a:avLst/>
+            </a:prstTxWarp>
+            <a:spAutoFit/>
+          </a:bodyPr>
+          <a:lstStyle/>
+          <a:p>
+            <a:pPr marL="0" marR="0" lvl="0" indent="0" algn="just" defTabSz="914400" rtl="0" eaLnBrk="1" fontAlgn="base" latinLnBrk="0" hangingPunct="1">
+              <a:lnSpc>
+                <a:spcPct val="100000"/>
+              </a:lnSpc>
+              <a:spcBef>
+                <a:spcPct val="0"/>
+              </a:spcBef>
+              <a:spcAft>
+                <a:spcPct val="0"/>
+              </a:spcAft>
+              <a:buClrTx/>
+              <a:buSzTx/>
+              <a:buFontTx/>
+              <a:buNone/>
+              <a:tabLst/>
+            </a:pPr>
+            <a:r>
+              <a:rPr kumimoji="0" lang="en-US" sz="1300" b="0" i="0" u="none" strike="noStrike" cap="none" normalizeH="0" baseline="0" smtClean="0">
+                <a:ln>
+                  <a:noFill/>
+                </a:ln>
+                <a:solidFill>
+                  <a:schemeClr val="tx1"/>
+                </a:solidFill>
+                <a:effectLst/>
+                <a:latin typeface="Times New Roman" pitchFamily="18" charset="0"/>
+                <a:ea typeface="Times New Roman" pitchFamily="18" charset="0"/>
+                <a:cs typeface="Times New Roman" pitchFamily="18" charset="0"/>
+              </a:rPr>
+              <a:t>Ví dụ: “Which books were published by ACM, 2009 ?” thì từ quan hệ “in” không được đề cập tới. Đơn giản người dùng chỉ đề cập tới nhà xuất bản là ACM và con số 2009. Con số 2009 phải được hiểu là năm mà nhà xuất bản ACM phát hành các cuốn sách đó.</a:t>
+            </a:r>
+            <a:endParaRPr kumimoji="0" lang="en-US" sz="1800" b="0" i="0" u="none" strike="noStrike" cap="none" normalizeH="0" baseline="0" smtClean="0">
+              <a:ln>
+                <a:noFill/>
+              </a:ln>
+              <a:solidFill>
+                <a:schemeClr val="tx1"/>
+              </a:solidFill>
+              <a:effectLst/>
+              <a:latin typeface="Arial" pitchFamily="34" charset="0"/>
+              <a:cs typeface="Arial" pitchFamily="34" charset="0"/>
+            </a:endParaRPr>
+          </a:p>
+        </p:txBody>
+      </p:sp>
+    </p:spTree>
+  </p:cSld>
+  <p:clrMapOvr>
+    <a:masterClrMapping/>
+  </p:clrMapOvr>
+</p:sld>
+</file>
+
+<file path=ppt/slides/slide19.xml><?xml version="1.0" encoding="utf-8"?>
+<p:sld xmlns:a="http://schemas.openxmlformats.org/drawingml/2006/main" xmlns:r="http://schemas.openxmlformats.org/officeDocument/2006/relationships" xmlns:p="http://schemas.openxmlformats.org/presentationml/2006/main">
+  <p:cSld>
+    <p:spTree>
+      <p:nvGrpSpPr>
+        <p:cNvPr id="1" name=""/>
+        <p:cNvGrpSpPr/>
+        <p:nvPr/>
+      </p:nvGrpSpPr>
+      <p:grpSpPr>
+        <a:xfrm>
+          <a:off x="0" y="0"/>
+          <a:ext cx="0" cy="0"/>
+          <a:chOff x="0" y="0"/>
+          <a:chExt cx="0" cy="0"/>
+        </a:xfrm>
+      </p:grpSpPr>
+      <p:sp>
+        <p:nvSpPr>
+          <p:cNvPr id="2" name="Title 1"/>
+          <p:cNvSpPr>
+            <a:spLocks noGrp="1"/>
+          </p:cNvSpPr>
+          <p:nvPr>
+            <p:ph type="title"/>
+          </p:nvPr>
+        </p:nvSpPr>
+        <p:spPr/>
+        <p:txBody>
+          <a:bodyPr/>
+          <a:lstStyle/>
+          <a:p>
+            <a:r>
+              <a:rPr lang="en-US" dirty="0" smtClean="0"/>
+              <a:t>Các bước đề xuất cho việc xử lý câu hỏi</a:t>
+            </a:r>
+            <a:endParaRPr lang="en-US" dirty="0"/>
+          </a:p>
+        </p:txBody>
+      </p:sp>
+      <p:sp>
+        <p:nvSpPr>
+          <p:cNvPr id="3" name="Content Placeholder 2"/>
+          <p:cNvSpPr>
+            <a:spLocks noGrp="1"/>
+          </p:cNvSpPr>
+          <p:nvPr>
+            <p:ph idx="1"/>
+          </p:nvPr>
+        </p:nvSpPr>
+        <p:spPr/>
+        <p:txBody>
+          <a:bodyPr/>
+          <a:lstStyle/>
+          <a:p>
+            <a:r>
+              <a:rPr lang="en-US" dirty="0" smtClean="0"/>
+              <a:t>Phương pháp đề xuất 2:</a:t>
+            </a:r>
+          </a:p>
+          <a:p>
+            <a:pPr lvl="1"/>
+            <a:r>
+              <a:rPr lang="en-US" dirty="0" smtClean="0"/>
+              <a:t>Áp dụng lại phương pháp xử lý câu truy vấn trong hệ thống eLSSNL của tài liệu [7]</a:t>
+            </a:r>
+          </a:p>
+          <a:p>
+            <a:pPr lvl="1"/>
+            <a:r>
+              <a:rPr lang="en-US" dirty="0" smtClean="0"/>
+              <a:t>Bổ sung và thay đổi một số bước</a:t>
+            </a:r>
+          </a:p>
+          <a:p>
+            <a:pPr lvl="2"/>
+            <a:r>
+              <a:rPr lang="en-US" dirty="0" smtClean="0"/>
+              <a:t>Áp dụng thêm GATE để nhận diện các giá trị thuộc tính</a:t>
+            </a:r>
+          </a:p>
+          <a:p>
+            <a:pPr lvl="2"/>
+            <a:r>
+              <a:rPr lang="en-US" dirty="0" smtClean="0"/>
+              <a:t>Xác định lớp của câu hỏi =&gt; xác định đối tượng câu hỏi. </a:t>
+            </a:r>
+            <a:r>
+              <a:rPr lang="en-US" smtClean="0"/>
+              <a:t>Vì người dùng không chỉ muốn hỏi về thông tin bài báo mà còn muốn biết về tác giả, nhà xuất bản.</a:t>
+            </a:r>
+          </a:p>
+          <a:p>
+            <a:pPr lvl="2"/>
+            <a:r>
+              <a:rPr lang="en-US" dirty="0" smtClean="0"/>
+              <a:t>Vd: Who released books in 2010 . Đối tượng của câu hỏi này là các nhà xuất bản trong năm 2010.</a:t>
+            </a:r>
+          </a:p>
+          <a:p>
+            <a:pPr lvl="1"/>
+            <a:endParaRPr lang="en-US" dirty="0"/>
+          </a:p>
+        </p:txBody>
+      </p:sp>
+    </p:spTree>
+  </p:cSld>
+  <p:clrMapOvr>
+    <a:masterClrMapping/>
+  </p:clrMapOvr>
 </p:sld>
 </file>
 
@@ -7317,6 +8047,666 @@
 </p:sld>
 </file>
 
+<file path=ppt/slides/slide20.xml><?xml version="1.0" encoding="utf-8"?>
+<p:sld xmlns:a="http://schemas.openxmlformats.org/drawingml/2006/main" xmlns:r="http://schemas.openxmlformats.org/officeDocument/2006/relationships" xmlns:p="http://schemas.openxmlformats.org/presentationml/2006/main">
+  <p:cSld>
+    <p:spTree>
+      <p:nvGrpSpPr>
+        <p:cNvPr id="1" name=""/>
+        <p:cNvGrpSpPr/>
+        <p:nvPr/>
+      </p:nvGrpSpPr>
+      <p:grpSpPr>
+        <a:xfrm>
+          <a:off x="0" y="0"/>
+          <a:ext cx="0" cy="0"/>
+          <a:chOff x="0" y="0"/>
+          <a:chExt cx="0" cy="0"/>
+        </a:xfrm>
+      </p:grpSpPr>
+      <p:sp>
+        <p:nvSpPr>
+          <p:cNvPr id="2" name="Title 1"/>
+          <p:cNvSpPr>
+            <a:spLocks noGrp="1"/>
+          </p:cNvSpPr>
+          <p:nvPr>
+            <p:ph type="title"/>
+          </p:nvPr>
+        </p:nvSpPr>
+        <p:spPr/>
+        <p:txBody>
+          <a:bodyPr/>
+          <a:lstStyle/>
+          <a:p>
+            <a:r>
+              <a:rPr lang="en-US" dirty="0" smtClean="0"/>
+              <a:t>Các bước đề xuất cho việc xử lý câu hỏi</a:t>
+            </a:r>
+            <a:endParaRPr lang="en-US" dirty="0"/>
+          </a:p>
+        </p:txBody>
+      </p:sp>
+      <p:sp>
+        <p:nvSpPr>
+          <p:cNvPr id="3" name="Content Placeholder 2"/>
+          <p:cNvSpPr>
+            <a:spLocks noGrp="1"/>
+          </p:cNvSpPr>
+          <p:nvPr>
+            <p:ph idx="1"/>
+          </p:nvPr>
+        </p:nvSpPr>
+        <p:spPr/>
+        <p:txBody>
+          <a:bodyPr/>
+          <a:lstStyle/>
+          <a:p>
+            <a:r>
+              <a:rPr lang="en-US" dirty="0" smtClean="0"/>
+              <a:t>Lập danh sách các giá trị miền của một số thuộc tính bỏ vào trong </a:t>
+            </a:r>
+            <a:r>
+              <a:rPr lang="en-US" i="1" dirty="0" smtClean="0"/>
+              <a:t>Gazetteer</a:t>
+            </a:r>
+            <a:endParaRPr lang="en-US" dirty="0" smtClean="0"/>
+          </a:p>
+          <a:p>
+            <a:r>
+              <a:rPr lang="en-US" i="1" dirty="0" smtClean="0"/>
+              <a:t>Gazetteer là một công cụ của GATE [12] dùng để nhận diện thực thể đặt tên.</a:t>
+            </a:r>
+          </a:p>
+          <a:p>
+            <a:r>
+              <a:rPr lang="en-US" i="1" dirty="0" smtClean="0"/>
+              <a:t>Các giá trị miền có thể bỏ vào Gazetteer: publisher, source, year, author.</a:t>
+            </a:r>
+          </a:p>
+          <a:p>
+            <a:r>
+              <a:rPr lang="en-US" i="1" dirty="0" smtClean="0"/>
+              <a:t>Thuộc tính title có số lượng record trong database DBLP quá lớn nên không thể bỏ vào Gazetteer nên sẽ ánh xạ trực tiếp vào database.</a:t>
+            </a:r>
+            <a:endParaRPr lang="en-US" dirty="0"/>
+          </a:p>
+        </p:txBody>
+      </p:sp>
+    </p:spTree>
+  </p:cSld>
+  <p:clrMapOvr>
+    <a:masterClrMapping/>
+  </p:clrMapOvr>
+</p:sld>
+</file>
+
+<file path=ppt/slides/slide21.xml><?xml version="1.0" encoding="utf-8"?>
+<p:sld xmlns:a="http://schemas.openxmlformats.org/drawingml/2006/main" xmlns:r="http://schemas.openxmlformats.org/officeDocument/2006/relationships" xmlns:p="http://schemas.openxmlformats.org/presentationml/2006/main">
+  <p:cSld>
+    <p:spTree>
+      <p:nvGrpSpPr>
+        <p:cNvPr id="1" name=""/>
+        <p:cNvGrpSpPr/>
+        <p:nvPr/>
+      </p:nvGrpSpPr>
+      <p:grpSpPr>
+        <a:xfrm>
+          <a:off x="0" y="0"/>
+          <a:ext cx="0" cy="0"/>
+          <a:chOff x="0" y="0"/>
+          <a:chExt cx="0" cy="0"/>
+        </a:xfrm>
+      </p:grpSpPr>
+      <p:sp>
+        <p:nvSpPr>
+          <p:cNvPr id="2" name="Title 1"/>
+          <p:cNvSpPr>
+            <a:spLocks noGrp="1"/>
+          </p:cNvSpPr>
+          <p:nvPr>
+            <p:ph type="title"/>
+          </p:nvPr>
+        </p:nvSpPr>
+        <p:spPr/>
+        <p:txBody>
+          <a:bodyPr/>
+          <a:lstStyle/>
+          <a:p>
+            <a:r>
+              <a:rPr lang="en-US" dirty="0" smtClean="0"/>
+              <a:t>Các bước đề xuất cho việc xử lý câu hỏi</a:t>
+            </a:r>
+            <a:endParaRPr lang="en-US" dirty="0"/>
+          </a:p>
+        </p:txBody>
+      </p:sp>
+      <p:sp>
+        <p:nvSpPr>
+          <p:cNvPr id="3" name="Content Placeholder 2"/>
+          <p:cNvSpPr>
+            <a:spLocks noGrp="1"/>
+          </p:cNvSpPr>
+          <p:nvPr>
+            <p:ph idx="1"/>
+          </p:nvPr>
+        </p:nvSpPr>
+        <p:spPr/>
+        <p:txBody>
+          <a:bodyPr/>
+          <a:lstStyle/>
+          <a:p>
+            <a:r>
+              <a:rPr lang="en-US" dirty="0" smtClean="0"/>
+              <a:t>Lập danh sách các giá trị miền của một số thuộc tính bỏ vào trong </a:t>
+            </a:r>
+            <a:r>
+              <a:rPr lang="en-US" i="1" dirty="0" smtClean="0"/>
+              <a:t>Gazetteer</a:t>
+            </a:r>
+            <a:endParaRPr lang="en-US" dirty="0" smtClean="0"/>
+          </a:p>
+          <a:p>
+            <a:r>
+              <a:rPr lang="en-US" i="1" dirty="0" smtClean="0"/>
+              <a:t>Gazetteer là một công cụ của GATE [12] dùng để nhận diện thực thể đặt tên.</a:t>
+            </a:r>
+          </a:p>
+          <a:p>
+            <a:r>
+              <a:rPr lang="en-US" i="1" dirty="0" smtClean="0"/>
+              <a:t>Các giá trị miền có thể bỏ vào Gazetteer: publisher, source, year, author.</a:t>
+            </a:r>
+          </a:p>
+          <a:p>
+            <a:r>
+              <a:rPr lang="en-US" i="1" dirty="0" smtClean="0"/>
+              <a:t>Thuộc tính title có số lượng record trong database DBLP quá lớn nên không thể bỏ vào Gazetteer nên sẽ ánh xạ trực tiếp vào database.</a:t>
+            </a:r>
+            <a:endParaRPr lang="en-US" dirty="0"/>
+          </a:p>
+        </p:txBody>
+      </p:sp>
+    </p:spTree>
+  </p:cSld>
+  <p:clrMapOvr>
+    <a:masterClrMapping/>
+  </p:clrMapOvr>
+</p:sld>
+</file>
+
+<file path=ppt/slides/slide22.xml><?xml version="1.0" encoding="utf-8"?>
+<p:sld xmlns:a="http://schemas.openxmlformats.org/drawingml/2006/main" xmlns:r="http://schemas.openxmlformats.org/officeDocument/2006/relationships" xmlns:p="http://schemas.openxmlformats.org/presentationml/2006/main">
+  <p:cSld>
+    <p:spTree>
+      <p:nvGrpSpPr>
+        <p:cNvPr id="1" name=""/>
+        <p:cNvGrpSpPr/>
+        <p:nvPr/>
+      </p:nvGrpSpPr>
+      <p:grpSpPr>
+        <a:xfrm>
+          <a:off x="0" y="0"/>
+          <a:ext cx="0" cy="0"/>
+          <a:chOff x="0" y="0"/>
+          <a:chExt cx="0" cy="0"/>
+        </a:xfrm>
+      </p:grpSpPr>
+      <p:sp>
+        <p:nvSpPr>
+          <p:cNvPr id="2" name="Title 1"/>
+          <p:cNvSpPr>
+            <a:spLocks noGrp="1"/>
+          </p:cNvSpPr>
+          <p:nvPr>
+            <p:ph type="title"/>
+          </p:nvPr>
+        </p:nvSpPr>
+        <p:spPr/>
+        <p:txBody>
+          <a:bodyPr/>
+          <a:lstStyle/>
+          <a:p>
+            <a:r>
+              <a:rPr lang="en-US" dirty="0" err="1" smtClean="0"/>
+              <a:t>Tham</a:t>
+            </a:r>
+            <a:r>
+              <a:rPr lang="en-US" dirty="0" smtClean="0"/>
+              <a:t> </a:t>
+            </a:r>
+            <a:r>
+              <a:rPr lang="en-US" smtClean="0"/>
+              <a:t>khảo</a:t>
+            </a:r>
+            <a:endParaRPr lang="en-US"/>
+          </a:p>
+        </p:txBody>
+      </p:sp>
+      <p:sp>
+        <p:nvSpPr>
+          <p:cNvPr id="3" name="Content Placeholder 2"/>
+          <p:cNvSpPr>
+            <a:spLocks noGrp="1"/>
+          </p:cNvSpPr>
+          <p:nvPr>
+            <p:ph idx="1"/>
+          </p:nvPr>
+        </p:nvSpPr>
+        <p:spPr/>
+        <p:txBody>
+          <a:bodyPr/>
+          <a:lstStyle/>
+          <a:p>
+            <a:r>
+              <a:rPr lang="en-US" sz="2400" dirty="0" smtClean="0">
+                <a:latin typeface="Times New Roman" pitchFamily="18" charset="0"/>
+                <a:cs typeface="Times New Roman" pitchFamily="18" charset="0"/>
+              </a:rPr>
+              <a:t>[1] </a:t>
+            </a:r>
+            <a:r>
+              <a:rPr lang="en-US" sz="2400" u="sng" dirty="0" smtClean="0">
+                <a:latin typeface="Times New Roman" pitchFamily="18" charset="0"/>
+                <a:cs typeface="Times New Roman" pitchFamily="18" charset="0"/>
+                <a:hlinkClick r:id="rId2"/>
+              </a:rPr>
+              <a:t>http://vi.wikipedia.org/wiki/X%E1%BB%AD_l%C3%BD_ng%C3%B4n_ng%E1%BB%AF_t%E1%BB%B1_nhi%C3%AAn</a:t>
+            </a:r>
+            <a:r>
+              <a:rPr lang="en-US" sz="2400" dirty="0" smtClean="0">
+                <a:latin typeface="Times New Roman" pitchFamily="18" charset="0"/>
+                <a:cs typeface="Times New Roman" pitchFamily="18" charset="0"/>
+              </a:rPr>
+              <a:t> </a:t>
+            </a:r>
+          </a:p>
+          <a:p>
+            <a:r>
+              <a:rPr lang="en-US" sz="2400" dirty="0" smtClean="0">
+                <a:latin typeface="Times New Roman" pitchFamily="18" charset="0"/>
+                <a:cs typeface="Times New Roman" pitchFamily="18" charset="0"/>
+              </a:rPr>
+              <a:t> [2] “A Question Answering System based on Conceptual Graph Formalism”, Wael Salloum , 2009.</a:t>
+            </a:r>
+          </a:p>
+          <a:p>
+            <a:r>
+              <a:rPr lang="en-US" sz="2400" dirty="0" smtClean="0">
+                <a:latin typeface="Times New Roman" pitchFamily="18" charset="0"/>
+                <a:cs typeface="Times New Roman" pitchFamily="18" charset="0"/>
+              </a:rPr>
+              <a:t>[3] “Automatic Question Pattern Generation for Ontology-based Question”, Shiyan Ou, Constantin Orasan, Dalila Mekhaldi and Laura Hasler, 2008.</a:t>
+            </a:r>
+          </a:p>
+          <a:p>
+            <a:r>
+              <a:rPr lang="en-US" sz="2400" dirty="0" smtClean="0">
+                <a:latin typeface="Times New Roman" pitchFamily="18" charset="0"/>
+                <a:cs typeface="Times New Roman" pitchFamily="18" charset="0"/>
+              </a:rPr>
+              <a:t>[4] “Xây dựng công cụ tìm kiếm tài liệu học tập bằng các truy vấn ngôn ngữ tự nhiên  trên kho học liệu mở tiếng Việt”, Lương Quý Tịnh Hà, 2009.</a:t>
+            </a:r>
+          </a:p>
+          <a:p>
+            <a:r>
+              <a:rPr lang="en-US" sz="2400" dirty="0" smtClean="0">
+                <a:latin typeface="Times New Roman" pitchFamily="18" charset="0"/>
+                <a:cs typeface="Times New Roman" pitchFamily="18" charset="0"/>
+              </a:rPr>
+              <a:t>[5] “ Dịch câu truy vấn có cấu trúc sang đồ thị ý niệm: cách tiếp cận ít phụ thuộc vào cú pháp”, Cao Duy Trường, 2008.</a:t>
+            </a:r>
+          </a:p>
+          <a:p>
+            <a:endParaRPr lang="en-US" dirty="0"/>
+          </a:p>
+        </p:txBody>
+      </p:sp>
+    </p:spTree>
+  </p:cSld>
+  <p:clrMapOvr>
+    <a:masterClrMapping/>
+  </p:clrMapOvr>
+  <p:timing>
+    <p:tnLst>
+      <p:par>
+        <p:cTn id="1" dur="indefinite" restart="never" nodeType="tmRoot"/>
+      </p:par>
+    </p:tnLst>
+  </p:timing>
+</p:sld>
+</file>
+
+<file path=ppt/slides/slide23.xml><?xml version="1.0" encoding="utf-8"?>
+<p:sld xmlns:a="http://schemas.openxmlformats.org/drawingml/2006/main" xmlns:r="http://schemas.openxmlformats.org/officeDocument/2006/relationships" xmlns:p="http://schemas.openxmlformats.org/presentationml/2006/main">
+  <p:cSld>
+    <p:spTree>
+      <p:nvGrpSpPr>
+        <p:cNvPr id="1" name=""/>
+        <p:cNvGrpSpPr/>
+        <p:nvPr/>
+      </p:nvGrpSpPr>
+      <p:grpSpPr>
+        <a:xfrm>
+          <a:off x="0" y="0"/>
+          <a:ext cx="0" cy="0"/>
+          <a:chOff x="0" y="0"/>
+          <a:chExt cx="0" cy="0"/>
+        </a:xfrm>
+      </p:grpSpPr>
+      <p:sp>
+        <p:nvSpPr>
+          <p:cNvPr id="2" name="Title 1"/>
+          <p:cNvSpPr>
+            <a:spLocks noGrp="1"/>
+          </p:cNvSpPr>
+          <p:nvPr>
+            <p:ph type="title"/>
+          </p:nvPr>
+        </p:nvSpPr>
+        <p:spPr/>
+        <p:txBody>
+          <a:bodyPr/>
+          <a:lstStyle/>
+          <a:p>
+            <a:r>
+              <a:rPr lang="en-US" dirty="0" smtClean="0"/>
+              <a:t>Tham khảo</a:t>
+            </a:r>
+            <a:endParaRPr lang="en-US" dirty="0"/>
+          </a:p>
+        </p:txBody>
+      </p:sp>
+      <p:sp>
+        <p:nvSpPr>
+          <p:cNvPr id="3" name="Content Placeholder 2"/>
+          <p:cNvSpPr>
+            <a:spLocks noGrp="1"/>
+          </p:cNvSpPr>
+          <p:nvPr>
+            <p:ph idx="1"/>
+          </p:nvPr>
+        </p:nvSpPr>
+        <p:spPr/>
+        <p:txBody>
+          <a:bodyPr/>
+          <a:lstStyle/>
+          <a:p>
+            <a:r>
+              <a:rPr lang="en-US" sz="2400" dirty="0" smtClean="0">
+                <a:latin typeface="Times New Roman" pitchFamily="18" charset="0"/>
+                <a:cs typeface="Times New Roman" pitchFamily="18" charset="0"/>
+              </a:rPr>
+              <a:t>[6] “An Ontology based Question Answering System on Software Test Document Domain”, Meltem Serhatli and Ferda N. Alpaslan, 2009.</a:t>
+            </a:r>
+          </a:p>
+          <a:p>
+            <a:r>
+              <a:rPr lang="en-US" sz="2400" dirty="0" smtClean="0">
+                <a:latin typeface="Times New Roman" pitchFamily="18" charset="0"/>
+                <a:cs typeface="Times New Roman" pitchFamily="18" charset="0"/>
+              </a:rPr>
+              <a:t>[7] “Xây dựng hệ thống tra cứu thư viện điện tử bằng ngôn ngữ tự nhiên”, Đỗ Thị Thanh Tuyền, 2008.</a:t>
+            </a:r>
+          </a:p>
+          <a:p>
+            <a:r>
+              <a:rPr lang="en-US" sz="2400" dirty="0" smtClean="0">
+                <a:latin typeface="Times New Roman" pitchFamily="18" charset="0"/>
+                <a:cs typeface="Times New Roman" pitchFamily="18" charset="0"/>
+              </a:rPr>
+              <a:t>[8] </a:t>
+            </a:r>
+            <a:r>
+              <a:rPr lang="en-US" sz="2400" u="sng" dirty="0" smtClean="0">
+                <a:latin typeface="Times New Roman" pitchFamily="18" charset="0"/>
+                <a:cs typeface="Times New Roman" pitchFamily="18" charset="0"/>
+                <a:hlinkClick r:id="rId2"/>
+              </a:rPr>
+              <a:t>http://gate.ac.uk/</a:t>
+            </a:r>
+            <a:r>
+              <a:rPr lang="en-US" sz="2400" dirty="0" smtClean="0">
+                <a:latin typeface="Times New Roman" pitchFamily="18" charset="0"/>
+                <a:cs typeface="Times New Roman" pitchFamily="18" charset="0"/>
+              </a:rPr>
+              <a:t> </a:t>
+            </a:r>
+          </a:p>
+          <a:p>
+            <a:r>
+              <a:rPr lang="en-US" sz="2400" dirty="0" smtClean="0">
+                <a:latin typeface="Times New Roman" pitchFamily="18" charset="0"/>
+                <a:cs typeface="Times New Roman" pitchFamily="18" charset="0"/>
+              </a:rPr>
+              <a:t>[9] </a:t>
+            </a:r>
+            <a:r>
+              <a:rPr lang="en-US" sz="2400" u="sng" dirty="0" smtClean="0">
+                <a:latin typeface="Times New Roman" pitchFamily="18" charset="0"/>
+                <a:cs typeface="Times New Roman" pitchFamily="18" charset="0"/>
+                <a:hlinkClick r:id="rId3"/>
+              </a:rPr>
+              <a:t>http://en.wikipedia.org/wiki/Named_entity_recognition</a:t>
+            </a:r>
+            <a:endParaRPr lang="en-US" sz="2400" dirty="0" smtClean="0">
+              <a:latin typeface="Times New Roman" pitchFamily="18" charset="0"/>
+              <a:cs typeface="Times New Roman" pitchFamily="18" charset="0"/>
+            </a:endParaRPr>
+          </a:p>
+          <a:p>
+            <a:r>
+              <a:rPr lang="en-US" sz="2400" dirty="0" smtClean="0">
+                <a:latin typeface="Times New Roman" pitchFamily="18" charset="0"/>
+                <a:cs typeface="Times New Roman" pitchFamily="18" charset="0"/>
+              </a:rPr>
+              <a:t>[10] </a:t>
+            </a:r>
+            <a:r>
+              <a:rPr lang="en-US" sz="2400" u="sng" dirty="0" smtClean="0">
+                <a:latin typeface="Times New Roman" pitchFamily="18" charset="0"/>
+                <a:cs typeface="Times New Roman" pitchFamily="18" charset="0"/>
+                <a:hlinkClick r:id="rId4"/>
+              </a:rPr>
+              <a:t>http://www.gutenberg.org/wiki/Main_Page</a:t>
+            </a:r>
+            <a:r>
+              <a:rPr lang="en-US" sz="2400" dirty="0" smtClean="0">
+                <a:latin typeface="Times New Roman" pitchFamily="18" charset="0"/>
+                <a:cs typeface="Times New Roman" pitchFamily="18" charset="0"/>
+              </a:rPr>
+              <a:t> </a:t>
+            </a:r>
+          </a:p>
+          <a:p>
+            <a:r>
+              <a:rPr lang="en-US" sz="2400" dirty="0" smtClean="0">
+                <a:latin typeface="Times New Roman" pitchFamily="18" charset="0"/>
+                <a:cs typeface="Times New Roman" pitchFamily="18" charset="0"/>
+              </a:rPr>
+              <a:t>[11] http://en.wikipedia.org/wiki/Stemming</a:t>
+            </a:r>
+          </a:p>
+          <a:p>
+            <a:r>
+              <a:rPr lang="en-US" sz="2400" dirty="0" smtClean="0">
+                <a:latin typeface="Times New Roman" pitchFamily="18" charset="0"/>
+                <a:cs typeface="Times New Roman" pitchFamily="18" charset="0"/>
+              </a:rPr>
+              <a:t>[12] http://gate.ac.uk/gate/doc/plugins.html</a:t>
+            </a:r>
+            <a:endParaRPr lang="en-US" sz="2400" dirty="0">
+              <a:latin typeface="Times New Roman" pitchFamily="18" charset="0"/>
+              <a:cs typeface="Times New Roman" pitchFamily="18" charset="0"/>
+            </a:endParaRPr>
+          </a:p>
+        </p:txBody>
+      </p:sp>
+    </p:spTree>
+  </p:cSld>
+  <p:clrMapOvr>
+    <a:masterClrMapping/>
+  </p:clrMapOvr>
+</p:sld>
+</file>
+
+<file path=ppt/slides/slide24.xml><?xml version="1.0" encoding="utf-8"?>
+<p:sld xmlns:a="http://schemas.openxmlformats.org/drawingml/2006/main" xmlns:r="http://schemas.openxmlformats.org/officeDocument/2006/relationships" xmlns:p="http://schemas.openxmlformats.org/presentationml/2006/main">
+  <p:cSld>
+    <p:spTree>
+      <p:nvGrpSpPr>
+        <p:cNvPr id="1" name=""/>
+        <p:cNvGrpSpPr/>
+        <p:nvPr/>
+      </p:nvGrpSpPr>
+      <p:grpSpPr>
+        <a:xfrm>
+          <a:off x="0" y="0"/>
+          <a:ext cx="0" cy="0"/>
+          <a:chOff x="0" y="0"/>
+          <a:chExt cx="0" cy="0"/>
+        </a:xfrm>
+      </p:grpSpPr>
+      <p:sp>
+        <p:nvSpPr>
+          <p:cNvPr id="28678" name="Rectangle 6"/>
+          <p:cNvSpPr>
+            <a:spLocks noGrp="1" noChangeArrowheads="1"/>
+          </p:cNvSpPr>
+          <p:nvPr>
+            <p:ph type="subTitle" idx="1"/>
+          </p:nvPr>
+        </p:nvSpPr>
+        <p:spPr>
+          <a:xfrm>
+            <a:off x="4887913" y="3962400"/>
+            <a:ext cx="3792537" cy="304800"/>
+          </a:xfrm>
+        </p:spPr>
+        <p:txBody>
+          <a:bodyPr/>
+          <a:lstStyle/>
+          <a:p>
+            <a:pPr algn="ctr">
+              <a:lnSpc>
+                <a:spcPct val="80000"/>
+              </a:lnSpc>
+            </a:pPr>
+            <a:endParaRPr lang="en-US" sz="1600" dirty="0"/>
+          </a:p>
+        </p:txBody>
+      </p:sp>
+      <p:sp>
+        <p:nvSpPr>
+          <p:cNvPr id="28679" name="WordArt 7"/>
+          <p:cNvSpPr>
+            <a:spLocks noChangeArrowheads="1" noChangeShapeType="1" noTextEdit="1"/>
+          </p:cNvSpPr>
+          <p:nvPr/>
+        </p:nvSpPr>
+        <p:spPr bwMode="gray">
+          <a:xfrm>
+            <a:off x="4800600" y="3124200"/>
+            <a:ext cx="3810000" cy="609600"/>
+          </a:xfrm>
+          <a:prstGeom prst="rect">
+            <a:avLst/>
+          </a:prstGeom>
+        </p:spPr>
+        <p:txBody>
+          <a:bodyPr wrap="none" fromWordArt="1">
+            <a:prstTxWarp prst="textDeflate">
+              <a:avLst>
+                <a:gd name="adj" fmla="val 0"/>
+              </a:avLst>
+            </a:prstTxWarp>
+          </a:bodyPr>
+          <a:lstStyle/>
+          <a:p>
+            <a:pPr algn="ctr"/>
+            <a:r>
+              <a:rPr lang="en-US" sz="5400" b="1" kern="10" dirty="0" smtClean="0">
+                <a:ln w="28575">
+                  <a:solidFill>
+                    <a:schemeClr val="tx1"/>
+                  </a:solidFill>
+                  <a:round/>
+                  <a:headEnd/>
+                  <a:tailEnd/>
+                </a:ln>
+                <a:gradFill rotWithShape="1">
+                  <a:gsLst>
+                    <a:gs pos="0">
+                      <a:schemeClr val="bg1"/>
+                    </a:gs>
+                    <a:gs pos="100000">
+                      <a:schemeClr val="accent2"/>
+                    </a:gs>
+                  </a:gsLst>
+                  <a:lin ang="5400000" scaled="1"/>
+                </a:gradFill>
+                <a:effectLst>
+                  <a:outerShdw dist="107763" dir="2700000" algn="ctr" rotWithShape="0">
+                    <a:srgbClr val="000000">
+                      <a:alpha val="50000"/>
+                    </a:srgbClr>
+                  </a:outerShdw>
+                </a:effectLst>
+                <a:latin typeface="Verdana"/>
+                <a:ea typeface="Verdana"/>
+                <a:cs typeface="Verdana"/>
+              </a:rPr>
+              <a:t>Xin cám ơn!</a:t>
+            </a:r>
+            <a:endParaRPr lang="en-US" sz="5400" b="1" kern="10" dirty="0">
+              <a:ln w="28575">
+                <a:solidFill>
+                  <a:schemeClr val="tx1"/>
+                </a:solidFill>
+                <a:round/>
+                <a:headEnd/>
+                <a:tailEnd/>
+              </a:ln>
+              <a:gradFill rotWithShape="1">
+                <a:gsLst>
+                  <a:gs pos="0">
+                    <a:schemeClr val="bg1"/>
+                  </a:gs>
+                  <a:gs pos="100000">
+                    <a:schemeClr val="accent2"/>
+                  </a:gs>
+                </a:gsLst>
+                <a:lin ang="5400000" scaled="1"/>
+              </a:gradFill>
+              <a:effectLst>
+                <a:outerShdw dist="107763" dir="2700000" algn="ctr" rotWithShape="0">
+                  <a:srgbClr val="000000">
+                    <a:alpha val="50000"/>
+                  </a:srgbClr>
+                </a:outerShdw>
+              </a:effectLst>
+              <a:latin typeface="Verdana"/>
+              <a:ea typeface="Verdana"/>
+              <a:cs typeface="Verdana"/>
+            </a:endParaRPr>
+          </a:p>
+        </p:txBody>
+      </p:sp>
+    </p:spTree>
+  </p:cSld>
+  <p:clrMapOvr>
+    <a:masterClrMapping/>
+  </p:clrMapOvr>
+  <p:timing>
+    <p:tnLst>
+      <p:par>
+        <p:cTn id="1" dur="indefinite" restart="never" nodeType="tmRoot"/>
+      </p:par>
+    </p:tnLst>
+  </p:timing>
+</p:sld>
+</file>
+
 <file path=ppt/slides/slide3.xml><?xml version="1.0" encoding="utf-8"?>
 <p:sld xmlns:a="http://schemas.openxmlformats.org/drawingml/2006/main" xmlns:r="http://schemas.openxmlformats.org/officeDocument/2006/relationships" xmlns:p="http://schemas.openxmlformats.org/presentationml/2006/main">
   <p:cSld>
@@ -7390,39 +8780,19 @@
           <a:p>
             <a:r>
               <a:rPr lang="en-US" dirty="0" smtClean="0"/>
-              <a:t>Câu hỏi người dùng dưới dạng ngôn ngữ tự nhiên. Ngôn ngữ này máy không thể hiểu được</a:t>
-            </a:r>
+              <a:t>Câu hỏi người dùng dưới dạng ngôn ngữ tự nhiên. Ngôn ngữ này máy không thể hiểu được.</a:t>
+            </a:r>
+          </a:p>
+          <a:p>
             <a:r>
               <a:rPr lang="en-US" dirty="0" smtClean="0"/>
-              <a:t>.</a:t>
+              <a:t>Xử lý ngôn ngữ tự nhiên được áp dụng cho nhiều bài toán: nhận dạng chữ viết, nhận dạng tiếng nói, dịch tự động, tìm kiếm thông tin [1].  </a:t>
             </a:r>
           </a:p>
           <a:p>
             <a:r>
               <a:rPr lang="en-US" dirty="0" smtClean="0"/>
-              <a:t>Xử lý ngôn ngữ tự nhiên được áp dụng cho nhiều bài toán: nhận dạng chữ viết, nhận dạng tiếng nói, dịch tự động, tìm kiếm thông </a:t>
-            </a:r>
-            <a:r>
-              <a:rPr lang="en-US" dirty="0" smtClean="0"/>
-              <a:t>tin [1].  </a:t>
-            </a:r>
-          </a:p>
-          <a:p>
-            <a:r>
-              <a:rPr lang="en-US" dirty="0" smtClean="0"/>
-              <a:t>Câu </a:t>
-            </a:r>
-            <a:r>
-              <a:rPr lang="en-US" dirty="0" smtClean="0"/>
-              <a:t>hỏi tự nhiên </a:t>
-            </a:r>
-            <a:r>
-              <a:rPr lang="en-US" dirty="0" smtClean="0"/>
-              <a:t>phải </a:t>
-            </a:r>
-            <a:r>
-              <a:rPr lang="en-US" dirty="0" smtClean="0"/>
-              <a:t>được biến đổi thành một dạng ngôn ngữ máy có thể hiểu được</a:t>
+              <a:t>Câu hỏi tự nhiên phải được biến đổi thành một dạng ngôn ngữ máy có thể hiểu được</a:t>
             </a:r>
             <a:endParaRPr lang="en-US" dirty="0"/>
           </a:p>
@@ -7500,11 +8870,7 @@
           <a:p>
             <a:r>
               <a:rPr lang="en-US" dirty="0" smtClean="0"/>
-              <a:t>Phương </a:t>
-            </a:r>
-            <a:r>
-              <a:rPr lang="en-US" dirty="0" smtClean="0"/>
-              <a:t>pháp xây dựng đồ thị ý niệm của Wael Salloum [2], câu hỏi có thể được miêu tả dưới dạng đồ thị. Các nút của đồ thị được liên kết với nhau bởi mối quan hệ ngữ nghĩa.</a:t>
+              <a:t>Phương pháp xây dựng đồ thị ý niệm của Wael Salloum [2], câu hỏi có thể được miêu tả dưới dạng đồ thị. Các nút của đồ thị được liên kết với nhau bởi mối quan hệ ngữ nghĩa.</a:t>
             </a:r>
             <a:endParaRPr lang="en-US" dirty="0"/>
           </a:p>
@@ -7643,47 +9009,19 @@
           <a:p>
             <a:r>
               <a:rPr lang="en-US" dirty="0" smtClean="0"/>
-              <a:t>Phương </a:t>
-            </a:r>
+              <a:t>Phương pháp dịch câu truy vấn sang đồ thị ý niệm mà không dựa trên việc phân tích cú pháp câu [5], Cao Duy Trường.</a:t>
+            </a:r>
+          </a:p>
+          <a:p>
             <a:r>
               <a:rPr lang="en-US" dirty="0" smtClean="0"/>
-              <a:t>pháp dịch câu truy vấn sang đồ thị ý niệm mà không dựa trên việc phân tích cú pháp </a:t>
-            </a:r>
+              <a:t>Xây dựng dựa trên việc nhận diện các thực thể đặt tên, không đặt tên và từ quan hệ.</a:t>
+            </a:r>
+          </a:p>
+          <a:p>
             <a:r>
               <a:rPr lang="en-US" dirty="0" smtClean="0"/>
-              <a:t>câu [5], Cao Duy Trường.</a:t>
-            </a:r>
-          </a:p>
-          <a:p>
-            <a:r>
-              <a:rPr lang="en-US" dirty="0" smtClean="0"/>
-              <a:t>Xây </a:t>
-            </a:r>
-            <a:r>
-              <a:rPr lang="en-US" dirty="0" smtClean="0"/>
-              <a:t>dựng dựa trên việc nhận diện các thực thể đặt tên, không đặt tên và từ quan </a:t>
-            </a:r>
-            <a:r>
-              <a:rPr lang="en-US" dirty="0" smtClean="0"/>
-              <a:t>hệ.</a:t>
-            </a:r>
-          </a:p>
-          <a:p>
-            <a:r>
-              <a:rPr lang="en-US" dirty="0" smtClean="0"/>
-              <a:t>Công cụ </a:t>
-            </a:r>
-            <a:r>
-              <a:rPr lang="en-US" dirty="0" smtClean="0"/>
-              <a:t>sử </a:t>
-            </a:r>
-            <a:r>
-              <a:rPr lang="en-US" dirty="0" smtClean="0"/>
-              <a:t>dụng </a:t>
-            </a:r>
-            <a:r>
-              <a:rPr lang="en-US" dirty="0" smtClean="0"/>
-              <a:t>là GATE (Gazetteer,OCAT).</a:t>
+              <a:t>Công cụ sử dụng là GATE (Gazetteer,OCAT).</a:t>
             </a:r>
           </a:p>
           <a:p>
@@ -7762,45 +9100,13 @@
           <a:p>
             <a:r>
               <a:rPr lang="en-US" dirty="0" smtClean="0"/>
-              <a:t>Hệ </a:t>
-            </a:r>
+              <a:t>Hệ thống eLSSNL (eLibrary Searching System by Natural Language) [7].</a:t>
+            </a:r>
+          </a:p>
+          <a:p>
             <a:r>
               <a:rPr lang="en-US" dirty="0" smtClean="0"/>
-              <a:t>thống </a:t>
-            </a:r>
-            <a:r>
-              <a:rPr lang="en-US" dirty="0" smtClean="0"/>
-              <a:t>eLSSNL (</a:t>
-            </a:r>
-            <a:r>
-              <a:rPr lang="en-US" dirty="0" smtClean="0"/>
-              <a:t>eLibrary Searching System by Natural </a:t>
-            </a:r>
-            <a:r>
-              <a:rPr lang="en-US" dirty="0" smtClean="0"/>
-              <a:t>Language) [7].</a:t>
-            </a:r>
-          </a:p>
-          <a:p>
-            <a:r>
-              <a:rPr lang="en-US" dirty="0" smtClean="0"/>
-              <a:t>Từ câu </a:t>
-            </a:r>
-            <a:r>
-              <a:rPr lang="en-US" dirty="0" smtClean="0"/>
-              <a:t>truy vấn tự nhiên của người </a:t>
-            </a:r>
-            <a:r>
-              <a:rPr lang="en-US" dirty="0" smtClean="0"/>
-              <a:t>dùng, hệ thống nhận </a:t>
-            </a:r>
-            <a:r>
-              <a:rPr lang="en-US" dirty="0" smtClean="0"/>
-              <a:t>dạng các giá trị </a:t>
-            </a:r>
-            <a:r>
-              <a:rPr lang="en-US" dirty="0" smtClean="0"/>
-              <a:t>tương </a:t>
+              <a:t>Từ câu truy vấn tự nhiên của người dùng, hệ thống nhận dạng các giá trị tương </a:t>
             </a:r>
             <a:r>
               <a:rPr lang="vi-VN" dirty="0" smtClean="0"/>
@@ -7812,11 +9118,7 @@
             </a:r>
             <a:r>
               <a:rPr lang="vi-VN" dirty="0" smtClean="0"/>
-              <a:t>bảng </a:t>
-            </a:r>
-            <a:r>
-              <a:rPr lang="vi-VN" dirty="0" smtClean="0"/>
-              <a:t>trong cơ sở d</a:t>
+              <a:t>bảng trong cơ sở d</a:t>
             </a:r>
             <a:r>
               <a:rPr lang="en-US" dirty="0" smtClean="0"/>
@@ -7824,11 +9126,7 @@
             </a:r>
             <a:r>
               <a:rPr lang="vi-VN" dirty="0" smtClean="0"/>
-              <a:t> </a:t>
-            </a:r>
-            <a:r>
-              <a:rPr lang="vi-VN" dirty="0" smtClean="0"/>
-              <a:t>liệu</a:t>
+              <a:t> liệu</a:t>
             </a:r>
             <a:r>
               <a:rPr lang="en-US" dirty="0" smtClean="0"/>
@@ -7842,11 +9140,7 @@
             </a:r>
             <a:r>
               <a:rPr lang="vi-VN" dirty="0" smtClean="0"/>
-              <a:t>ệ </a:t>
-            </a:r>
-            <a:r>
-              <a:rPr lang="vi-VN" dirty="0" smtClean="0"/>
-              <a:t>thống này sử dụng dữ liệu </a:t>
+              <a:t>ệ thống này sử dụng dữ liệu </a:t>
             </a:r>
             <a:r>
               <a:rPr lang="en-US" dirty="0" smtClean="0"/>
@@ -7858,13 +9152,8 @@
             </a:r>
             <a:r>
               <a:rPr lang="en-US" dirty="0" smtClean="0"/>
-              <a:t>33,000 ebooks miễn phí. </a:t>
-            </a:r>
-            <a:r>
-              <a:rPr lang="en-US" dirty="0" smtClean="0"/>
-              <a:t>[10]</a:t>
-            </a:r>
-            <a:endParaRPr lang="en-US" dirty="0" smtClean="0"/>
+              <a:t>33,000 ebooks miễn phí. [10]</a:t>
+            </a:r>
           </a:p>
           <a:p>
             <a:endParaRPr lang="en-US" dirty="0"/>
@@ -8040,6 +9329,18 @@
         <p:txBody>
           <a:bodyPr/>
           <a:lstStyle/>
+          <a:p>
+            <a:pPr marL="342900" lvl="1" indent="-342900">
+              <a:buClr>
+                <a:schemeClr val="tx2"/>
+              </a:buClr>
+              <a:buSzPct val="115000"/>
+            </a:pPr>
+            <a:r>
+              <a:rPr lang="en-US" b="1" dirty="0" smtClean="0"/>
+              <a:t>Phương pháp đề xuất 1:</a:t>
+            </a:r>
+          </a:p>
           <a:p>
             <a:pPr marL="342900" lvl="1" indent="-342900">
               <a:buClr>

--- a/De Cuong/bao cao 22-10-2010.pptx
+++ b/De Cuong/bao cao 22-10-2010.pptx
@@ -5,7 +5,7 @@
     <p:sldMasterId id="2147483648" r:id="rId1"/>
   </p:sldMasterIdLst>
   <p:notesMasterIdLst>
-    <p:notesMasterId r:id="rId26"/>
+    <p:notesMasterId r:id="rId23"/>
   </p:notesMasterIdLst>
   <p:sldIdLst>
     <p:sldId id="258" r:id="rId2"/>
@@ -26,12 +26,9 @@
     <p:sldId id="308" r:id="rId17"/>
     <p:sldId id="302" r:id="rId18"/>
     <p:sldId id="303" r:id="rId19"/>
-    <p:sldId id="309" r:id="rId20"/>
-    <p:sldId id="310" r:id="rId21"/>
-    <p:sldId id="311" r:id="rId22"/>
-    <p:sldId id="288" r:id="rId23"/>
-    <p:sldId id="289" r:id="rId24"/>
-    <p:sldId id="267" r:id="rId25"/>
+    <p:sldId id="288" r:id="rId20"/>
+    <p:sldId id="289" r:id="rId21"/>
+    <p:sldId id="267" r:id="rId22"/>
   </p:sldIdLst>
   <p:sldSz cx="9144000" cy="6858000" type="screen4x3"/>
   <p:notesSz cx="6858000" cy="9144000"/>
@@ -246,7 +243,7 @@
             <a:fld id="{3B14A4C4-CD5F-4363-9455-E1F0DAF53B53}" type="datetimeFigureOut">
               <a:rPr lang="en-US" smtClean="0"/>
               <a:pPr/>
-              <a:t>10/24/2010</a:t>
+              <a:t>10/26/2010</a:t>
             </a:fld>
             <a:endParaRPr lang="en-US"/>
           </a:p>
@@ -5435,6 +5432,7 @@
             <a:endParaRPr lang="en-US" sz="2400" dirty="0" smtClean="0"/>
           </a:p>
           <a:p>
+            <a:pPr lvl="1"/>
             <a:r>
               <a:rPr lang="en-US" dirty="0" smtClean="0"/>
               <a:t>WP + VBP + NN </a:t>
@@ -5449,9 +5447,10 @@
               <a:rPr lang="en-US" dirty="0" smtClean="0"/>
               <a:t> &lt;WP,VBP, NN&gt;</a:t>
             </a:r>
-            <a:endParaRPr lang="en-US" sz="2400" dirty="0" smtClean="0"/>
-          </a:p>
-          <a:p>
+            <a:endParaRPr lang="en-US" sz="2000" dirty="0" smtClean="0"/>
+          </a:p>
+          <a:p>
+            <a:pPr lvl="1"/>
             <a:r>
               <a:rPr lang="en-US" dirty="0" smtClean="0"/>
               <a:t>WP+VBZ + VBP + NN </a:t>
@@ -5468,6 +5467,7 @@
             </a:r>
           </a:p>
           <a:p>
+            <a:pPr lvl="1"/>
             <a:r>
               <a:rPr lang="en-US" dirty="0" smtClean="0"/>
               <a:t>NN + of + NN </a:t>
@@ -5484,6 +5484,7 @@
             </a:r>
           </a:p>
           <a:p>
+            <a:pPr lvl="1"/>
             <a:r>
               <a:rPr lang="en-US" dirty="0" smtClean="0"/>
               <a:t>...</a:t>
@@ -6264,10 +6265,18 @@
           <a:lstStyle/>
           <a:p>
             <a:r>
+              <a:rPr lang="en-US" dirty="0" err="1" smtClean="0"/>
+              <a:t>Tham</a:t>
+            </a:r>
+            <a:r>
               <a:rPr lang="en-US" dirty="0" smtClean="0"/>
-              <a:t>Các bước đề xuất cho việc xử lý câu hỏi</a:t>
-            </a:r>
-            <a:endParaRPr lang="en-US" dirty="0"/>
+              <a:t> </a:t>
+            </a:r>
+            <a:r>
+              <a:rPr lang="en-US" smtClean="0"/>
+              <a:t>khảo</a:t>
+            </a:r>
+            <a:endParaRPr lang="en-US"/>
           </a:p>
         </p:txBody>
       </p:sp>
@@ -6287,51 +6296,65 @@
           <a:lstStyle/>
           <a:p>
             <a:r>
-              <a:rPr lang="en-US" dirty="0" smtClean="0"/>
-              <a:t>Phương pháp đề xuất 2:</a:t>
-            </a:r>
-          </a:p>
-          <a:p>
-            <a:pPr lvl="1"/>
-            <a:r>
-              <a:rPr lang="en-US" dirty="0" smtClean="0"/>
-              <a:t>Áp dụng lại phương pháp xử lý câu truy vấn trong hệ thống eLSSNL của tài liệu [7]</a:t>
-            </a:r>
-          </a:p>
-          <a:p>
-            <a:pPr lvl="1"/>
-            <a:r>
-              <a:rPr lang="en-US" dirty="0" smtClean="0"/>
-              <a:t>Bổ sung và thay đổi một số bước</a:t>
-            </a:r>
-          </a:p>
-          <a:p>
-            <a:pPr lvl="2"/>
-            <a:r>
-              <a:rPr lang="en-US" dirty="0" smtClean="0"/>
-              <a:t>Áp dụng thêm GATE để nhận diện các giá trị thuộc tính</a:t>
-            </a:r>
-          </a:p>
-          <a:p>
-            <a:pPr lvl="2"/>
-            <a:r>
-              <a:rPr lang="en-US" dirty="0" smtClean="0"/>
-              <a:t>Xác định lớp của câu hỏi =&gt; xác định đối tượng câu hỏi. </a:t>
-            </a:r>
-            <a:r>
-              <a:rPr lang="en-US" smtClean="0"/>
-              <a:t>Vì người dùng không chỉ muốn hỏi về thông tin bài báo mà còn muốn biết về tác giả, nhà xuất bản.</a:t>
-            </a:r>
-          </a:p>
-          <a:p>
-            <a:pPr lvl="2"/>
-            <a:r>
-              <a:rPr lang="en-US" dirty="0" smtClean="0"/>
-              <a:t>Vd: Who released books in 2010 . Đối tượng của câu hỏi này là các nhà xuất bản trong năm 2010.</a:t>
-            </a:r>
-          </a:p>
-          <a:p>
-            <a:pPr lvl="1"/>
+              <a:rPr lang="en-US" sz="2400" dirty="0" smtClean="0">
+                <a:latin typeface="Times New Roman" pitchFamily="18" charset="0"/>
+                <a:cs typeface="Times New Roman" pitchFamily="18" charset="0"/>
+              </a:rPr>
+              <a:t>[1] </a:t>
+            </a:r>
+            <a:r>
+              <a:rPr lang="en-US" sz="2400" u="sng" dirty="0" smtClean="0">
+                <a:latin typeface="Times New Roman" pitchFamily="18" charset="0"/>
+                <a:cs typeface="Times New Roman" pitchFamily="18" charset="0"/>
+                <a:hlinkClick r:id="rId2"/>
+              </a:rPr>
+              <a:t>http://vi.wikipedia.org/wiki/X%E1%BB%AD_l%C3%BD_ng%C3%B4n_ng%E1%BB%AF_t%E1%BB%B1_nhi%C3%AAn</a:t>
+            </a:r>
+            <a:r>
+              <a:rPr lang="en-US" sz="2400" dirty="0" smtClean="0">
+                <a:latin typeface="Times New Roman" pitchFamily="18" charset="0"/>
+                <a:cs typeface="Times New Roman" pitchFamily="18" charset="0"/>
+              </a:rPr>
+              <a:t> </a:t>
+            </a:r>
+          </a:p>
+          <a:p>
+            <a:r>
+              <a:rPr lang="en-US" sz="2400" dirty="0" smtClean="0">
+                <a:latin typeface="Times New Roman" pitchFamily="18" charset="0"/>
+                <a:cs typeface="Times New Roman" pitchFamily="18" charset="0"/>
+              </a:rPr>
+              <a:t> [2] “A Question Answering System based on Conceptual Graph Formalism”, Wael Salloum , 2009.</a:t>
+            </a:r>
+          </a:p>
+          <a:p>
+            <a:r>
+              <a:rPr lang="en-US" sz="2400" dirty="0" smtClean="0">
+                <a:latin typeface="Times New Roman" pitchFamily="18" charset="0"/>
+                <a:cs typeface="Times New Roman" pitchFamily="18" charset="0"/>
+              </a:rPr>
+              <a:t>[3] “Automatic Question Pattern Generation for Ontology-based Question”, Shiyan Ou, Constantin Orasan, Dalila Mekhaldi and Laura Hasler, 2008.</a:t>
+            </a:r>
+          </a:p>
+          <a:p>
+            <a:r>
+              <a:rPr lang="en-US" sz="2400" dirty="0" smtClean="0">
+                <a:latin typeface="Times New Roman" pitchFamily="18" charset="0"/>
+                <a:cs typeface="Times New Roman" pitchFamily="18" charset="0"/>
+              </a:rPr>
+              <a:t>[4] “Xây dựng công cụ tìm kiếm tài liệu học tập bằng các truy vấn ngôn ngữ tự nhiên  trên kho học liệu mở tiếng Việt”, Lương Quý Tịnh Hà, 2009.</a:t>
+            </a:r>
+          </a:p>
+          <a:p>
+            <a:r>
+              <a:rPr lang="en-US" sz="2400" dirty="0" smtClean="0">
+                <a:latin typeface="Times New Roman" pitchFamily="18" charset="0"/>
+                <a:cs typeface="Times New Roman" pitchFamily="18" charset="0"/>
+              </a:rPr>
+              <a:t>[5] “ Dịch câu truy vấn có cấu trúc sang đồ thị ý niệm: cách tiếp cận ít phụ thuộc vào cú pháp”, Cao Duy Trường, 2008.</a:t>
+            </a:r>
+          </a:p>
+          <a:p>
             <a:endParaRPr lang="en-US" dirty="0"/>
           </a:p>
         </p:txBody>
@@ -6341,6 +6364,13 @@
   <p:clrMapOvr>
     <a:masterClrMapping/>
   </p:clrMapOvr>
+  <p:timing>
+    <p:tnLst>
+      <p:par>
+        <p:cTn id="1" dur="indefinite" restart="never" nodeType="tmRoot"/>
+      </p:par>
+    </p:tnLst>
+  </p:timing>
 </p:sld>
 </file>
 
@@ -8081,7 +8111,7 @@
           <a:p>
             <a:r>
               <a:rPr lang="en-US" dirty="0" smtClean="0"/>
-              <a:t>Các bước đề xuất cho việc xử lý câu hỏi</a:t>
+              <a:t>Tham khảo</a:t>
             </a:r>
             <a:endParaRPr lang="en-US" dirty="0"/>
           </a:p>
@@ -8103,33 +8133,112 @@
           <a:lstStyle/>
           <a:p>
             <a:r>
-              <a:rPr lang="en-US" dirty="0" smtClean="0"/>
-              <a:t>Lập danh sách các giá trị miền của một số thuộc tính bỏ vào trong </a:t>
-            </a:r>
-            <a:r>
-              <a:rPr lang="en-US" i="1" dirty="0" smtClean="0"/>
-              <a:t>Gazetteer</a:t>
-            </a:r>
-            <a:endParaRPr lang="en-US" dirty="0" smtClean="0"/>
-          </a:p>
-          <a:p>
-            <a:r>
-              <a:rPr lang="en-US" i="1" dirty="0" smtClean="0"/>
-              <a:t>Gazetteer là một công cụ của GATE [12] dùng để nhận diện thực thể đặt tên.</a:t>
-            </a:r>
-          </a:p>
-          <a:p>
-            <a:r>
-              <a:rPr lang="en-US" i="1" dirty="0" smtClean="0"/>
-              <a:t>Các giá trị miền có thể bỏ vào Gazetteer: publisher, source, year, author.</a:t>
-            </a:r>
-          </a:p>
-          <a:p>
-            <a:r>
-              <a:rPr lang="en-US" i="1" dirty="0" smtClean="0"/>
-              <a:t>Thuộc tính title có số lượng record trong database DBLP quá lớn nên không thể bỏ vào Gazetteer nên sẽ ánh xạ trực tiếp vào database.</a:t>
-            </a:r>
-            <a:endParaRPr lang="en-US" dirty="0"/>
+              <a:rPr lang="en-US" sz="2400" dirty="0" smtClean="0">
+                <a:latin typeface="Times New Roman" pitchFamily="18" charset="0"/>
+                <a:cs typeface="Times New Roman" pitchFamily="18" charset="0"/>
+              </a:rPr>
+              <a:t>[6] “An Ontology based Question Answering System on Software Test Document Domain”, Meltem Serhatli and Ferda N. Alpaslan, 2009.</a:t>
+            </a:r>
+          </a:p>
+          <a:p>
+            <a:r>
+              <a:rPr lang="en-US" sz="2400" dirty="0" smtClean="0">
+                <a:latin typeface="Times New Roman" pitchFamily="18" charset="0"/>
+                <a:cs typeface="Times New Roman" pitchFamily="18" charset="0"/>
+              </a:rPr>
+              <a:t>[7] “Xây dựng hệ thống tra cứu thư viện điện tử bằng ngôn ngữ tự nhiên”, Đỗ Thị Thanh Tuyền, 2008.</a:t>
+            </a:r>
+          </a:p>
+          <a:p>
+            <a:r>
+              <a:rPr lang="en-US" sz="2400" dirty="0" smtClean="0">
+                <a:latin typeface="Times New Roman" pitchFamily="18" charset="0"/>
+                <a:cs typeface="Times New Roman" pitchFamily="18" charset="0"/>
+              </a:rPr>
+              <a:t>[8] </a:t>
+            </a:r>
+            <a:r>
+              <a:rPr lang="en-US" sz="2400" u="sng" dirty="0" smtClean="0">
+                <a:latin typeface="Times New Roman" pitchFamily="18" charset="0"/>
+                <a:cs typeface="Times New Roman" pitchFamily="18" charset="0"/>
+                <a:hlinkClick r:id="rId2"/>
+              </a:rPr>
+              <a:t>http://gate.ac.uk/</a:t>
+            </a:r>
+            <a:r>
+              <a:rPr lang="en-US" sz="2400" dirty="0" smtClean="0">
+                <a:latin typeface="Times New Roman" pitchFamily="18" charset="0"/>
+                <a:cs typeface="Times New Roman" pitchFamily="18" charset="0"/>
+              </a:rPr>
+              <a:t> </a:t>
+            </a:r>
+          </a:p>
+          <a:p>
+            <a:r>
+              <a:rPr lang="en-US" sz="2400" dirty="0" smtClean="0">
+                <a:latin typeface="Times New Roman" pitchFamily="18" charset="0"/>
+                <a:cs typeface="Times New Roman" pitchFamily="18" charset="0"/>
+              </a:rPr>
+              <a:t>[9] </a:t>
+            </a:r>
+            <a:r>
+              <a:rPr lang="en-US" sz="2400" u="sng" dirty="0" smtClean="0">
+                <a:latin typeface="Times New Roman" pitchFamily="18" charset="0"/>
+                <a:cs typeface="Times New Roman" pitchFamily="18" charset="0"/>
+                <a:hlinkClick r:id="rId3"/>
+              </a:rPr>
+              <a:t>http://en.wikipedia.org/wiki/Named_entity_recognition</a:t>
+            </a:r>
+            <a:endParaRPr lang="en-US" sz="2400" dirty="0" smtClean="0">
+              <a:latin typeface="Times New Roman" pitchFamily="18" charset="0"/>
+              <a:cs typeface="Times New Roman" pitchFamily="18" charset="0"/>
+            </a:endParaRPr>
+          </a:p>
+          <a:p>
+            <a:r>
+              <a:rPr lang="en-US" sz="2400" dirty="0" smtClean="0">
+                <a:latin typeface="Times New Roman" pitchFamily="18" charset="0"/>
+                <a:cs typeface="Times New Roman" pitchFamily="18" charset="0"/>
+              </a:rPr>
+              <a:t>[10] </a:t>
+            </a:r>
+            <a:r>
+              <a:rPr lang="en-US" sz="2400" u="sng" dirty="0" smtClean="0">
+                <a:latin typeface="Times New Roman" pitchFamily="18" charset="0"/>
+                <a:cs typeface="Times New Roman" pitchFamily="18" charset="0"/>
+                <a:hlinkClick r:id="rId4"/>
+              </a:rPr>
+              <a:t>http://www.gutenberg.org/wiki/Main_Page</a:t>
+            </a:r>
+            <a:r>
+              <a:rPr lang="en-US" sz="2400" dirty="0" smtClean="0">
+                <a:latin typeface="Times New Roman" pitchFamily="18" charset="0"/>
+                <a:cs typeface="Times New Roman" pitchFamily="18" charset="0"/>
+              </a:rPr>
+              <a:t> </a:t>
+            </a:r>
+          </a:p>
+          <a:p>
+            <a:r>
+              <a:rPr lang="en-US" sz="2400" dirty="0" smtClean="0">
+                <a:latin typeface="Times New Roman" pitchFamily="18" charset="0"/>
+                <a:cs typeface="Times New Roman" pitchFamily="18" charset="0"/>
+              </a:rPr>
+              <a:t>[11] http://en.wikipedia.org/wiki/Stemming</a:t>
+            </a:r>
+          </a:p>
+          <a:p>
+            <a:r>
+              <a:rPr lang="en-US" sz="2400" dirty="0" smtClean="0">
+                <a:latin typeface="Times New Roman" pitchFamily="18" charset="0"/>
+                <a:cs typeface="Times New Roman" pitchFamily="18" charset="0"/>
+              </a:rPr>
+              <a:t>[12] http://gate.ac.uk/gate/doc/plugins.html</a:t>
+            </a:r>
+            <a:endParaRPr lang="en-US" sz="2400" dirty="0">
+              <a:latin typeface="Times New Roman" pitchFamily="18" charset="0"/>
+              <a:cs typeface="Times New Roman" pitchFamily="18" charset="0"/>
+            </a:endParaRPr>
           </a:p>
         </p:txBody>
       </p:sp>
@@ -8142,415 +8251,6 @@
 </file>
 
 <file path=ppt/slides/slide21.xml><?xml version="1.0" encoding="utf-8"?>
-<p:sld xmlns:a="http://schemas.openxmlformats.org/drawingml/2006/main" xmlns:r="http://schemas.openxmlformats.org/officeDocument/2006/relationships" xmlns:p="http://schemas.openxmlformats.org/presentationml/2006/main">
-  <p:cSld>
-    <p:spTree>
-      <p:nvGrpSpPr>
-        <p:cNvPr id="1" name=""/>
-        <p:cNvGrpSpPr/>
-        <p:nvPr/>
-      </p:nvGrpSpPr>
-      <p:grpSpPr>
-        <a:xfrm>
-          <a:off x="0" y="0"/>
-          <a:ext cx="0" cy="0"/>
-          <a:chOff x="0" y="0"/>
-          <a:chExt cx="0" cy="0"/>
-        </a:xfrm>
-      </p:grpSpPr>
-      <p:sp>
-        <p:nvSpPr>
-          <p:cNvPr id="2" name="Title 1"/>
-          <p:cNvSpPr>
-            <a:spLocks noGrp="1"/>
-          </p:cNvSpPr>
-          <p:nvPr>
-            <p:ph type="title"/>
-          </p:nvPr>
-        </p:nvSpPr>
-        <p:spPr/>
-        <p:txBody>
-          <a:bodyPr/>
-          <a:lstStyle/>
-          <a:p>
-            <a:r>
-              <a:rPr lang="en-US" dirty="0" smtClean="0"/>
-              <a:t>Các bước đề xuất cho việc xử lý câu hỏi</a:t>
-            </a:r>
-            <a:endParaRPr lang="en-US" dirty="0"/>
-          </a:p>
-        </p:txBody>
-      </p:sp>
-      <p:sp>
-        <p:nvSpPr>
-          <p:cNvPr id="3" name="Content Placeholder 2"/>
-          <p:cNvSpPr>
-            <a:spLocks noGrp="1"/>
-          </p:cNvSpPr>
-          <p:nvPr>
-            <p:ph idx="1"/>
-          </p:nvPr>
-        </p:nvSpPr>
-        <p:spPr/>
-        <p:txBody>
-          <a:bodyPr/>
-          <a:lstStyle/>
-          <a:p>
-            <a:r>
-              <a:rPr lang="en-US" dirty="0" smtClean="0"/>
-              <a:t>Lập danh sách các giá trị miền của một số thuộc tính bỏ vào trong </a:t>
-            </a:r>
-            <a:r>
-              <a:rPr lang="en-US" i="1" dirty="0" smtClean="0"/>
-              <a:t>Gazetteer</a:t>
-            </a:r>
-            <a:endParaRPr lang="en-US" dirty="0" smtClean="0"/>
-          </a:p>
-          <a:p>
-            <a:r>
-              <a:rPr lang="en-US" i="1" dirty="0" smtClean="0"/>
-              <a:t>Gazetteer là một công cụ của GATE [12] dùng để nhận diện thực thể đặt tên.</a:t>
-            </a:r>
-          </a:p>
-          <a:p>
-            <a:r>
-              <a:rPr lang="en-US" i="1" dirty="0" smtClean="0"/>
-              <a:t>Các giá trị miền có thể bỏ vào Gazetteer: publisher, source, year, author.</a:t>
-            </a:r>
-          </a:p>
-          <a:p>
-            <a:r>
-              <a:rPr lang="en-US" i="1" dirty="0" smtClean="0"/>
-              <a:t>Thuộc tính title có số lượng record trong database DBLP quá lớn nên không thể bỏ vào Gazetteer nên sẽ ánh xạ trực tiếp vào database.</a:t>
-            </a:r>
-            <a:endParaRPr lang="en-US" dirty="0"/>
-          </a:p>
-        </p:txBody>
-      </p:sp>
-    </p:spTree>
-  </p:cSld>
-  <p:clrMapOvr>
-    <a:masterClrMapping/>
-  </p:clrMapOvr>
-</p:sld>
-</file>
-
-<file path=ppt/slides/slide22.xml><?xml version="1.0" encoding="utf-8"?>
-<p:sld xmlns:a="http://schemas.openxmlformats.org/drawingml/2006/main" xmlns:r="http://schemas.openxmlformats.org/officeDocument/2006/relationships" xmlns:p="http://schemas.openxmlformats.org/presentationml/2006/main">
-  <p:cSld>
-    <p:spTree>
-      <p:nvGrpSpPr>
-        <p:cNvPr id="1" name=""/>
-        <p:cNvGrpSpPr/>
-        <p:nvPr/>
-      </p:nvGrpSpPr>
-      <p:grpSpPr>
-        <a:xfrm>
-          <a:off x="0" y="0"/>
-          <a:ext cx="0" cy="0"/>
-          <a:chOff x="0" y="0"/>
-          <a:chExt cx="0" cy="0"/>
-        </a:xfrm>
-      </p:grpSpPr>
-      <p:sp>
-        <p:nvSpPr>
-          <p:cNvPr id="2" name="Title 1"/>
-          <p:cNvSpPr>
-            <a:spLocks noGrp="1"/>
-          </p:cNvSpPr>
-          <p:nvPr>
-            <p:ph type="title"/>
-          </p:nvPr>
-        </p:nvSpPr>
-        <p:spPr/>
-        <p:txBody>
-          <a:bodyPr/>
-          <a:lstStyle/>
-          <a:p>
-            <a:r>
-              <a:rPr lang="en-US" dirty="0" err="1" smtClean="0"/>
-              <a:t>Tham</a:t>
-            </a:r>
-            <a:r>
-              <a:rPr lang="en-US" dirty="0" smtClean="0"/>
-              <a:t> </a:t>
-            </a:r>
-            <a:r>
-              <a:rPr lang="en-US" smtClean="0"/>
-              <a:t>khảo</a:t>
-            </a:r>
-            <a:endParaRPr lang="en-US"/>
-          </a:p>
-        </p:txBody>
-      </p:sp>
-      <p:sp>
-        <p:nvSpPr>
-          <p:cNvPr id="3" name="Content Placeholder 2"/>
-          <p:cNvSpPr>
-            <a:spLocks noGrp="1"/>
-          </p:cNvSpPr>
-          <p:nvPr>
-            <p:ph idx="1"/>
-          </p:nvPr>
-        </p:nvSpPr>
-        <p:spPr/>
-        <p:txBody>
-          <a:bodyPr/>
-          <a:lstStyle/>
-          <a:p>
-            <a:r>
-              <a:rPr lang="en-US" sz="2400" dirty="0" smtClean="0">
-                <a:latin typeface="Times New Roman" pitchFamily="18" charset="0"/>
-                <a:cs typeface="Times New Roman" pitchFamily="18" charset="0"/>
-              </a:rPr>
-              <a:t>[1] </a:t>
-            </a:r>
-            <a:r>
-              <a:rPr lang="en-US" sz="2400" u="sng" dirty="0" smtClean="0">
-                <a:latin typeface="Times New Roman" pitchFamily="18" charset="0"/>
-                <a:cs typeface="Times New Roman" pitchFamily="18" charset="0"/>
-                <a:hlinkClick r:id="rId2"/>
-              </a:rPr>
-              <a:t>http://vi.wikipedia.org/wiki/X%E1%BB%AD_l%C3%BD_ng%C3%B4n_ng%E1%BB%AF_t%E1%BB%B1_nhi%C3%AAn</a:t>
-            </a:r>
-            <a:r>
-              <a:rPr lang="en-US" sz="2400" dirty="0" smtClean="0">
-                <a:latin typeface="Times New Roman" pitchFamily="18" charset="0"/>
-                <a:cs typeface="Times New Roman" pitchFamily="18" charset="0"/>
-              </a:rPr>
-              <a:t> </a:t>
-            </a:r>
-          </a:p>
-          <a:p>
-            <a:r>
-              <a:rPr lang="en-US" sz="2400" dirty="0" smtClean="0">
-                <a:latin typeface="Times New Roman" pitchFamily="18" charset="0"/>
-                <a:cs typeface="Times New Roman" pitchFamily="18" charset="0"/>
-              </a:rPr>
-              <a:t> [2] “A Question Answering System based on Conceptual Graph Formalism”, Wael Salloum , 2009.</a:t>
-            </a:r>
-          </a:p>
-          <a:p>
-            <a:r>
-              <a:rPr lang="en-US" sz="2400" dirty="0" smtClean="0">
-                <a:latin typeface="Times New Roman" pitchFamily="18" charset="0"/>
-                <a:cs typeface="Times New Roman" pitchFamily="18" charset="0"/>
-              </a:rPr>
-              <a:t>[3] “Automatic Question Pattern Generation for Ontology-based Question”, Shiyan Ou, Constantin Orasan, Dalila Mekhaldi and Laura Hasler, 2008.</a:t>
-            </a:r>
-          </a:p>
-          <a:p>
-            <a:r>
-              <a:rPr lang="en-US" sz="2400" dirty="0" smtClean="0">
-                <a:latin typeface="Times New Roman" pitchFamily="18" charset="0"/>
-                <a:cs typeface="Times New Roman" pitchFamily="18" charset="0"/>
-              </a:rPr>
-              <a:t>[4] “Xây dựng công cụ tìm kiếm tài liệu học tập bằng các truy vấn ngôn ngữ tự nhiên  trên kho học liệu mở tiếng Việt”, Lương Quý Tịnh Hà, 2009.</a:t>
-            </a:r>
-          </a:p>
-          <a:p>
-            <a:r>
-              <a:rPr lang="en-US" sz="2400" dirty="0" smtClean="0">
-                <a:latin typeface="Times New Roman" pitchFamily="18" charset="0"/>
-                <a:cs typeface="Times New Roman" pitchFamily="18" charset="0"/>
-              </a:rPr>
-              <a:t>[5] “ Dịch câu truy vấn có cấu trúc sang đồ thị ý niệm: cách tiếp cận ít phụ thuộc vào cú pháp”, Cao Duy Trường, 2008.</a:t>
-            </a:r>
-          </a:p>
-          <a:p>
-            <a:endParaRPr lang="en-US" dirty="0"/>
-          </a:p>
-        </p:txBody>
-      </p:sp>
-    </p:spTree>
-  </p:cSld>
-  <p:clrMapOvr>
-    <a:masterClrMapping/>
-  </p:clrMapOvr>
-  <p:timing>
-    <p:tnLst>
-      <p:par>
-        <p:cTn id="1" dur="indefinite" restart="never" nodeType="tmRoot"/>
-      </p:par>
-    </p:tnLst>
-  </p:timing>
-</p:sld>
-</file>
-
-<file path=ppt/slides/slide23.xml><?xml version="1.0" encoding="utf-8"?>
-<p:sld xmlns:a="http://schemas.openxmlformats.org/drawingml/2006/main" xmlns:r="http://schemas.openxmlformats.org/officeDocument/2006/relationships" xmlns:p="http://schemas.openxmlformats.org/presentationml/2006/main">
-  <p:cSld>
-    <p:spTree>
-      <p:nvGrpSpPr>
-        <p:cNvPr id="1" name=""/>
-        <p:cNvGrpSpPr/>
-        <p:nvPr/>
-      </p:nvGrpSpPr>
-      <p:grpSpPr>
-        <a:xfrm>
-          <a:off x="0" y="0"/>
-          <a:ext cx="0" cy="0"/>
-          <a:chOff x="0" y="0"/>
-          <a:chExt cx="0" cy="0"/>
-        </a:xfrm>
-      </p:grpSpPr>
-      <p:sp>
-        <p:nvSpPr>
-          <p:cNvPr id="2" name="Title 1"/>
-          <p:cNvSpPr>
-            <a:spLocks noGrp="1"/>
-          </p:cNvSpPr>
-          <p:nvPr>
-            <p:ph type="title"/>
-          </p:nvPr>
-        </p:nvSpPr>
-        <p:spPr/>
-        <p:txBody>
-          <a:bodyPr/>
-          <a:lstStyle/>
-          <a:p>
-            <a:r>
-              <a:rPr lang="en-US" dirty="0" smtClean="0"/>
-              <a:t>Tham khảo</a:t>
-            </a:r>
-            <a:endParaRPr lang="en-US" dirty="0"/>
-          </a:p>
-        </p:txBody>
-      </p:sp>
-      <p:sp>
-        <p:nvSpPr>
-          <p:cNvPr id="3" name="Content Placeholder 2"/>
-          <p:cNvSpPr>
-            <a:spLocks noGrp="1"/>
-          </p:cNvSpPr>
-          <p:nvPr>
-            <p:ph idx="1"/>
-          </p:nvPr>
-        </p:nvSpPr>
-        <p:spPr/>
-        <p:txBody>
-          <a:bodyPr/>
-          <a:lstStyle/>
-          <a:p>
-            <a:r>
-              <a:rPr lang="en-US" sz="2400" dirty="0" smtClean="0">
-                <a:latin typeface="Times New Roman" pitchFamily="18" charset="0"/>
-                <a:cs typeface="Times New Roman" pitchFamily="18" charset="0"/>
-              </a:rPr>
-              <a:t>[6] “An Ontology based Question Answering System on Software Test Document Domain”, Meltem Serhatli and Ferda N. Alpaslan, 2009.</a:t>
-            </a:r>
-          </a:p>
-          <a:p>
-            <a:r>
-              <a:rPr lang="en-US" sz="2400" dirty="0" smtClean="0">
-                <a:latin typeface="Times New Roman" pitchFamily="18" charset="0"/>
-                <a:cs typeface="Times New Roman" pitchFamily="18" charset="0"/>
-              </a:rPr>
-              <a:t>[7] “Xây dựng hệ thống tra cứu thư viện điện tử bằng ngôn ngữ tự nhiên”, Đỗ Thị Thanh Tuyền, 2008.</a:t>
-            </a:r>
-          </a:p>
-          <a:p>
-            <a:r>
-              <a:rPr lang="en-US" sz="2400" dirty="0" smtClean="0">
-                <a:latin typeface="Times New Roman" pitchFamily="18" charset="0"/>
-                <a:cs typeface="Times New Roman" pitchFamily="18" charset="0"/>
-              </a:rPr>
-              <a:t>[8] </a:t>
-            </a:r>
-            <a:r>
-              <a:rPr lang="en-US" sz="2400" u="sng" dirty="0" smtClean="0">
-                <a:latin typeface="Times New Roman" pitchFamily="18" charset="0"/>
-                <a:cs typeface="Times New Roman" pitchFamily="18" charset="0"/>
-                <a:hlinkClick r:id="rId2"/>
-              </a:rPr>
-              <a:t>http://gate.ac.uk/</a:t>
-            </a:r>
-            <a:r>
-              <a:rPr lang="en-US" sz="2400" dirty="0" smtClean="0">
-                <a:latin typeface="Times New Roman" pitchFamily="18" charset="0"/>
-                <a:cs typeface="Times New Roman" pitchFamily="18" charset="0"/>
-              </a:rPr>
-              <a:t> </a:t>
-            </a:r>
-          </a:p>
-          <a:p>
-            <a:r>
-              <a:rPr lang="en-US" sz="2400" dirty="0" smtClean="0">
-                <a:latin typeface="Times New Roman" pitchFamily="18" charset="0"/>
-                <a:cs typeface="Times New Roman" pitchFamily="18" charset="0"/>
-              </a:rPr>
-              <a:t>[9] </a:t>
-            </a:r>
-            <a:r>
-              <a:rPr lang="en-US" sz="2400" u="sng" dirty="0" smtClean="0">
-                <a:latin typeface="Times New Roman" pitchFamily="18" charset="0"/>
-                <a:cs typeface="Times New Roman" pitchFamily="18" charset="0"/>
-                <a:hlinkClick r:id="rId3"/>
-              </a:rPr>
-              <a:t>http://en.wikipedia.org/wiki/Named_entity_recognition</a:t>
-            </a:r>
-            <a:endParaRPr lang="en-US" sz="2400" dirty="0" smtClean="0">
-              <a:latin typeface="Times New Roman" pitchFamily="18" charset="0"/>
-              <a:cs typeface="Times New Roman" pitchFamily="18" charset="0"/>
-            </a:endParaRPr>
-          </a:p>
-          <a:p>
-            <a:r>
-              <a:rPr lang="en-US" sz="2400" dirty="0" smtClean="0">
-                <a:latin typeface="Times New Roman" pitchFamily="18" charset="0"/>
-                <a:cs typeface="Times New Roman" pitchFamily="18" charset="0"/>
-              </a:rPr>
-              <a:t>[10] </a:t>
-            </a:r>
-            <a:r>
-              <a:rPr lang="en-US" sz="2400" u="sng" dirty="0" smtClean="0">
-                <a:latin typeface="Times New Roman" pitchFamily="18" charset="0"/>
-                <a:cs typeface="Times New Roman" pitchFamily="18" charset="0"/>
-                <a:hlinkClick r:id="rId4"/>
-              </a:rPr>
-              <a:t>http://www.gutenberg.org/wiki/Main_Page</a:t>
-            </a:r>
-            <a:r>
-              <a:rPr lang="en-US" sz="2400" dirty="0" smtClean="0">
-                <a:latin typeface="Times New Roman" pitchFamily="18" charset="0"/>
-                <a:cs typeface="Times New Roman" pitchFamily="18" charset="0"/>
-              </a:rPr>
-              <a:t> </a:t>
-            </a:r>
-          </a:p>
-          <a:p>
-            <a:r>
-              <a:rPr lang="en-US" sz="2400" dirty="0" smtClean="0">
-                <a:latin typeface="Times New Roman" pitchFamily="18" charset="0"/>
-                <a:cs typeface="Times New Roman" pitchFamily="18" charset="0"/>
-              </a:rPr>
-              <a:t>[11] http://en.wikipedia.org/wiki/Stemming</a:t>
-            </a:r>
-          </a:p>
-          <a:p>
-            <a:r>
-              <a:rPr lang="en-US" sz="2400" dirty="0" smtClean="0">
-                <a:latin typeface="Times New Roman" pitchFamily="18" charset="0"/>
-                <a:cs typeface="Times New Roman" pitchFamily="18" charset="0"/>
-              </a:rPr>
-              <a:t>[12] http://gate.ac.uk/gate/doc/plugins.html</a:t>
-            </a:r>
-            <a:endParaRPr lang="en-US" sz="2400" dirty="0">
-              <a:latin typeface="Times New Roman" pitchFamily="18" charset="0"/>
-              <a:cs typeface="Times New Roman" pitchFamily="18" charset="0"/>
-            </a:endParaRPr>
-          </a:p>
-        </p:txBody>
-      </p:sp>
-    </p:spTree>
-  </p:cSld>
-  <p:clrMapOvr>
-    <a:masterClrMapping/>
-  </p:clrMapOvr>
-</p:sld>
-</file>
-
-<file path=ppt/slides/slide24.xml><?xml version="1.0" encoding="utf-8"?>
 <p:sld xmlns:a="http://schemas.openxmlformats.org/drawingml/2006/main" xmlns:r="http://schemas.openxmlformats.org/officeDocument/2006/relationships" xmlns:p="http://schemas.openxmlformats.org/presentationml/2006/main">
   <p:cSld>
     <p:spTree>
@@ -9013,18 +8713,21 @@
             </a:r>
           </a:p>
           <a:p>
+            <a:pPr lvl="1"/>
             <a:r>
               <a:rPr lang="en-US" dirty="0" smtClean="0"/>
               <a:t>Xây dựng dựa trên việc nhận diện các thực thể đặt tên, không đặt tên và từ quan hệ.</a:t>
             </a:r>
           </a:p>
           <a:p>
+            <a:pPr lvl="1"/>
             <a:r>
               <a:rPr lang="en-US" dirty="0" smtClean="0"/>
               <a:t>Công cụ sử dụng là GATE (Gazetteer,OCAT).</a:t>
             </a:r>
           </a:p>
           <a:p>
+            <a:pPr lvl="1"/>
             <a:r>
               <a:rPr lang="en-US" b="1" dirty="0" smtClean="0"/>
               <a:t>Kiểm thử trên tập TREC 2002 và 2007</a:t>
@@ -9104,6 +8807,7 @@
             </a:r>
           </a:p>
           <a:p>
+            <a:pPr lvl="1"/>
             <a:r>
               <a:rPr lang="en-US" dirty="0" smtClean="0"/>
               <a:t>Từ câu truy vấn tự nhiên của người dùng, hệ thống nhận dạng các giá trị tương </a:t>
@@ -9134,6 +8838,7 @@
             </a:r>
           </a:p>
           <a:p>
+            <a:pPr lvl="1"/>
             <a:r>
               <a:rPr lang="en-US" dirty="0" smtClean="0"/>
               <a:t>H</a:t>
@@ -9223,12 +8928,14 @@
           <a:bodyPr/>
           <a:lstStyle/>
           <a:p>
+            <a:pPr lvl="1"/>
             <a:r>
               <a:rPr lang="en-US" b="1" dirty="0" smtClean="0"/>
               <a:t>Sử dụng các chỉ định từ và các quy tắc cho từng thuộc tính</a:t>
             </a:r>
           </a:p>
           <a:p>
+            <a:pPr lvl="1"/>
             <a:r>
               <a:rPr lang="en-US" dirty="0" smtClean="0"/>
               <a:t>Ví dụ: </a:t>
@@ -9337,20 +9044,16 @@
               <a:buSzPct val="115000"/>
             </a:pPr>
             <a:r>
+              <a:rPr lang="en-US" b="1" dirty="0" err="1" smtClean="0"/>
+              <a:t>Xây</a:t>
+            </a:r>
+            <a:r>
               <a:rPr lang="en-US" b="1" dirty="0" smtClean="0"/>
-              <a:t>Phương pháp đề xuất 1:</a:t>
-            </a:r>
-          </a:p>
-          <a:p>
-            <a:pPr marL="342900" lvl="1" indent="-342900">
-              <a:buClr>
-                <a:schemeClr val="tx2"/>
-              </a:buClr>
-              <a:buSzPct val="115000"/>
-            </a:pPr>
+              <a:t> </a:t>
+            </a:r>
             <a:r>
               <a:rPr lang="en-US" b="1" dirty="0" smtClean="0"/>
-              <a:t>Xây dựng tập tin miêu tả ngữ nghĩa cho database và các mối quan hệ giữa các bảng.</a:t>
+              <a:t>dựng tập tin miêu tả ngữ nghĩa cho database và các mối quan hệ giữa các bảng.</a:t>
             </a:r>
           </a:p>
           <a:p>
